--- a/report/Presentation1.pptx
+++ b/report/Presentation1.pptx
@@ -12,6 +12,7 @@
     <p:sldId id="261" r:id="rId6"/>
     <p:sldId id="262" r:id="rId7"/>
     <p:sldId id="263" r:id="rId8"/>
+    <p:sldId id="264" r:id="rId9"/>
   </p:sldIdLst>
   <p:sldSz cx="12192000" cy="6858000"/>
   <p:notesSz cx="6858000" cy="9144000"/>
@@ -265,7 +266,7 @@
           <a:p>
             <a:fld id="{37D7B70A-3064-4B79-B03A-B5A0980E31AA}" type="datetimeFigureOut">
               <a:rPr lang="en-US" smtClean="0"/>
-              <a:t>12/11/2023</a:t>
+              <a:t>12/12/2023</a:t>
             </a:fld>
             <a:endParaRPr lang="en-US"/>
           </a:p>
@@ -463,7 +464,7 @@
           <a:p>
             <a:fld id="{37D7B70A-3064-4B79-B03A-B5A0980E31AA}" type="datetimeFigureOut">
               <a:rPr lang="en-US" smtClean="0"/>
-              <a:t>12/11/2023</a:t>
+              <a:t>12/12/2023</a:t>
             </a:fld>
             <a:endParaRPr lang="en-US"/>
           </a:p>
@@ -671,7 +672,7 @@
           <a:p>
             <a:fld id="{37D7B70A-3064-4B79-B03A-B5A0980E31AA}" type="datetimeFigureOut">
               <a:rPr lang="en-US" smtClean="0"/>
-              <a:t>12/11/2023</a:t>
+              <a:t>12/12/2023</a:t>
             </a:fld>
             <a:endParaRPr lang="en-US"/>
           </a:p>
@@ -869,7 +870,7 @@
           <a:p>
             <a:fld id="{37D7B70A-3064-4B79-B03A-B5A0980E31AA}" type="datetimeFigureOut">
               <a:rPr lang="en-US" smtClean="0"/>
-              <a:t>12/11/2023</a:t>
+              <a:t>12/12/2023</a:t>
             </a:fld>
             <a:endParaRPr lang="en-US"/>
           </a:p>
@@ -1144,7 +1145,7 @@
           <a:p>
             <a:fld id="{37D7B70A-3064-4B79-B03A-B5A0980E31AA}" type="datetimeFigureOut">
               <a:rPr lang="en-US" smtClean="0"/>
-              <a:t>12/11/2023</a:t>
+              <a:t>12/12/2023</a:t>
             </a:fld>
             <a:endParaRPr lang="en-US"/>
           </a:p>
@@ -1409,7 +1410,7 @@
           <a:p>
             <a:fld id="{37D7B70A-3064-4B79-B03A-B5A0980E31AA}" type="datetimeFigureOut">
               <a:rPr lang="en-US" smtClean="0"/>
-              <a:t>12/11/2023</a:t>
+              <a:t>12/12/2023</a:t>
             </a:fld>
             <a:endParaRPr lang="en-US"/>
           </a:p>
@@ -1821,7 +1822,7 @@
           <a:p>
             <a:fld id="{37D7B70A-3064-4B79-B03A-B5A0980E31AA}" type="datetimeFigureOut">
               <a:rPr lang="en-US" smtClean="0"/>
-              <a:t>12/11/2023</a:t>
+              <a:t>12/12/2023</a:t>
             </a:fld>
             <a:endParaRPr lang="en-US"/>
           </a:p>
@@ -1962,7 +1963,7 @@
           <a:p>
             <a:fld id="{37D7B70A-3064-4B79-B03A-B5A0980E31AA}" type="datetimeFigureOut">
               <a:rPr lang="en-US" smtClean="0"/>
-              <a:t>12/11/2023</a:t>
+              <a:t>12/12/2023</a:t>
             </a:fld>
             <a:endParaRPr lang="en-US"/>
           </a:p>
@@ -2075,7 +2076,7 @@
           <a:p>
             <a:fld id="{37D7B70A-3064-4B79-B03A-B5A0980E31AA}" type="datetimeFigureOut">
               <a:rPr lang="en-US" smtClean="0"/>
-              <a:t>12/11/2023</a:t>
+              <a:t>12/12/2023</a:t>
             </a:fld>
             <a:endParaRPr lang="en-US"/>
           </a:p>
@@ -2386,7 +2387,7 @@
           <a:p>
             <a:fld id="{37D7B70A-3064-4B79-B03A-B5A0980E31AA}" type="datetimeFigureOut">
               <a:rPr lang="en-US" smtClean="0"/>
-              <a:t>12/11/2023</a:t>
+              <a:t>12/12/2023</a:t>
             </a:fld>
             <a:endParaRPr lang="en-US"/>
           </a:p>
@@ -2674,7 +2675,7 @@
           <a:p>
             <a:fld id="{37D7B70A-3064-4B79-B03A-B5A0980E31AA}" type="datetimeFigureOut">
               <a:rPr lang="en-US" smtClean="0"/>
-              <a:t>12/11/2023</a:t>
+              <a:t>12/12/2023</a:t>
             </a:fld>
             <a:endParaRPr lang="en-US"/>
           </a:p>
@@ -2915,7 +2916,7 @@
           <a:p>
             <a:fld id="{37D7B70A-3064-4B79-B03A-B5A0980E31AA}" type="datetimeFigureOut">
               <a:rPr lang="en-US" smtClean="0"/>
-              <a:t>12/11/2023</a:t>
+              <a:t>12/12/2023</a:t>
             </a:fld>
             <a:endParaRPr lang="en-US"/>
           </a:p>
@@ -15285,8 +15286,8 @@
           </a:p>
         </p:txBody>
       </p:sp>
-      <mc:AlternateContent xmlns:mc="http://schemas.openxmlformats.org/markup-compatibility/2006">
-        <mc:Choice xmlns:a14="http://schemas.microsoft.com/office/drawing/2010/main" Requires="a14">
+      <mc:AlternateContent xmlns:mc="http://schemas.openxmlformats.org/markup-compatibility/2006" xmlns:a14="http://schemas.microsoft.com/office/drawing/2010/main">
+        <mc:Choice Requires="a14">
           <p:sp>
             <p:nvSpPr>
               <p:cNvPr id="2" name="Rectangle 1">
@@ -15398,7 +15399,7 @@
             </p:txBody>
           </p:sp>
         </mc:Choice>
-        <mc:Fallback>
+        <mc:Fallback xmlns="">
           <p:sp>
             <p:nvSpPr>
               <p:cNvPr id="2" name="Rectangle 1">
@@ -15451,8 +15452,8 @@
           </p:sp>
         </mc:Fallback>
       </mc:AlternateContent>
-      <mc:AlternateContent xmlns:mc="http://schemas.openxmlformats.org/markup-compatibility/2006">
-        <mc:Choice xmlns:a14="http://schemas.microsoft.com/office/drawing/2010/main" Requires="a14">
+      <mc:AlternateContent xmlns:mc="http://schemas.openxmlformats.org/markup-compatibility/2006" xmlns:a14="http://schemas.microsoft.com/office/drawing/2010/main">
+        <mc:Choice Requires="a14">
           <p:sp>
             <p:nvSpPr>
               <p:cNvPr id="3" name="Rectangle 2">
@@ -15564,7 +15565,7 @@
             </p:txBody>
           </p:sp>
         </mc:Choice>
-        <mc:Fallback>
+        <mc:Fallback xmlns="">
           <p:sp>
             <p:nvSpPr>
               <p:cNvPr id="3" name="Rectangle 2">
@@ -15617,8 +15618,8 @@
           </p:sp>
         </mc:Fallback>
       </mc:AlternateContent>
-      <mc:AlternateContent xmlns:mc="http://schemas.openxmlformats.org/markup-compatibility/2006">
-        <mc:Choice xmlns:a14="http://schemas.microsoft.com/office/drawing/2010/main" Requires="a14">
+      <mc:AlternateContent xmlns:mc="http://schemas.openxmlformats.org/markup-compatibility/2006" xmlns:a14="http://schemas.microsoft.com/office/drawing/2010/main">
+        <mc:Choice Requires="a14">
           <p:sp>
             <p:nvSpPr>
               <p:cNvPr id="4" name="Rectangle 3">
@@ -15701,7 +15702,7 @@
             </p:txBody>
           </p:sp>
         </mc:Choice>
-        <mc:Fallback>
+        <mc:Fallback xmlns="">
           <p:sp>
             <p:nvSpPr>
               <p:cNvPr id="4" name="Rectangle 3">
@@ -15828,8 +15829,8 @@
             <a:chExt cx="1297639" cy="479320"/>
           </a:xfrm>
         </p:grpSpPr>
-        <mc:AlternateContent xmlns:mc="http://schemas.openxmlformats.org/markup-compatibility/2006">
-          <mc:Choice xmlns:a14="http://schemas.microsoft.com/office/drawing/2010/main" Requires="a14">
+        <mc:AlternateContent xmlns:mc="http://schemas.openxmlformats.org/markup-compatibility/2006" xmlns:a14="http://schemas.microsoft.com/office/drawing/2010/main">
+          <mc:Choice Requires="a14">
             <p:sp>
               <p:nvSpPr>
                 <p:cNvPr id="6" name="Rectangle 5">
@@ -15941,7 +15942,7 @@
               </p:txBody>
             </p:sp>
           </mc:Choice>
-          <mc:Fallback>
+          <mc:Fallback xmlns="">
             <p:sp>
               <p:nvSpPr>
                 <p:cNvPr id="6" name="Rectangle 5">
@@ -15994,8 +15995,8 @@
             </p:sp>
           </mc:Fallback>
         </mc:AlternateContent>
-        <mc:AlternateContent xmlns:mc="http://schemas.openxmlformats.org/markup-compatibility/2006">
-          <mc:Choice xmlns:a14="http://schemas.microsoft.com/office/drawing/2010/main" Requires="a14">
+        <mc:AlternateContent xmlns:mc="http://schemas.openxmlformats.org/markup-compatibility/2006" xmlns:a14="http://schemas.microsoft.com/office/drawing/2010/main">
+          <mc:Choice Requires="a14">
             <p:sp>
               <p:nvSpPr>
                 <p:cNvPr id="7" name="Rectangle 6">
@@ -16107,7 +16108,7 @@
               </p:txBody>
             </p:sp>
           </mc:Choice>
-          <mc:Fallback>
+          <mc:Fallback xmlns="">
             <p:sp>
               <p:nvSpPr>
                 <p:cNvPr id="7" name="Rectangle 6">
@@ -17219,8 +17220,8 @@
           </p:txBody>
         </p:sp>
       </p:grpSp>
-      <mc:AlternateContent xmlns:mc="http://schemas.openxmlformats.org/markup-compatibility/2006">
-        <mc:Choice xmlns:a14="http://schemas.microsoft.com/office/drawing/2010/main" Requires="a14">
+      <mc:AlternateContent xmlns:mc="http://schemas.openxmlformats.org/markup-compatibility/2006" xmlns:a14="http://schemas.microsoft.com/office/drawing/2010/main">
+        <mc:Choice Requires="a14">
           <p:sp>
             <p:nvSpPr>
               <p:cNvPr id="50" name="Rectangle 49">
@@ -17343,7 +17344,7 @@
             </p:txBody>
           </p:sp>
         </mc:Choice>
-        <mc:Fallback>
+        <mc:Fallback xmlns="">
           <p:sp>
             <p:nvSpPr>
               <p:cNvPr id="50" name="Rectangle 49">
@@ -17395,8 +17396,8 @@
           </p:sp>
         </mc:Fallback>
       </mc:AlternateContent>
-      <mc:AlternateContent xmlns:mc="http://schemas.openxmlformats.org/markup-compatibility/2006">
-        <mc:Choice xmlns:a14="http://schemas.microsoft.com/office/drawing/2010/main" Requires="a14">
+      <mc:AlternateContent xmlns:mc="http://schemas.openxmlformats.org/markup-compatibility/2006" xmlns:a14="http://schemas.microsoft.com/office/drawing/2010/main">
+        <mc:Choice Requires="a14">
           <p:sp>
             <p:nvSpPr>
               <p:cNvPr id="55" name="Rectangle 54">
@@ -17519,7 +17520,7 @@
             </p:txBody>
           </p:sp>
         </mc:Choice>
-        <mc:Fallback>
+        <mc:Fallback xmlns="">
           <p:sp>
             <p:nvSpPr>
               <p:cNvPr id="55" name="Rectangle 54">
@@ -17665,8 +17666,8 @@
           </a:fontRef>
         </p:style>
       </p:cxnSp>
-      <mc:AlternateContent xmlns:mc="http://schemas.openxmlformats.org/markup-compatibility/2006">
-        <mc:Choice xmlns:a14="http://schemas.microsoft.com/office/drawing/2010/main" Requires="a14">
+      <mc:AlternateContent xmlns:mc="http://schemas.openxmlformats.org/markup-compatibility/2006" xmlns:a14="http://schemas.microsoft.com/office/drawing/2010/main">
+        <mc:Choice Requires="a14">
           <p:sp>
             <p:nvSpPr>
               <p:cNvPr id="51" name="Rectangle 50">
@@ -17789,7 +17790,7 @@
             </p:txBody>
           </p:sp>
         </mc:Choice>
-        <mc:Fallback>
+        <mc:Fallback xmlns="">
           <p:sp>
             <p:nvSpPr>
               <p:cNvPr id="51" name="Rectangle 50">
@@ -17841,8 +17842,8 @@
           </p:sp>
         </mc:Fallback>
       </mc:AlternateContent>
-      <mc:AlternateContent xmlns:mc="http://schemas.openxmlformats.org/markup-compatibility/2006">
-        <mc:Choice xmlns:a14="http://schemas.microsoft.com/office/drawing/2010/main" Requires="a14">
+      <mc:AlternateContent xmlns:mc="http://schemas.openxmlformats.org/markup-compatibility/2006" xmlns:a14="http://schemas.microsoft.com/office/drawing/2010/main">
+        <mc:Choice Requires="a14">
           <p:sp>
             <p:nvSpPr>
               <p:cNvPr id="52" name="Rectangle 51">
@@ -17965,7 +17966,7 @@
             </p:txBody>
           </p:sp>
         </mc:Choice>
-        <mc:Fallback>
+        <mc:Fallback xmlns="">
           <p:sp>
             <p:nvSpPr>
               <p:cNvPr id="52" name="Rectangle 51">
@@ -18085,8 +18086,8 @@
             <a:chExt cx="1289825" cy="479320"/>
           </a:xfrm>
         </p:grpSpPr>
-        <mc:AlternateContent xmlns:mc="http://schemas.openxmlformats.org/markup-compatibility/2006">
-          <mc:Choice xmlns:a14="http://schemas.microsoft.com/office/drawing/2010/main" Requires="a14">
+        <mc:AlternateContent xmlns:mc="http://schemas.openxmlformats.org/markup-compatibility/2006" xmlns:a14="http://schemas.microsoft.com/office/drawing/2010/main">
+          <mc:Choice Requires="a14">
             <p:sp>
               <p:nvSpPr>
                 <p:cNvPr id="44" name="Rectangle 43">
@@ -18198,7 +18199,7 @@
               </p:txBody>
             </p:sp>
           </mc:Choice>
-          <mc:Fallback>
+          <mc:Fallback xmlns="">
             <p:sp>
               <p:nvSpPr>
                 <p:cNvPr id="44" name="Rectangle 43">
@@ -18251,8 +18252,8 @@
             </p:sp>
           </mc:Fallback>
         </mc:AlternateContent>
-        <mc:AlternateContent xmlns:mc="http://schemas.openxmlformats.org/markup-compatibility/2006">
-          <mc:Choice xmlns:a14="http://schemas.microsoft.com/office/drawing/2010/main" Requires="a14">
+        <mc:AlternateContent xmlns:mc="http://schemas.openxmlformats.org/markup-compatibility/2006" xmlns:a14="http://schemas.microsoft.com/office/drawing/2010/main">
+          <mc:Choice Requires="a14">
             <p:sp>
               <p:nvSpPr>
                 <p:cNvPr id="45" name="Rectangle 44">
@@ -18364,7 +18365,7 @@
               </p:txBody>
             </p:sp>
           </mc:Choice>
-          <mc:Fallback>
+          <mc:Fallback xmlns="">
             <p:sp>
               <p:nvSpPr>
                 <p:cNvPr id="45" name="Rectangle 44">
@@ -19428,8 +19429,8 @@
           </a:fontRef>
         </p:style>
       </p:cxnSp>
-      <mc:AlternateContent xmlns:mc="http://schemas.openxmlformats.org/markup-compatibility/2006">
-        <mc:Choice xmlns:a14="http://schemas.microsoft.com/office/drawing/2010/main" Requires="a14">
+      <mc:AlternateContent xmlns:mc="http://schemas.openxmlformats.org/markup-compatibility/2006" xmlns:a14="http://schemas.microsoft.com/office/drawing/2010/main">
+        <mc:Choice Requires="a14">
           <p:sp>
             <p:nvSpPr>
               <p:cNvPr id="91" name="Rectangle 90">
@@ -19552,7 +19553,7 @@
             </p:txBody>
           </p:sp>
         </mc:Choice>
-        <mc:Fallback>
+        <mc:Fallback xmlns="">
           <p:sp>
             <p:nvSpPr>
               <p:cNvPr id="91" name="Rectangle 90">
@@ -19777,8 +19778,8 @@
             </a:p>
           </p:txBody>
         </p:sp>
-        <mc:AlternateContent xmlns:mc="http://schemas.openxmlformats.org/markup-compatibility/2006">
-          <mc:Choice xmlns:a14="http://schemas.microsoft.com/office/drawing/2010/main" Requires="a14">
+        <mc:AlternateContent xmlns:mc="http://schemas.openxmlformats.org/markup-compatibility/2006" xmlns:a14="http://schemas.microsoft.com/office/drawing/2010/main">
+          <mc:Choice Requires="a14">
             <p:sp>
               <p:nvSpPr>
                 <p:cNvPr id="95" name="Rectangle 94">
@@ -19899,7 +19900,7 @@
               </p:txBody>
             </p:sp>
           </mc:Choice>
-          <mc:Fallback>
+          <mc:Fallback xmlns="">
             <p:sp>
               <p:nvSpPr>
                 <p:cNvPr id="95" name="Rectangle 94">
@@ -19993,8 +19994,8 @@
             </a:p>
           </p:txBody>
         </p:sp>
-        <mc:AlternateContent xmlns:mc="http://schemas.openxmlformats.org/markup-compatibility/2006">
-          <mc:Choice xmlns:a14="http://schemas.microsoft.com/office/drawing/2010/main" Requires="a14">
+        <mc:AlternateContent xmlns:mc="http://schemas.openxmlformats.org/markup-compatibility/2006" xmlns:a14="http://schemas.microsoft.com/office/drawing/2010/main">
+          <mc:Choice Requires="a14">
             <p:sp>
               <p:nvSpPr>
                 <p:cNvPr id="97" name="Rectangle 96">
@@ -20117,7 +20118,7 @@
               </p:txBody>
             </p:sp>
           </mc:Choice>
-          <mc:Fallback>
+          <mc:Fallback xmlns="">
             <p:sp>
               <p:nvSpPr>
                 <p:cNvPr id="97" name="Rectangle 96">
@@ -20169,8 +20170,8 @@
             </p:sp>
           </mc:Fallback>
         </mc:AlternateContent>
-        <mc:AlternateContent xmlns:mc="http://schemas.openxmlformats.org/markup-compatibility/2006">
-          <mc:Choice xmlns:a14="http://schemas.microsoft.com/office/drawing/2010/main" Requires="a14">
+        <mc:AlternateContent xmlns:mc="http://schemas.openxmlformats.org/markup-compatibility/2006" xmlns:a14="http://schemas.microsoft.com/office/drawing/2010/main">
+          <mc:Choice Requires="a14">
             <p:sp>
               <p:nvSpPr>
                 <p:cNvPr id="98" name="Rectangle 97">
@@ -20293,7 +20294,7 @@
               </p:txBody>
             </p:sp>
           </mc:Choice>
-          <mc:Fallback>
+          <mc:Fallback xmlns="">
             <p:sp>
               <p:nvSpPr>
                 <p:cNvPr id="98" name="Rectangle 97">
@@ -20346,8 +20347,8 @@
           </mc:Fallback>
         </mc:AlternateContent>
       </p:grpSp>
-      <mc:AlternateContent xmlns:mc="http://schemas.openxmlformats.org/markup-compatibility/2006">
-        <mc:Choice xmlns:a14="http://schemas.microsoft.com/office/drawing/2010/main" Requires="a14">
+      <mc:AlternateContent xmlns:mc="http://schemas.openxmlformats.org/markup-compatibility/2006" xmlns:a14="http://schemas.microsoft.com/office/drawing/2010/main">
+        <mc:Choice Requires="a14">
           <p:sp>
             <p:nvSpPr>
               <p:cNvPr id="102" name="Rectangle 101">
@@ -20468,7 +20469,7 @@
             </p:txBody>
           </p:sp>
         </mc:Choice>
-        <mc:Fallback>
+        <mc:Fallback xmlns="">
           <p:sp>
             <p:nvSpPr>
               <p:cNvPr id="102" name="Rectangle 101">
@@ -20518,8 +20519,8 @@
           </p:sp>
         </mc:Fallback>
       </mc:AlternateContent>
-      <mc:AlternateContent xmlns:mc="http://schemas.openxmlformats.org/markup-compatibility/2006">
-        <mc:Choice xmlns:a14="http://schemas.microsoft.com/office/drawing/2010/main" Requires="a14">
+      <mc:AlternateContent xmlns:mc="http://schemas.openxmlformats.org/markup-compatibility/2006" xmlns:a14="http://schemas.microsoft.com/office/drawing/2010/main">
+        <mc:Choice Requires="a14">
           <p:sp>
             <p:nvSpPr>
               <p:cNvPr id="103" name="Rectangle 102">
@@ -20642,7 +20643,7 @@
             </p:txBody>
           </p:sp>
         </mc:Choice>
-        <mc:Fallback>
+        <mc:Fallback xmlns="">
           <p:sp>
             <p:nvSpPr>
               <p:cNvPr id="103" name="Rectangle 102">
@@ -20694,8 +20695,8 @@
           </p:sp>
         </mc:Fallback>
       </mc:AlternateContent>
-      <mc:AlternateContent xmlns:mc="http://schemas.openxmlformats.org/markup-compatibility/2006">
-        <mc:Choice xmlns:a14="http://schemas.microsoft.com/office/drawing/2010/main" Requires="a14">
+      <mc:AlternateContent xmlns:mc="http://schemas.openxmlformats.org/markup-compatibility/2006" xmlns:a14="http://schemas.microsoft.com/office/drawing/2010/main">
+        <mc:Choice Requires="a14">
           <p:sp>
             <p:nvSpPr>
               <p:cNvPr id="104" name="Rectangle 103">
@@ -20818,7 +20819,7 @@
             </p:txBody>
           </p:sp>
         </mc:Choice>
-        <mc:Fallback>
+        <mc:Fallback xmlns="">
           <p:sp>
             <p:nvSpPr>
               <p:cNvPr id="104" name="Rectangle 103">
@@ -21315,8 +21316,8 @@
           </a:fontRef>
         </p:style>
       </p:cxnSp>
-      <mc:AlternateContent xmlns:mc="http://schemas.openxmlformats.org/markup-compatibility/2006">
-        <mc:Choice xmlns:a14="http://schemas.microsoft.com/office/drawing/2010/main" Requires="a14">
+      <mc:AlternateContent xmlns:mc="http://schemas.openxmlformats.org/markup-compatibility/2006" xmlns:a14="http://schemas.microsoft.com/office/drawing/2010/main">
+        <mc:Choice Requires="a14">
           <p:sp>
             <p:nvSpPr>
               <p:cNvPr id="69" name="Rectangle 68">
@@ -21437,7 +21438,7 @@
             </p:txBody>
           </p:sp>
         </mc:Choice>
-        <mc:Fallback>
+        <mc:Fallback xmlns="">
           <p:sp>
             <p:nvSpPr>
               <p:cNvPr id="69" name="Rectangle 68">
@@ -21533,8 +21534,8 @@
           </a:fontRef>
         </p:style>
       </p:cxnSp>
-      <mc:AlternateContent xmlns:mc="http://schemas.openxmlformats.org/markup-compatibility/2006">
-        <mc:Choice xmlns:a14="http://schemas.microsoft.com/office/drawing/2010/main" Requires="a14">
+      <mc:AlternateContent xmlns:mc="http://schemas.openxmlformats.org/markup-compatibility/2006" xmlns:a14="http://schemas.microsoft.com/office/drawing/2010/main">
+        <mc:Choice Requires="a14">
           <p:sp>
             <p:nvSpPr>
               <p:cNvPr id="82" name="TextBox 81">
@@ -21563,6 +21564,7 @@
               </a:bodyPr>
               <a:lstStyle/>
               <a:p>
+                <a:pPr/>
                 <a14:m>
                   <m:oMathPara xmlns:m="http://schemas.openxmlformats.org/officeDocument/2006/math">
                     <m:oMathParaPr>
@@ -21599,7 +21601,7 @@
             </p:txBody>
           </p:sp>
         </mc:Choice>
-        <mc:Fallback>
+        <mc:Fallback xmlns="">
           <p:sp>
             <p:nvSpPr>
               <p:cNvPr id="82" name="TextBox 81">
@@ -21644,8 +21646,8 @@
           </p:sp>
         </mc:Fallback>
       </mc:AlternateContent>
-      <mc:AlternateContent xmlns:mc="http://schemas.openxmlformats.org/markup-compatibility/2006">
-        <mc:Choice xmlns:a14="http://schemas.microsoft.com/office/drawing/2010/main" Requires="a14">
+      <mc:AlternateContent xmlns:mc="http://schemas.openxmlformats.org/markup-compatibility/2006" xmlns:a14="http://schemas.microsoft.com/office/drawing/2010/main">
+        <mc:Choice Requires="a14">
           <p:sp>
             <p:nvSpPr>
               <p:cNvPr id="85" name="Rectangle 84">
@@ -21768,7 +21770,7 @@
             </p:txBody>
           </p:sp>
         </mc:Choice>
-        <mc:Fallback>
+        <mc:Fallback xmlns="">
           <p:sp>
             <p:nvSpPr>
               <p:cNvPr id="85" name="Rectangle 84">
@@ -21953,8 +21955,8 @@
           </a:p>
         </p:txBody>
       </p:sp>
-      <mc:AlternateContent xmlns:mc="http://schemas.openxmlformats.org/markup-compatibility/2006">
-        <mc:Choice xmlns:a14="http://schemas.microsoft.com/office/drawing/2010/main" Requires="a14">
+      <mc:AlternateContent xmlns:mc="http://schemas.openxmlformats.org/markup-compatibility/2006" xmlns:a14="http://schemas.microsoft.com/office/drawing/2010/main">
+        <mc:Choice Requires="a14">
           <p:sp>
             <p:nvSpPr>
               <p:cNvPr id="2" name="Rectangle 1">
@@ -22066,7 +22068,7 @@
             </p:txBody>
           </p:sp>
         </mc:Choice>
-        <mc:Fallback>
+        <mc:Fallback xmlns="">
           <p:sp>
             <p:nvSpPr>
               <p:cNvPr id="2" name="Rectangle 1">
@@ -22119,8 +22121,8 @@
           </p:sp>
         </mc:Fallback>
       </mc:AlternateContent>
-      <mc:AlternateContent xmlns:mc="http://schemas.openxmlformats.org/markup-compatibility/2006">
-        <mc:Choice xmlns:a14="http://schemas.microsoft.com/office/drawing/2010/main" Requires="a14">
+      <mc:AlternateContent xmlns:mc="http://schemas.openxmlformats.org/markup-compatibility/2006" xmlns:a14="http://schemas.microsoft.com/office/drawing/2010/main">
+        <mc:Choice Requires="a14">
           <p:sp>
             <p:nvSpPr>
               <p:cNvPr id="3" name="Rectangle 2">
@@ -22232,7 +22234,7 @@
             </p:txBody>
           </p:sp>
         </mc:Choice>
-        <mc:Fallback>
+        <mc:Fallback xmlns="">
           <p:sp>
             <p:nvSpPr>
               <p:cNvPr id="3" name="Rectangle 2">
@@ -22285,8 +22287,8 @@
           </p:sp>
         </mc:Fallback>
       </mc:AlternateContent>
-      <mc:AlternateContent xmlns:mc="http://schemas.openxmlformats.org/markup-compatibility/2006">
-        <mc:Choice xmlns:a14="http://schemas.microsoft.com/office/drawing/2010/main" Requires="a14">
+      <mc:AlternateContent xmlns:mc="http://schemas.openxmlformats.org/markup-compatibility/2006" xmlns:a14="http://schemas.microsoft.com/office/drawing/2010/main">
+        <mc:Choice Requires="a14">
           <p:sp>
             <p:nvSpPr>
               <p:cNvPr id="4" name="Rectangle 3">
@@ -22369,7 +22371,7 @@
             </p:txBody>
           </p:sp>
         </mc:Choice>
-        <mc:Fallback>
+        <mc:Fallback xmlns="">
           <p:sp>
             <p:nvSpPr>
               <p:cNvPr id="4" name="Rectangle 3">
@@ -22496,8 +22498,8 @@
             <a:chExt cx="1297639" cy="479320"/>
           </a:xfrm>
         </p:grpSpPr>
-        <mc:AlternateContent xmlns:mc="http://schemas.openxmlformats.org/markup-compatibility/2006">
-          <mc:Choice xmlns:a14="http://schemas.microsoft.com/office/drawing/2010/main" Requires="a14">
+        <mc:AlternateContent xmlns:mc="http://schemas.openxmlformats.org/markup-compatibility/2006" xmlns:a14="http://schemas.microsoft.com/office/drawing/2010/main">
+          <mc:Choice Requires="a14">
             <p:sp>
               <p:nvSpPr>
                 <p:cNvPr id="6" name="Rectangle 5">
@@ -22601,7 +22603,7 @@
               </p:txBody>
             </p:sp>
           </mc:Choice>
-          <mc:Fallback>
+          <mc:Fallback xmlns="">
             <p:sp>
               <p:nvSpPr>
                 <p:cNvPr id="6" name="Rectangle 5">
@@ -22654,8 +22656,8 @@
             </p:sp>
           </mc:Fallback>
         </mc:AlternateContent>
-        <mc:AlternateContent xmlns:mc="http://schemas.openxmlformats.org/markup-compatibility/2006">
-          <mc:Choice xmlns:a14="http://schemas.microsoft.com/office/drawing/2010/main" Requires="a14">
+        <mc:AlternateContent xmlns:mc="http://schemas.openxmlformats.org/markup-compatibility/2006" xmlns:a14="http://schemas.microsoft.com/office/drawing/2010/main">
+          <mc:Choice Requires="a14">
             <p:sp>
               <p:nvSpPr>
                 <p:cNvPr id="7" name="Rectangle 6">
@@ -22767,7 +22769,7 @@
               </p:txBody>
             </p:sp>
           </mc:Choice>
-          <mc:Fallback>
+          <mc:Fallback xmlns="">
             <p:sp>
               <p:nvSpPr>
                 <p:cNvPr id="7" name="Rectangle 6">
@@ -23032,8 +23034,8 @@
             <a:chExt cx="1289825" cy="479320"/>
           </a:xfrm>
         </p:grpSpPr>
-        <mc:AlternateContent xmlns:mc="http://schemas.openxmlformats.org/markup-compatibility/2006">
-          <mc:Choice xmlns:a14="http://schemas.microsoft.com/office/drawing/2010/main" Requires="a14">
+        <mc:AlternateContent xmlns:mc="http://schemas.openxmlformats.org/markup-compatibility/2006" xmlns:a14="http://schemas.microsoft.com/office/drawing/2010/main">
+          <mc:Choice Requires="a14">
             <p:sp>
               <p:nvSpPr>
                 <p:cNvPr id="12" name="Rectangle 11">
@@ -23145,7 +23147,7 @@
               </p:txBody>
             </p:sp>
           </mc:Choice>
-          <mc:Fallback>
+          <mc:Fallback xmlns="">
             <p:sp>
               <p:nvSpPr>
                 <p:cNvPr id="12" name="Rectangle 11">
@@ -23198,8 +23200,8 @@
             </p:sp>
           </mc:Fallback>
         </mc:AlternateContent>
-        <mc:AlternateContent xmlns:mc="http://schemas.openxmlformats.org/markup-compatibility/2006">
-          <mc:Choice xmlns:a14="http://schemas.microsoft.com/office/drawing/2010/main" Requires="a14">
+        <mc:AlternateContent xmlns:mc="http://schemas.openxmlformats.org/markup-compatibility/2006" xmlns:a14="http://schemas.microsoft.com/office/drawing/2010/main">
+          <mc:Choice Requires="a14">
             <p:sp>
               <p:nvSpPr>
                 <p:cNvPr id="13" name="Rectangle 12">
@@ -23311,7 +23313,7 @@
               </p:txBody>
             </p:sp>
           </mc:Choice>
-          <mc:Fallback>
+          <mc:Fallback xmlns="">
             <p:sp>
               <p:nvSpPr>
                 <p:cNvPr id="13" name="Rectangle 12">
@@ -23879,8 +23881,8 @@
           </p:txBody>
         </p:sp>
       </p:grpSp>
-      <mc:AlternateContent xmlns:mc="http://schemas.openxmlformats.org/markup-compatibility/2006">
-        <mc:Choice xmlns:a14="http://schemas.microsoft.com/office/drawing/2010/main" Requires="a14">
+      <mc:AlternateContent xmlns:mc="http://schemas.openxmlformats.org/markup-compatibility/2006" xmlns:a14="http://schemas.microsoft.com/office/drawing/2010/main">
+        <mc:Choice Requires="a14">
           <p:sp>
             <p:nvSpPr>
               <p:cNvPr id="50" name="Rectangle 49">
@@ -24003,7 +24005,7 @@
             </p:txBody>
           </p:sp>
         </mc:Choice>
-        <mc:Fallback>
+        <mc:Fallback xmlns="">
           <p:sp>
             <p:nvSpPr>
               <p:cNvPr id="50" name="Rectangle 49">
@@ -24055,8 +24057,8 @@
           </p:sp>
         </mc:Fallback>
       </mc:AlternateContent>
-      <mc:AlternateContent xmlns:mc="http://schemas.openxmlformats.org/markup-compatibility/2006">
-        <mc:Choice xmlns:a14="http://schemas.microsoft.com/office/drawing/2010/main" Requires="a14">
+      <mc:AlternateContent xmlns:mc="http://schemas.openxmlformats.org/markup-compatibility/2006" xmlns:a14="http://schemas.microsoft.com/office/drawing/2010/main">
+        <mc:Choice Requires="a14">
           <p:sp>
             <p:nvSpPr>
               <p:cNvPr id="55" name="Rectangle 54">
@@ -24179,7 +24181,7 @@
             </p:txBody>
           </p:sp>
         </mc:Choice>
-        <mc:Fallback>
+        <mc:Fallback xmlns="">
           <p:sp>
             <p:nvSpPr>
               <p:cNvPr id="55" name="Rectangle 54">
@@ -24325,8 +24327,8 @@
           </a:fontRef>
         </p:style>
       </p:cxnSp>
-      <mc:AlternateContent xmlns:mc="http://schemas.openxmlformats.org/markup-compatibility/2006">
-        <mc:Choice xmlns:a14="http://schemas.microsoft.com/office/drawing/2010/main" Requires="a14">
+      <mc:AlternateContent xmlns:mc="http://schemas.openxmlformats.org/markup-compatibility/2006" xmlns:a14="http://schemas.microsoft.com/office/drawing/2010/main">
+        <mc:Choice Requires="a14">
           <p:sp>
             <p:nvSpPr>
               <p:cNvPr id="51" name="Rectangle 50">
@@ -24449,7 +24451,7 @@
             </p:txBody>
           </p:sp>
         </mc:Choice>
-        <mc:Fallback>
+        <mc:Fallback xmlns="">
           <p:sp>
             <p:nvSpPr>
               <p:cNvPr id="51" name="Rectangle 50">
@@ -24501,8 +24503,8 @@
           </p:sp>
         </mc:Fallback>
       </mc:AlternateContent>
-      <mc:AlternateContent xmlns:mc="http://schemas.openxmlformats.org/markup-compatibility/2006">
-        <mc:Choice xmlns:a14="http://schemas.microsoft.com/office/drawing/2010/main" Requires="a14">
+      <mc:AlternateContent xmlns:mc="http://schemas.openxmlformats.org/markup-compatibility/2006" xmlns:a14="http://schemas.microsoft.com/office/drawing/2010/main">
+        <mc:Choice Requires="a14">
           <p:sp>
             <p:nvSpPr>
               <p:cNvPr id="52" name="Rectangle 51">
@@ -24625,7 +24627,7 @@
             </p:txBody>
           </p:sp>
         </mc:Choice>
-        <mc:Fallback>
+        <mc:Fallback xmlns="">
           <p:sp>
             <p:nvSpPr>
               <p:cNvPr id="52" name="Rectangle 51">
@@ -24745,8 +24747,8 @@
             <a:chExt cx="1289825" cy="479320"/>
           </a:xfrm>
         </p:grpSpPr>
-        <mc:AlternateContent xmlns:mc="http://schemas.openxmlformats.org/markup-compatibility/2006">
-          <mc:Choice xmlns:a14="http://schemas.microsoft.com/office/drawing/2010/main" Requires="a14">
+        <mc:AlternateContent xmlns:mc="http://schemas.openxmlformats.org/markup-compatibility/2006" xmlns:a14="http://schemas.microsoft.com/office/drawing/2010/main">
+          <mc:Choice Requires="a14">
             <p:sp>
               <p:nvSpPr>
                 <p:cNvPr id="44" name="Rectangle 43">
@@ -24829,7 +24831,7 @@
               </p:txBody>
             </p:sp>
           </mc:Choice>
-          <mc:Fallback>
+          <mc:Fallback xmlns="">
             <p:sp>
               <p:nvSpPr>
                 <p:cNvPr id="44" name="Rectangle 43">
@@ -24882,8 +24884,8 @@
             </p:sp>
           </mc:Fallback>
         </mc:AlternateContent>
-        <mc:AlternateContent xmlns:mc="http://schemas.openxmlformats.org/markup-compatibility/2006">
-          <mc:Choice xmlns:a14="http://schemas.microsoft.com/office/drawing/2010/main" Requires="a14">
+        <mc:AlternateContent xmlns:mc="http://schemas.openxmlformats.org/markup-compatibility/2006" xmlns:a14="http://schemas.microsoft.com/office/drawing/2010/main">
+          <mc:Choice Requires="a14">
             <p:sp>
               <p:nvSpPr>
                 <p:cNvPr id="45" name="Rectangle 44">
@@ -24966,7 +24968,7 @@
               </p:txBody>
             </p:sp>
           </mc:Choice>
-          <mc:Fallback>
+          <mc:Fallback xmlns="">
             <p:sp>
               <p:nvSpPr>
                 <p:cNvPr id="45" name="Rectangle 44">
@@ -25806,8 +25808,8 @@
           </p:txBody>
         </p:sp>
       </p:grpSp>
-      <mc:AlternateContent xmlns:mc="http://schemas.openxmlformats.org/markup-compatibility/2006">
-        <mc:Choice xmlns:a14="http://schemas.microsoft.com/office/drawing/2010/main" Requires="a14">
+      <mc:AlternateContent xmlns:mc="http://schemas.openxmlformats.org/markup-compatibility/2006" xmlns:a14="http://schemas.microsoft.com/office/drawing/2010/main">
+        <mc:Choice Requires="a14">
           <p:sp>
             <p:nvSpPr>
               <p:cNvPr id="91" name="Rectangle 90">
@@ -25930,7 +25932,7 @@
             </p:txBody>
           </p:sp>
         </mc:Choice>
-        <mc:Fallback>
+        <mc:Fallback xmlns="">
           <p:sp>
             <p:nvSpPr>
               <p:cNvPr id="91" name="Rectangle 90">
@@ -26246,8 +26248,8 @@
           </a:p>
         </p:txBody>
       </p:sp>
-      <mc:AlternateContent xmlns:mc="http://schemas.openxmlformats.org/markup-compatibility/2006">
-        <mc:Choice xmlns:a14="http://schemas.microsoft.com/office/drawing/2010/main" Requires="a14">
+      <mc:AlternateContent xmlns:mc="http://schemas.openxmlformats.org/markup-compatibility/2006" xmlns:a14="http://schemas.microsoft.com/office/drawing/2010/main">
+        <mc:Choice Requires="a14">
           <p:sp>
             <p:nvSpPr>
               <p:cNvPr id="102" name="Rectangle 101">
@@ -26368,7 +26370,7 @@
             </p:txBody>
           </p:sp>
         </mc:Choice>
-        <mc:Fallback>
+        <mc:Fallback xmlns="">
           <p:sp>
             <p:nvSpPr>
               <p:cNvPr id="102" name="Rectangle 101">
@@ -26418,8 +26420,8 @@
           </p:sp>
         </mc:Fallback>
       </mc:AlternateContent>
-      <mc:AlternateContent xmlns:mc="http://schemas.openxmlformats.org/markup-compatibility/2006">
-        <mc:Choice xmlns:a14="http://schemas.microsoft.com/office/drawing/2010/main" Requires="a14">
+      <mc:AlternateContent xmlns:mc="http://schemas.openxmlformats.org/markup-compatibility/2006" xmlns:a14="http://schemas.microsoft.com/office/drawing/2010/main">
+        <mc:Choice Requires="a14">
           <p:sp>
             <p:nvSpPr>
               <p:cNvPr id="103" name="Rectangle 102">
@@ -26542,7 +26544,7 @@
             </p:txBody>
           </p:sp>
         </mc:Choice>
-        <mc:Fallback>
+        <mc:Fallback xmlns="">
           <p:sp>
             <p:nvSpPr>
               <p:cNvPr id="103" name="Rectangle 102">
@@ -26594,8 +26596,8 @@
           </p:sp>
         </mc:Fallback>
       </mc:AlternateContent>
-      <mc:AlternateContent xmlns:mc="http://schemas.openxmlformats.org/markup-compatibility/2006">
-        <mc:Choice xmlns:a14="http://schemas.microsoft.com/office/drawing/2010/main" Requires="a14">
+      <mc:AlternateContent xmlns:mc="http://schemas.openxmlformats.org/markup-compatibility/2006" xmlns:a14="http://schemas.microsoft.com/office/drawing/2010/main">
+        <mc:Choice Requires="a14">
           <p:sp>
             <p:nvSpPr>
               <p:cNvPr id="104" name="Rectangle 103">
@@ -26718,7 +26720,7 @@
             </p:txBody>
           </p:sp>
         </mc:Choice>
-        <mc:Fallback>
+        <mc:Fallback xmlns="">
           <p:sp>
             <p:nvSpPr>
               <p:cNvPr id="104" name="Rectangle 103">
@@ -27133,8 +27135,8 @@
           </a:fontRef>
         </p:style>
       </p:cxnSp>
-      <mc:AlternateContent xmlns:mc="http://schemas.openxmlformats.org/markup-compatibility/2006">
-        <mc:Choice xmlns:a14="http://schemas.microsoft.com/office/drawing/2010/main" Requires="a14">
+      <mc:AlternateContent xmlns:mc="http://schemas.openxmlformats.org/markup-compatibility/2006" xmlns:a14="http://schemas.microsoft.com/office/drawing/2010/main">
+        <mc:Choice Requires="a14">
           <p:sp>
             <p:nvSpPr>
               <p:cNvPr id="47" name="Rectangle 46">
@@ -27202,12 +27204,13 @@
                     <m:sSub>
                       <m:sSubPr>
                         <m:ctrlPr>
-                          <a:rPr lang="en-US" sz="1200">
+                          <a:rPr lang="en-US" sz="1200" i="1">
                             <a:solidFill>
                               <a:schemeClr val="accent5">
                                 <a:lumMod val="75000"/>
                               </a:schemeClr>
                             </a:solidFill>
+                            <a:latin typeface="Cambria Math" panose="02040503050406030204" pitchFamily="18" charset="0"/>
                           </a:rPr>
                         </m:ctrlPr>
                       </m:sSubPr>
@@ -27219,6 +27222,7 @@
                                 <a:lumMod val="75000"/>
                               </a:schemeClr>
                             </a:solidFill>
+                            <a:latin typeface="Cambria Math" panose="02040503050406030204" pitchFamily="18" charset="0"/>
                           </a:rPr>
                           <m:t>𝑘</m:t>
                         </m:r>
@@ -27231,6 +27235,7 @@
                                 <a:lumMod val="75000"/>
                               </a:schemeClr>
                             </a:solidFill>
+                            <a:latin typeface="Cambria Math" panose="02040503050406030204" pitchFamily="18" charset="0"/>
                           </a:rPr>
                           <m:t>4</m:t>
                         </m:r>
@@ -27251,7 +27256,7 @@
             </p:txBody>
           </p:sp>
         </mc:Choice>
-        <mc:Fallback>
+        <mc:Fallback xmlns="">
           <p:sp>
             <p:nvSpPr>
               <p:cNvPr id="47" name="Rectangle 46">
@@ -27491,8 +27496,8 @@
           </a:fontRef>
         </p:style>
       </p:cxnSp>
-      <mc:AlternateContent xmlns:mc="http://schemas.openxmlformats.org/markup-compatibility/2006">
-        <mc:Choice xmlns:a14="http://schemas.microsoft.com/office/drawing/2010/main" Requires="a14">
+      <mc:AlternateContent xmlns:mc="http://schemas.openxmlformats.org/markup-compatibility/2006" xmlns:a14="http://schemas.microsoft.com/office/drawing/2010/main">
+        <mc:Choice Requires="a14">
           <p:sp>
             <p:nvSpPr>
               <p:cNvPr id="82" name="Rectangle 81">
@@ -27615,7 +27620,7 @@
             </p:txBody>
           </p:sp>
         </mc:Choice>
-        <mc:Fallback>
+        <mc:Fallback xmlns="">
           <p:sp>
             <p:nvSpPr>
               <p:cNvPr id="82" name="Rectangle 81">
@@ -27761,8 +27766,8 @@
           </a:p>
         </p:txBody>
       </p:sp>
-      <mc:AlternateContent xmlns:mc="http://schemas.openxmlformats.org/markup-compatibility/2006">
-        <mc:Choice xmlns:a14="http://schemas.microsoft.com/office/drawing/2010/main" Requires="a14">
+      <mc:AlternateContent xmlns:mc="http://schemas.openxmlformats.org/markup-compatibility/2006" xmlns:a14="http://schemas.microsoft.com/office/drawing/2010/main">
+        <mc:Choice Requires="a14">
           <p:sp>
             <p:nvSpPr>
               <p:cNvPr id="109" name="Rectangle 108">
@@ -27885,7 +27890,7 @@
             </p:txBody>
           </p:sp>
         </mc:Choice>
-        <mc:Fallback>
+        <mc:Fallback xmlns="">
           <p:sp>
             <p:nvSpPr>
               <p:cNvPr id="109" name="Rectangle 108">
@@ -28071,8 +28076,8 @@
           </a:p>
         </p:txBody>
       </p:sp>
-      <mc:AlternateContent xmlns:mc="http://schemas.openxmlformats.org/markup-compatibility/2006">
-        <mc:Choice xmlns:a14="http://schemas.microsoft.com/office/drawing/2010/main" Requires="a14">
+      <mc:AlternateContent xmlns:mc="http://schemas.openxmlformats.org/markup-compatibility/2006" xmlns:a14="http://schemas.microsoft.com/office/drawing/2010/main">
+        <mc:Choice Requires="a14">
           <p:sp>
             <p:nvSpPr>
               <p:cNvPr id="2" name="Rectangle 1">
@@ -28184,7 +28189,7 @@
             </p:txBody>
           </p:sp>
         </mc:Choice>
-        <mc:Fallback>
+        <mc:Fallback xmlns="">
           <p:sp>
             <p:nvSpPr>
               <p:cNvPr id="2" name="Rectangle 1">
@@ -28237,8 +28242,8 @@
           </p:sp>
         </mc:Fallback>
       </mc:AlternateContent>
-      <mc:AlternateContent xmlns:mc="http://schemas.openxmlformats.org/markup-compatibility/2006">
-        <mc:Choice xmlns:a14="http://schemas.microsoft.com/office/drawing/2010/main" Requires="a14">
+      <mc:AlternateContent xmlns:mc="http://schemas.openxmlformats.org/markup-compatibility/2006" xmlns:a14="http://schemas.microsoft.com/office/drawing/2010/main">
+        <mc:Choice Requires="a14">
           <p:sp>
             <p:nvSpPr>
               <p:cNvPr id="3" name="Rectangle 2">
@@ -28344,7 +28349,7 @@
             </p:txBody>
           </p:sp>
         </mc:Choice>
-        <mc:Fallback>
+        <mc:Fallback xmlns="">
           <p:sp>
             <p:nvSpPr>
               <p:cNvPr id="3" name="Rectangle 2">
@@ -28397,8 +28402,8 @@
           </p:sp>
         </mc:Fallback>
       </mc:AlternateContent>
-      <mc:AlternateContent xmlns:mc="http://schemas.openxmlformats.org/markup-compatibility/2006">
-        <mc:Choice xmlns:a14="http://schemas.microsoft.com/office/drawing/2010/main" Requires="a14">
+      <mc:AlternateContent xmlns:mc="http://schemas.openxmlformats.org/markup-compatibility/2006" xmlns:a14="http://schemas.microsoft.com/office/drawing/2010/main">
+        <mc:Choice Requires="a14">
           <p:sp>
             <p:nvSpPr>
               <p:cNvPr id="4" name="Rectangle 3">
@@ -28481,7 +28486,7 @@
             </p:txBody>
           </p:sp>
         </mc:Choice>
-        <mc:Fallback>
+        <mc:Fallback xmlns="">
           <p:sp>
             <p:nvSpPr>
               <p:cNvPr id="4" name="Rectangle 3">
@@ -28608,8 +28613,8 @@
             <a:chExt cx="1297639" cy="479320"/>
           </a:xfrm>
         </p:grpSpPr>
-        <mc:AlternateContent xmlns:mc="http://schemas.openxmlformats.org/markup-compatibility/2006">
-          <mc:Choice xmlns:a14="http://schemas.microsoft.com/office/drawing/2010/main" Requires="a14">
+        <mc:AlternateContent xmlns:mc="http://schemas.openxmlformats.org/markup-compatibility/2006" xmlns:a14="http://schemas.microsoft.com/office/drawing/2010/main">
+          <mc:Choice Requires="a14">
             <p:sp>
               <p:nvSpPr>
                 <p:cNvPr id="6" name="Rectangle 5">
@@ -28725,7 +28730,7 @@
               </p:txBody>
             </p:sp>
           </mc:Choice>
-          <mc:Fallback>
+          <mc:Fallback xmlns="">
             <p:sp>
               <p:nvSpPr>
                 <p:cNvPr id="6" name="Rectangle 5">
@@ -28778,8 +28783,8 @@
             </p:sp>
           </mc:Fallback>
         </mc:AlternateContent>
-        <mc:AlternateContent xmlns:mc="http://schemas.openxmlformats.org/markup-compatibility/2006">
-          <mc:Choice xmlns:a14="http://schemas.microsoft.com/office/drawing/2010/main" Requires="a14">
+        <mc:AlternateContent xmlns:mc="http://schemas.openxmlformats.org/markup-compatibility/2006" xmlns:a14="http://schemas.microsoft.com/office/drawing/2010/main">
+          <mc:Choice Requires="a14">
             <p:sp>
               <p:nvSpPr>
                 <p:cNvPr id="7" name="Rectangle 6">
@@ -28895,7 +28900,7 @@
               </p:txBody>
             </p:sp>
           </mc:Choice>
-          <mc:Fallback>
+          <mc:Fallback xmlns="">
             <p:sp>
               <p:nvSpPr>
                 <p:cNvPr id="7" name="Rectangle 6">
@@ -28948,8 +28953,8 @@
             </p:sp>
           </mc:Fallback>
         </mc:AlternateContent>
-        <mc:AlternateContent xmlns:mc="http://schemas.openxmlformats.org/markup-compatibility/2006">
-          <mc:Choice xmlns:a14="http://schemas.microsoft.com/office/drawing/2010/main" Requires="a14">
+        <mc:AlternateContent xmlns:mc="http://schemas.openxmlformats.org/markup-compatibility/2006" xmlns:a14="http://schemas.microsoft.com/office/drawing/2010/main">
+          <mc:Choice Requires="a14">
             <p:sp>
               <p:nvSpPr>
                 <p:cNvPr id="8" name="Rectangle 7">
@@ -29034,7 +29039,7 @@
               </p:txBody>
             </p:sp>
           </mc:Choice>
-          <mc:Fallback>
+          <mc:Fallback xmlns="">
             <p:sp>
               <p:nvSpPr>
                 <p:cNvPr id="8" name="Rectangle 7">
@@ -29169,8 +29174,8 @@
             <a:chExt cx="1289825" cy="479320"/>
           </a:xfrm>
         </p:grpSpPr>
-        <mc:AlternateContent xmlns:mc="http://schemas.openxmlformats.org/markup-compatibility/2006">
-          <mc:Choice xmlns:a14="http://schemas.microsoft.com/office/drawing/2010/main" Requires="a14">
+        <mc:AlternateContent xmlns:mc="http://schemas.openxmlformats.org/markup-compatibility/2006" xmlns:a14="http://schemas.microsoft.com/office/drawing/2010/main">
+          <mc:Choice Requires="a14">
             <p:sp>
               <p:nvSpPr>
                 <p:cNvPr id="12" name="Rectangle 11">
@@ -29286,7 +29291,7 @@
               </p:txBody>
             </p:sp>
           </mc:Choice>
-          <mc:Fallback>
+          <mc:Fallback xmlns="">
             <p:sp>
               <p:nvSpPr>
                 <p:cNvPr id="12" name="Rectangle 11">
@@ -29339,8 +29344,8 @@
             </p:sp>
           </mc:Fallback>
         </mc:AlternateContent>
-        <mc:AlternateContent xmlns:mc="http://schemas.openxmlformats.org/markup-compatibility/2006">
-          <mc:Choice xmlns:a14="http://schemas.microsoft.com/office/drawing/2010/main" Requires="a14">
+        <mc:AlternateContent xmlns:mc="http://schemas.openxmlformats.org/markup-compatibility/2006" xmlns:a14="http://schemas.microsoft.com/office/drawing/2010/main">
+          <mc:Choice Requires="a14">
             <p:sp>
               <p:nvSpPr>
                 <p:cNvPr id="13" name="Rectangle 12">
@@ -29419,7 +29424,7 @@
               </p:txBody>
             </p:sp>
           </mc:Choice>
-          <mc:Fallback>
+          <mc:Fallback xmlns="">
             <p:sp>
               <p:nvSpPr>
                 <p:cNvPr id="13" name="Rectangle 12">
@@ -30001,8 +30006,8 @@
           </p:txBody>
         </p:sp>
       </p:grpSp>
-      <mc:AlternateContent xmlns:mc="http://schemas.openxmlformats.org/markup-compatibility/2006">
-        <mc:Choice xmlns:a14="http://schemas.microsoft.com/office/drawing/2010/main" Requires="a14">
+      <mc:AlternateContent xmlns:mc="http://schemas.openxmlformats.org/markup-compatibility/2006" xmlns:a14="http://schemas.microsoft.com/office/drawing/2010/main">
+        <mc:Choice Requires="a14">
           <p:sp>
             <p:nvSpPr>
               <p:cNvPr id="50" name="Rectangle 49">
@@ -30125,7 +30130,7 @@
             </p:txBody>
           </p:sp>
         </mc:Choice>
-        <mc:Fallback>
+        <mc:Fallback xmlns="">
           <p:sp>
             <p:nvSpPr>
               <p:cNvPr id="50" name="Rectangle 49">
@@ -30177,8 +30182,8 @@
           </p:sp>
         </mc:Fallback>
       </mc:AlternateContent>
-      <mc:AlternateContent xmlns:mc="http://schemas.openxmlformats.org/markup-compatibility/2006">
-        <mc:Choice xmlns:a14="http://schemas.microsoft.com/office/drawing/2010/main" Requires="a14">
+      <mc:AlternateContent xmlns:mc="http://schemas.openxmlformats.org/markup-compatibility/2006" xmlns:a14="http://schemas.microsoft.com/office/drawing/2010/main">
+        <mc:Choice Requires="a14">
           <p:sp>
             <p:nvSpPr>
               <p:cNvPr id="55" name="Rectangle 54">
@@ -30301,7 +30306,7 @@
             </p:txBody>
           </p:sp>
         </mc:Choice>
-        <mc:Fallback>
+        <mc:Fallback xmlns="">
           <p:sp>
             <p:nvSpPr>
               <p:cNvPr id="55" name="Rectangle 54">
@@ -30447,8 +30452,8 @@
           </a:fontRef>
         </p:style>
       </p:cxnSp>
-      <mc:AlternateContent xmlns:mc="http://schemas.openxmlformats.org/markup-compatibility/2006">
-        <mc:Choice xmlns:a14="http://schemas.microsoft.com/office/drawing/2010/main" Requires="a14">
+      <mc:AlternateContent xmlns:mc="http://schemas.openxmlformats.org/markup-compatibility/2006" xmlns:a14="http://schemas.microsoft.com/office/drawing/2010/main">
+        <mc:Choice Requires="a14">
           <p:sp>
             <p:nvSpPr>
               <p:cNvPr id="51" name="Rectangle 50">
@@ -30571,7 +30576,7 @@
             </p:txBody>
           </p:sp>
         </mc:Choice>
-        <mc:Fallback>
+        <mc:Fallback xmlns="">
           <p:sp>
             <p:nvSpPr>
               <p:cNvPr id="51" name="Rectangle 50">
@@ -30623,8 +30628,8 @@
           </p:sp>
         </mc:Fallback>
       </mc:AlternateContent>
-      <mc:AlternateContent xmlns:mc="http://schemas.openxmlformats.org/markup-compatibility/2006">
-        <mc:Choice xmlns:a14="http://schemas.microsoft.com/office/drawing/2010/main" Requires="a14">
+      <mc:AlternateContent xmlns:mc="http://schemas.openxmlformats.org/markup-compatibility/2006" xmlns:a14="http://schemas.microsoft.com/office/drawing/2010/main">
+        <mc:Choice Requires="a14">
           <p:sp>
             <p:nvSpPr>
               <p:cNvPr id="52" name="Rectangle 51">
@@ -30747,7 +30752,7 @@
             </p:txBody>
           </p:sp>
         </mc:Choice>
-        <mc:Fallback>
+        <mc:Fallback xmlns="">
           <p:sp>
             <p:nvSpPr>
               <p:cNvPr id="52" name="Rectangle 51">
@@ -30867,8 +30872,8 @@
             <a:chExt cx="1289825" cy="479320"/>
           </a:xfrm>
         </p:grpSpPr>
-        <mc:AlternateContent xmlns:mc="http://schemas.openxmlformats.org/markup-compatibility/2006">
-          <mc:Choice xmlns:a14="http://schemas.microsoft.com/office/drawing/2010/main" Requires="a14">
+        <mc:AlternateContent xmlns:mc="http://schemas.openxmlformats.org/markup-compatibility/2006" xmlns:a14="http://schemas.microsoft.com/office/drawing/2010/main">
+          <mc:Choice Requires="a14">
             <p:sp>
               <p:nvSpPr>
                 <p:cNvPr id="44" name="Rectangle 43">
@@ -30975,7 +30980,7 @@
               </p:txBody>
             </p:sp>
           </mc:Choice>
-          <mc:Fallback>
+          <mc:Fallback xmlns="">
             <p:sp>
               <p:nvSpPr>
                 <p:cNvPr id="44" name="Rectangle 43">
@@ -31028,8 +31033,8 @@
             </p:sp>
           </mc:Fallback>
         </mc:AlternateContent>
-        <mc:AlternateContent xmlns:mc="http://schemas.openxmlformats.org/markup-compatibility/2006">
-          <mc:Choice xmlns:a14="http://schemas.microsoft.com/office/drawing/2010/main" Requires="a14">
+        <mc:AlternateContent xmlns:mc="http://schemas.openxmlformats.org/markup-compatibility/2006" xmlns:a14="http://schemas.microsoft.com/office/drawing/2010/main">
+          <mc:Choice Requires="a14">
             <p:sp>
               <p:nvSpPr>
                 <p:cNvPr id="45" name="Rectangle 44">
@@ -31114,7 +31119,7 @@
               </p:txBody>
             </p:sp>
           </mc:Choice>
-          <mc:Fallback>
+          <mc:Fallback xmlns="">
             <p:sp>
               <p:nvSpPr>
                 <p:cNvPr id="45" name="Rectangle 44">
@@ -31608,8 +31613,8 @@
           </a:p>
         </p:txBody>
       </p:sp>
-      <mc:AlternateContent xmlns:mc="http://schemas.openxmlformats.org/markup-compatibility/2006">
-        <mc:Choice xmlns:a14="http://schemas.microsoft.com/office/drawing/2010/main" Requires="a14">
+      <mc:AlternateContent xmlns:mc="http://schemas.openxmlformats.org/markup-compatibility/2006" xmlns:a14="http://schemas.microsoft.com/office/drawing/2010/main">
+        <mc:Choice Requires="a14">
           <p:sp>
             <p:nvSpPr>
               <p:cNvPr id="91" name="Rectangle 90">
@@ -31732,7 +31737,7 @@
             </p:txBody>
           </p:sp>
         </mc:Choice>
-        <mc:Fallback>
+        <mc:Fallback xmlns="">
           <p:sp>
             <p:nvSpPr>
               <p:cNvPr id="91" name="Rectangle 90">
@@ -33045,8 +33050,8 @@
           </a:p>
         </p:txBody>
       </p:sp>
-      <mc:AlternateContent xmlns:mc="http://schemas.openxmlformats.org/markup-compatibility/2006">
-        <mc:Choice xmlns:a14="http://schemas.microsoft.com/office/drawing/2010/main" Requires="a14">
+      <mc:AlternateContent xmlns:mc="http://schemas.openxmlformats.org/markup-compatibility/2006" xmlns:a14="http://schemas.microsoft.com/office/drawing/2010/main">
+        <mc:Choice Requires="a14">
           <p:sp>
             <p:nvSpPr>
               <p:cNvPr id="100" name="Rectangle 99">
@@ -33169,7 +33174,7 @@
             </p:txBody>
           </p:sp>
         </mc:Choice>
-        <mc:Fallback>
+        <mc:Fallback xmlns="">
           <p:sp>
             <p:nvSpPr>
               <p:cNvPr id="100" name="Rectangle 99">
@@ -33225,6 +33230,7347 @@
     <p:extLst>
       <p:ext uri="{BB962C8B-B14F-4D97-AF65-F5344CB8AC3E}">
         <p14:creationId xmlns:p14="http://schemas.microsoft.com/office/powerpoint/2010/main" val="3302107870"/>
+      </p:ext>
+    </p:extLst>
+  </p:cSld>
+  <p:clrMapOvr>
+    <a:masterClrMapping/>
+  </p:clrMapOvr>
+</p:sld>
+</file>
+
+<file path=ppt/slides/slide8.xml><?xml version="1.0" encoding="utf-8"?>
+<p:sld xmlns:a="http://schemas.openxmlformats.org/drawingml/2006/main" xmlns:r="http://schemas.openxmlformats.org/officeDocument/2006/relationships" xmlns:p="http://schemas.openxmlformats.org/presentationml/2006/main">
+  <p:cSld>
+    <p:spTree>
+      <p:nvGrpSpPr>
+        <p:cNvPr id="1" name=""/>
+        <p:cNvGrpSpPr/>
+        <p:nvPr/>
+      </p:nvGrpSpPr>
+      <p:grpSpPr>
+        <a:xfrm>
+          <a:off x="0" y="0"/>
+          <a:ext cx="0" cy="0"/>
+          <a:chOff x="0" y="0"/>
+          <a:chExt cx="0" cy="0"/>
+        </a:xfrm>
+      </p:grpSpPr>
+      <p:grpSp>
+        <p:nvGrpSpPr>
+          <p:cNvPr id="33" name="Group 32">
+            <a:extLst>
+              <a:ext uri="{FF2B5EF4-FFF2-40B4-BE49-F238E27FC236}">
+                <a16:creationId xmlns:a16="http://schemas.microsoft.com/office/drawing/2014/main" id="{10DDA117-DDD3-0976-DB0A-75AA72C7044A}"/>
+              </a:ext>
+            </a:extLst>
+          </p:cNvPr>
+          <p:cNvGrpSpPr/>
+          <p:nvPr/>
+        </p:nvGrpSpPr>
+        <p:grpSpPr>
+          <a:xfrm>
+            <a:off x="2353414" y="4267722"/>
+            <a:ext cx="1270937" cy="479320"/>
+            <a:chOff x="4346338" y="2696829"/>
+            <a:chExt cx="1270937" cy="479320"/>
+          </a:xfrm>
+        </p:grpSpPr>
+        <mc:AlternateContent xmlns:mc="http://schemas.openxmlformats.org/markup-compatibility/2006">
+          <mc:Choice xmlns:a14="http://schemas.microsoft.com/office/drawing/2010/main" Requires="a14">
+            <p:sp>
+              <p:nvSpPr>
+                <p:cNvPr id="2" name="Rectangle 1">
+                  <a:extLst>
+                    <a:ext uri="{FF2B5EF4-FFF2-40B4-BE49-F238E27FC236}">
+                      <a16:creationId xmlns:a16="http://schemas.microsoft.com/office/drawing/2014/main" id="{31BB0D0B-C2EF-0BC4-CB83-DE9A308219C9}"/>
+                    </a:ext>
+                  </a:extLst>
+                </p:cNvPr>
+                <p:cNvSpPr/>
+                <p:nvPr/>
+              </p:nvSpPr>
+              <p:spPr>
+                <a:xfrm>
+                  <a:off x="4387784" y="2736068"/>
+                  <a:ext cx="398585" cy="398585"/>
+                </a:xfrm>
+                <a:prstGeom prst="rect">
+                  <a:avLst/>
+                </a:prstGeom>
+                <a:noFill/>
+                <a:ln>
+                  <a:solidFill>
+                    <a:schemeClr val="tx1">
+                      <a:lumMod val="50000"/>
+                      <a:lumOff val="50000"/>
+                    </a:schemeClr>
+                  </a:solidFill>
+                </a:ln>
+              </p:spPr>
+              <p:style>
+                <a:lnRef idx="2">
+                  <a:schemeClr val="accent1">
+                    <a:shade val="15000"/>
+                  </a:schemeClr>
+                </a:lnRef>
+                <a:fillRef idx="1">
+                  <a:schemeClr val="accent1"/>
+                </a:fillRef>
+                <a:effectRef idx="0">
+                  <a:schemeClr val="accent1"/>
+                </a:effectRef>
+                <a:fontRef idx="minor">
+                  <a:schemeClr val="lt1"/>
+                </a:fontRef>
+              </p:style>
+              <p:txBody>
+                <a:bodyPr rtlCol="0" anchor="ctr"/>
+                <a:lstStyle/>
+                <a:p>
+                  <a:pPr algn="ctr"/>
+                  <a14:m>
+                    <m:oMathPara xmlns:m="http://schemas.openxmlformats.org/officeDocument/2006/math">
+                      <m:oMathParaPr>
+                        <m:jc m:val="right"/>
+                      </m:oMathParaPr>
+                      <m:oMath xmlns:m="http://schemas.openxmlformats.org/officeDocument/2006/math">
+                        <m:sSub>
+                          <m:sSubPr>
+                            <m:ctrlPr>
+                              <a:rPr lang="en-US" b="0" i="1" smtClean="0">
+                                <a:solidFill>
+                                  <a:schemeClr val="bg2">
+                                    <a:lumMod val="25000"/>
+                                  </a:schemeClr>
+                                </a:solidFill>
+                                <a:latin typeface="Cambria Math" panose="02040503050406030204" pitchFamily="18" charset="0"/>
+                              </a:rPr>
+                            </m:ctrlPr>
+                          </m:sSubPr>
+                          <m:e>
+                            <m:r>
+                              <a:rPr lang="en-US" b="0" i="1" smtClean="0">
+                                <a:solidFill>
+                                  <a:schemeClr val="bg2">
+                                    <a:lumMod val="25000"/>
+                                  </a:schemeClr>
+                                </a:solidFill>
+                                <a:latin typeface="Cambria Math" panose="02040503050406030204" pitchFamily="18" charset="0"/>
+                              </a:rPr>
+                              <m:t>𝑘</m:t>
+                            </m:r>
+                          </m:e>
+                          <m:sub>
+                            <m:r>
+                              <a:rPr lang="en-US" b="0" i="1" smtClean="0">
+                                <a:solidFill>
+                                  <a:schemeClr val="bg2">
+                                    <a:lumMod val="25000"/>
+                                  </a:schemeClr>
+                                </a:solidFill>
+                                <a:latin typeface="Cambria Math" panose="02040503050406030204" pitchFamily="18" charset="0"/>
+                              </a:rPr>
+                              <m:t>1</m:t>
+                            </m:r>
+                          </m:sub>
+                        </m:sSub>
+                      </m:oMath>
+                    </m:oMathPara>
+                  </a14:m>
+                  <a:endParaRPr lang="en-US" dirty="0">
+                    <a:solidFill>
+                      <a:schemeClr val="bg2">
+                        <a:lumMod val="25000"/>
+                      </a:schemeClr>
+                    </a:solidFill>
+                  </a:endParaRPr>
+                </a:p>
+              </p:txBody>
+            </p:sp>
+          </mc:Choice>
+          <mc:Fallback>
+            <p:sp>
+              <p:nvSpPr>
+                <p:cNvPr id="2" name="Rectangle 1">
+                  <a:extLst>
+                    <a:ext uri="{FF2B5EF4-FFF2-40B4-BE49-F238E27FC236}">
+                      <a16:creationId xmlns:a16="http://schemas.microsoft.com/office/drawing/2014/main" id="{31BB0D0B-C2EF-0BC4-CB83-DE9A308219C9}"/>
+                    </a:ext>
+                  </a:extLst>
+                </p:cNvPr>
+                <p:cNvSpPr>
+                  <a:spLocks noRot="1" noChangeAspect="1" noMove="1" noResize="1" noEditPoints="1" noAdjustHandles="1" noChangeArrowheads="1" noChangeShapeType="1" noTextEdit="1"/>
+                </p:cNvSpPr>
+                <p:nvPr/>
+              </p:nvSpPr>
+              <p:spPr>
+                <a:xfrm>
+                  <a:off x="4387784" y="2736068"/>
+                  <a:ext cx="398585" cy="398585"/>
+                </a:xfrm>
+                <a:prstGeom prst="rect">
+                  <a:avLst/>
+                </a:prstGeom>
+                <a:blipFill>
+                  <a:blip r:embed="rId2"/>
+                  <a:stretch>
+                    <a:fillRect/>
+                  </a:stretch>
+                </a:blipFill>
+                <a:ln>
+                  <a:solidFill>
+                    <a:schemeClr val="tx1">
+                      <a:lumMod val="50000"/>
+                      <a:lumOff val="50000"/>
+                    </a:schemeClr>
+                  </a:solidFill>
+                </a:ln>
+              </p:spPr>
+              <p:txBody>
+                <a:bodyPr/>
+                <a:lstStyle/>
+                <a:p>
+                  <a:r>
+                    <a:rPr lang="en-US">
+                      <a:noFill/>
+                    </a:rPr>
+                    <a:t> </a:t>
+                  </a:r>
+                </a:p>
+              </p:txBody>
+            </p:sp>
+          </mc:Fallback>
+        </mc:AlternateContent>
+        <mc:AlternateContent xmlns:mc="http://schemas.openxmlformats.org/markup-compatibility/2006">
+          <mc:Choice xmlns:a14="http://schemas.microsoft.com/office/drawing/2010/main" Requires="a14">
+            <p:sp>
+              <p:nvSpPr>
+                <p:cNvPr id="3" name="Rectangle 2">
+                  <a:extLst>
+                    <a:ext uri="{FF2B5EF4-FFF2-40B4-BE49-F238E27FC236}">
+                      <a16:creationId xmlns:a16="http://schemas.microsoft.com/office/drawing/2014/main" id="{E202CA09-66EA-4598-AE6B-915557539B3B}"/>
+                    </a:ext>
+                  </a:extLst>
+                </p:cNvPr>
+                <p:cNvSpPr/>
+                <p:nvPr/>
+              </p:nvSpPr>
+              <p:spPr>
+                <a:xfrm>
+                  <a:off x="4790113" y="2736068"/>
+                  <a:ext cx="398585" cy="398585"/>
+                </a:xfrm>
+                <a:prstGeom prst="rect">
+                  <a:avLst/>
+                </a:prstGeom>
+                <a:noFill/>
+                <a:ln>
+                  <a:solidFill>
+                    <a:schemeClr val="tx1">
+                      <a:lumMod val="50000"/>
+                      <a:lumOff val="50000"/>
+                    </a:schemeClr>
+                  </a:solidFill>
+                </a:ln>
+              </p:spPr>
+              <p:style>
+                <a:lnRef idx="2">
+                  <a:schemeClr val="accent1">
+                    <a:shade val="15000"/>
+                  </a:schemeClr>
+                </a:lnRef>
+                <a:fillRef idx="1">
+                  <a:schemeClr val="accent1"/>
+                </a:fillRef>
+                <a:effectRef idx="0">
+                  <a:schemeClr val="accent1"/>
+                </a:effectRef>
+                <a:fontRef idx="minor">
+                  <a:schemeClr val="lt1"/>
+                </a:fontRef>
+              </p:style>
+              <p:txBody>
+                <a:bodyPr rtlCol="0" anchor="ctr"/>
+                <a:lstStyle/>
+                <a:p>
+                  <a:pPr algn="r"/>
+                  <a14:m>
+                    <m:oMathPara xmlns:m="http://schemas.openxmlformats.org/officeDocument/2006/math">
+                      <m:oMathParaPr>
+                        <m:jc m:val="centerGroup"/>
+                      </m:oMathParaPr>
+                      <m:oMath xmlns:m="http://schemas.openxmlformats.org/officeDocument/2006/math">
+                        <m:sSub>
+                          <m:sSubPr>
+                            <m:ctrlPr>
+                              <a:rPr lang="en-US" i="1">
+                                <a:solidFill>
+                                  <a:schemeClr val="tx1">
+                                    <a:lumMod val="75000"/>
+                                    <a:lumOff val="25000"/>
+                                  </a:schemeClr>
+                                </a:solidFill>
+                                <a:latin typeface="Cambria Math" panose="02040503050406030204" pitchFamily="18" charset="0"/>
+                              </a:rPr>
+                            </m:ctrlPr>
+                          </m:sSubPr>
+                          <m:e>
+                            <m:r>
+                              <a:rPr lang="en-US" i="1">
+                                <a:solidFill>
+                                  <a:schemeClr val="tx1">
+                                    <a:lumMod val="75000"/>
+                                    <a:lumOff val="25000"/>
+                                  </a:schemeClr>
+                                </a:solidFill>
+                                <a:latin typeface="Cambria Math" panose="02040503050406030204" pitchFamily="18" charset="0"/>
+                              </a:rPr>
+                              <m:t>𝑘</m:t>
+                            </m:r>
+                          </m:e>
+                          <m:sub>
+                            <m:r>
+                              <a:rPr lang="en-US" i="1">
+                                <a:solidFill>
+                                  <a:schemeClr val="tx1">
+                                    <a:lumMod val="75000"/>
+                                    <a:lumOff val="25000"/>
+                                  </a:schemeClr>
+                                </a:solidFill>
+                                <a:latin typeface="Cambria Math" panose="02040503050406030204" pitchFamily="18" charset="0"/>
+                              </a:rPr>
+                              <m:t>4</m:t>
+                            </m:r>
+                          </m:sub>
+                        </m:sSub>
+                      </m:oMath>
+                    </m:oMathPara>
+                  </a14:m>
+                  <a:endParaRPr lang="en-US" i="1" dirty="0">
+                    <a:solidFill>
+                      <a:schemeClr val="tx1">
+                        <a:lumMod val="75000"/>
+                        <a:lumOff val="25000"/>
+                      </a:schemeClr>
+                    </a:solidFill>
+                    <a:latin typeface="Cambria Math" panose="02040503050406030204" pitchFamily="18" charset="0"/>
+                  </a:endParaRPr>
+                </a:p>
+              </p:txBody>
+            </p:sp>
+          </mc:Choice>
+          <mc:Fallback>
+            <p:sp>
+              <p:nvSpPr>
+                <p:cNvPr id="3" name="Rectangle 2">
+                  <a:extLst>
+                    <a:ext uri="{FF2B5EF4-FFF2-40B4-BE49-F238E27FC236}">
+                      <a16:creationId xmlns:a16="http://schemas.microsoft.com/office/drawing/2014/main" id="{E202CA09-66EA-4598-AE6B-915557539B3B}"/>
+                    </a:ext>
+                  </a:extLst>
+                </p:cNvPr>
+                <p:cNvSpPr>
+                  <a:spLocks noRot="1" noChangeAspect="1" noMove="1" noResize="1" noEditPoints="1" noAdjustHandles="1" noChangeArrowheads="1" noChangeShapeType="1" noTextEdit="1"/>
+                </p:cNvSpPr>
+                <p:nvPr/>
+              </p:nvSpPr>
+              <p:spPr>
+                <a:xfrm>
+                  <a:off x="4790113" y="2736068"/>
+                  <a:ext cx="398585" cy="398585"/>
+                </a:xfrm>
+                <a:prstGeom prst="rect">
+                  <a:avLst/>
+                </a:prstGeom>
+                <a:blipFill>
+                  <a:blip r:embed="rId3"/>
+                  <a:stretch>
+                    <a:fillRect/>
+                  </a:stretch>
+                </a:blipFill>
+                <a:ln>
+                  <a:solidFill>
+                    <a:schemeClr val="tx1">
+                      <a:lumMod val="50000"/>
+                      <a:lumOff val="50000"/>
+                    </a:schemeClr>
+                  </a:solidFill>
+                </a:ln>
+              </p:spPr>
+              <p:txBody>
+                <a:bodyPr/>
+                <a:lstStyle/>
+                <a:p>
+                  <a:r>
+                    <a:rPr lang="en-US">
+                      <a:noFill/>
+                    </a:rPr>
+                    <a:t> </a:t>
+                  </a:r>
+                </a:p>
+              </p:txBody>
+            </p:sp>
+          </mc:Fallback>
+        </mc:AlternateContent>
+        <mc:AlternateContent xmlns:mc="http://schemas.openxmlformats.org/markup-compatibility/2006">
+          <mc:Choice xmlns:a14="http://schemas.microsoft.com/office/drawing/2010/main" Requires="a14">
+            <p:sp>
+              <p:nvSpPr>
+                <p:cNvPr id="4" name="Rectangle 3">
+                  <a:extLst>
+                    <a:ext uri="{FF2B5EF4-FFF2-40B4-BE49-F238E27FC236}">
+                      <a16:creationId xmlns:a16="http://schemas.microsoft.com/office/drawing/2014/main" id="{3F3C65D4-C81E-7B99-F19E-ED7E1F0F5E3C}"/>
+                    </a:ext>
+                  </a:extLst>
+                </p:cNvPr>
+                <p:cNvSpPr/>
+                <p:nvPr/>
+              </p:nvSpPr>
+              <p:spPr>
+                <a:xfrm>
+                  <a:off x="5185768" y="2736068"/>
+                  <a:ext cx="398585" cy="398585"/>
+                </a:xfrm>
+                <a:prstGeom prst="rect">
+                  <a:avLst/>
+                </a:prstGeom>
+                <a:noFill/>
+                <a:ln>
+                  <a:solidFill>
+                    <a:schemeClr val="tx1">
+                      <a:lumMod val="50000"/>
+                      <a:lumOff val="50000"/>
+                    </a:schemeClr>
+                  </a:solidFill>
+                </a:ln>
+              </p:spPr>
+              <p:style>
+                <a:lnRef idx="2">
+                  <a:schemeClr val="accent1">
+                    <a:shade val="15000"/>
+                  </a:schemeClr>
+                </a:lnRef>
+                <a:fillRef idx="1">
+                  <a:schemeClr val="accent1"/>
+                </a:fillRef>
+                <a:effectRef idx="0">
+                  <a:schemeClr val="accent1"/>
+                </a:effectRef>
+                <a:fontRef idx="minor">
+                  <a:schemeClr val="lt1"/>
+                </a:fontRef>
+              </p:style>
+              <p:txBody>
+                <a:bodyPr rtlCol="0" anchor="ctr"/>
+                <a:lstStyle/>
+                <a:p>
+                  <a:pPr algn="r"/>
+                  <a14:m>
+                    <m:oMathPara xmlns:m="http://schemas.openxmlformats.org/officeDocument/2006/math">
+                      <m:oMathParaPr>
+                        <m:jc m:val="right"/>
+                      </m:oMathParaPr>
+                      <m:oMath xmlns:m="http://schemas.openxmlformats.org/officeDocument/2006/math">
+                        <m:r>
+                          <a:rPr lang="en-US" b="0" i="1" smtClean="0">
+                            <a:solidFill>
+                              <a:schemeClr val="bg2">
+                                <a:lumMod val="25000"/>
+                              </a:schemeClr>
+                            </a:solidFill>
+                            <a:latin typeface="Cambria Math" panose="02040503050406030204" pitchFamily="18" charset="0"/>
+                          </a:rPr>
+                          <m:t>−</m:t>
+                        </m:r>
+                      </m:oMath>
+                    </m:oMathPara>
+                  </a14:m>
+                  <a:endParaRPr lang="en-US" dirty="0">
+                    <a:solidFill>
+                      <a:schemeClr val="bg2">
+                        <a:lumMod val="25000"/>
+                      </a:schemeClr>
+                    </a:solidFill>
+                  </a:endParaRPr>
+                </a:p>
+              </p:txBody>
+            </p:sp>
+          </mc:Choice>
+          <mc:Fallback>
+            <p:sp>
+              <p:nvSpPr>
+                <p:cNvPr id="4" name="Rectangle 3">
+                  <a:extLst>
+                    <a:ext uri="{FF2B5EF4-FFF2-40B4-BE49-F238E27FC236}">
+                      <a16:creationId xmlns:a16="http://schemas.microsoft.com/office/drawing/2014/main" id="{3F3C65D4-C81E-7B99-F19E-ED7E1F0F5E3C}"/>
+                    </a:ext>
+                  </a:extLst>
+                </p:cNvPr>
+                <p:cNvSpPr>
+                  <a:spLocks noRot="1" noChangeAspect="1" noMove="1" noResize="1" noEditPoints="1" noAdjustHandles="1" noChangeArrowheads="1" noChangeShapeType="1" noTextEdit="1"/>
+                </p:cNvSpPr>
+                <p:nvPr/>
+              </p:nvSpPr>
+              <p:spPr>
+                <a:xfrm>
+                  <a:off x="5185768" y="2736068"/>
+                  <a:ext cx="398585" cy="398585"/>
+                </a:xfrm>
+                <a:prstGeom prst="rect">
+                  <a:avLst/>
+                </a:prstGeom>
+                <a:blipFill>
+                  <a:blip r:embed="rId4"/>
+                  <a:stretch>
+                    <a:fillRect/>
+                  </a:stretch>
+                </a:blipFill>
+                <a:ln>
+                  <a:solidFill>
+                    <a:schemeClr val="tx1">
+                      <a:lumMod val="50000"/>
+                      <a:lumOff val="50000"/>
+                    </a:schemeClr>
+                  </a:solidFill>
+                </a:ln>
+              </p:spPr>
+              <p:txBody>
+                <a:bodyPr/>
+                <a:lstStyle/>
+                <a:p>
+                  <a:r>
+                    <a:rPr lang="en-US">
+                      <a:noFill/>
+                    </a:rPr>
+                    <a:t> </a:t>
+                  </a:r>
+                </a:p>
+              </p:txBody>
+            </p:sp>
+          </mc:Fallback>
+        </mc:AlternateContent>
+        <p:sp>
+          <p:nvSpPr>
+            <p:cNvPr id="9" name="Rectangle 8">
+              <a:extLst>
+                <a:ext uri="{FF2B5EF4-FFF2-40B4-BE49-F238E27FC236}">
+                  <a16:creationId xmlns:a16="http://schemas.microsoft.com/office/drawing/2014/main" id="{2825FF27-D8C9-BB52-FBC9-D74616FD5D22}"/>
+                </a:ext>
+              </a:extLst>
+            </p:cNvPr>
+            <p:cNvSpPr/>
+            <p:nvPr/>
+          </p:nvSpPr>
+          <p:spPr>
+            <a:xfrm>
+              <a:off x="4346338" y="2696829"/>
+              <a:ext cx="1270937" cy="479320"/>
+            </a:xfrm>
+            <a:prstGeom prst="rect">
+              <a:avLst/>
+            </a:prstGeom>
+            <a:noFill/>
+            <a:ln>
+              <a:solidFill>
+                <a:schemeClr val="bg1">
+                  <a:lumMod val="85000"/>
+                </a:schemeClr>
+              </a:solidFill>
+            </a:ln>
+          </p:spPr>
+          <p:style>
+            <a:lnRef idx="2">
+              <a:schemeClr val="accent1">
+                <a:shade val="15000"/>
+              </a:schemeClr>
+            </a:lnRef>
+            <a:fillRef idx="1">
+              <a:schemeClr val="accent1"/>
+            </a:fillRef>
+            <a:effectRef idx="0">
+              <a:schemeClr val="accent1"/>
+            </a:effectRef>
+            <a:fontRef idx="minor">
+              <a:schemeClr val="lt1"/>
+            </a:fontRef>
+          </p:style>
+          <p:txBody>
+            <a:bodyPr rtlCol="0" anchor="ctr"/>
+            <a:lstStyle/>
+            <a:p>
+              <a:pPr algn="ctr"/>
+              <a:endParaRPr lang="en-US"/>
+            </a:p>
+          </p:txBody>
+        </p:sp>
+      </p:grpSp>
+      <p:grpSp>
+        <p:nvGrpSpPr>
+          <p:cNvPr id="5" name="Group 4">
+            <a:extLst>
+              <a:ext uri="{FF2B5EF4-FFF2-40B4-BE49-F238E27FC236}">
+                <a16:creationId xmlns:a16="http://schemas.microsoft.com/office/drawing/2014/main" id="{57A3486B-E5B7-9FDB-638B-F766C8949EEF}"/>
+              </a:ext>
+            </a:extLst>
+          </p:cNvPr>
+          <p:cNvGrpSpPr/>
+          <p:nvPr/>
+        </p:nvGrpSpPr>
+        <p:grpSpPr>
+          <a:xfrm>
+            <a:off x="1132912" y="5374900"/>
+            <a:ext cx="1297639" cy="479320"/>
+            <a:chOff x="4316412" y="2065444"/>
+            <a:chExt cx="1297639" cy="479320"/>
+          </a:xfrm>
+        </p:grpSpPr>
+        <mc:AlternateContent xmlns:mc="http://schemas.openxmlformats.org/markup-compatibility/2006">
+          <mc:Choice xmlns:a14="http://schemas.microsoft.com/office/drawing/2010/main" Requires="a14">
+            <p:sp>
+              <p:nvSpPr>
+                <p:cNvPr id="6" name="Rectangle 5">
+                  <a:extLst>
+                    <a:ext uri="{FF2B5EF4-FFF2-40B4-BE49-F238E27FC236}">
+                      <a16:creationId xmlns:a16="http://schemas.microsoft.com/office/drawing/2014/main" id="{11D830AE-BB2F-92DF-B699-67769681C16F}"/>
+                    </a:ext>
+                  </a:extLst>
+                </p:cNvPr>
+                <p:cNvSpPr/>
+                <p:nvPr/>
+              </p:nvSpPr>
+              <p:spPr>
+                <a:xfrm>
+                  <a:off x="4357858" y="2104683"/>
+                  <a:ext cx="398585" cy="398585"/>
+                </a:xfrm>
+                <a:prstGeom prst="rect">
+                  <a:avLst/>
+                </a:prstGeom>
+                <a:noFill/>
+                <a:ln>
+                  <a:solidFill>
+                    <a:schemeClr val="tx1">
+                      <a:lumMod val="50000"/>
+                      <a:lumOff val="50000"/>
+                    </a:schemeClr>
+                  </a:solidFill>
+                </a:ln>
+              </p:spPr>
+              <p:style>
+                <a:lnRef idx="2">
+                  <a:schemeClr val="accent1">
+                    <a:shade val="15000"/>
+                  </a:schemeClr>
+                </a:lnRef>
+                <a:fillRef idx="1">
+                  <a:schemeClr val="accent1"/>
+                </a:fillRef>
+                <a:effectRef idx="0">
+                  <a:schemeClr val="accent1"/>
+                </a:effectRef>
+                <a:fontRef idx="minor">
+                  <a:schemeClr val="lt1"/>
+                </a:fontRef>
+              </p:style>
+              <p:txBody>
+                <a:bodyPr rtlCol="0" anchor="ctr"/>
+                <a:lstStyle/>
+                <a:p>
+                  <a:pPr algn="r"/>
+                  <a14:m>
+                    <m:oMathPara xmlns:m="http://schemas.openxmlformats.org/officeDocument/2006/math">
+                      <m:oMathParaPr>
+                        <m:jc m:val="centerGroup"/>
+                      </m:oMathParaPr>
+                      <m:oMath xmlns:m="http://schemas.openxmlformats.org/officeDocument/2006/math">
+                        <m:sSub>
+                          <m:sSubPr>
+                            <m:ctrlPr>
+                              <a:rPr lang="en-US" b="0" i="1" smtClean="0">
+                                <a:solidFill>
+                                  <a:schemeClr val="accent6"/>
+                                </a:solidFill>
+                                <a:latin typeface="Cambria Math" panose="02040503050406030204" pitchFamily="18" charset="0"/>
+                              </a:rPr>
+                            </m:ctrlPr>
+                          </m:sSubPr>
+                          <m:e>
+                            <m:r>
+                              <a:rPr lang="en-US" b="0" i="1" smtClean="0">
+                                <a:solidFill>
+                                  <a:schemeClr val="accent6"/>
+                                </a:solidFill>
+                                <a:latin typeface="Cambria Math" panose="02040503050406030204" pitchFamily="18" charset="0"/>
+                              </a:rPr>
+                              <m:t>𝑘</m:t>
+                            </m:r>
+                          </m:e>
+                          <m:sub>
+                            <m:r>
+                              <a:rPr lang="en-US" b="0" i="1" smtClean="0">
+                                <a:solidFill>
+                                  <a:schemeClr val="accent6"/>
+                                </a:solidFill>
+                                <a:latin typeface="Cambria Math" panose="02040503050406030204" pitchFamily="18" charset="0"/>
+                              </a:rPr>
+                              <m:t>2</m:t>
+                            </m:r>
+                          </m:sub>
+                        </m:sSub>
+                      </m:oMath>
+                    </m:oMathPara>
+                  </a14:m>
+                  <a:endParaRPr lang="en-US" dirty="0">
+                    <a:solidFill>
+                      <a:schemeClr val="tx1">
+                        <a:lumMod val="75000"/>
+                        <a:lumOff val="25000"/>
+                      </a:schemeClr>
+                    </a:solidFill>
+                  </a:endParaRPr>
+                </a:p>
+              </p:txBody>
+            </p:sp>
+          </mc:Choice>
+          <mc:Fallback>
+            <p:sp>
+              <p:nvSpPr>
+                <p:cNvPr id="6" name="Rectangle 5">
+                  <a:extLst>
+                    <a:ext uri="{FF2B5EF4-FFF2-40B4-BE49-F238E27FC236}">
+                      <a16:creationId xmlns:a16="http://schemas.microsoft.com/office/drawing/2014/main" id="{11D830AE-BB2F-92DF-B699-67769681C16F}"/>
+                    </a:ext>
+                  </a:extLst>
+                </p:cNvPr>
+                <p:cNvSpPr>
+                  <a:spLocks noRot="1" noChangeAspect="1" noMove="1" noResize="1" noEditPoints="1" noAdjustHandles="1" noChangeArrowheads="1" noChangeShapeType="1" noTextEdit="1"/>
+                </p:cNvSpPr>
+                <p:nvPr/>
+              </p:nvSpPr>
+              <p:spPr>
+                <a:xfrm>
+                  <a:off x="4357858" y="2104683"/>
+                  <a:ext cx="398585" cy="398585"/>
+                </a:xfrm>
+                <a:prstGeom prst="rect">
+                  <a:avLst/>
+                </a:prstGeom>
+                <a:blipFill>
+                  <a:blip r:embed="rId5"/>
+                  <a:stretch>
+                    <a:fillRect/>
+                  </a:stretch>
+                </a:blipFill>
+                <a:ln>
+                  <a:solidFill>
+                    <a:schemeClr val="tx1">
+                      <a:lumMod val="50000"/>
+                      <a:lumOff val="50000"/>
+                    </a:schemeClr>
+                  </a:solidFill>
+                </a:ln>
+              </p:spPr>
+              <p:txBody>
+                <a:bodyPr/>
+                <a:lstStyle/>
+                <a:p>
+                  <a:r>
+                    <a:rPr lang="en-US">
+                      <a:noFill/>
+                    </a:rPr>
+                    <a:t> </a:t>
+                  </a:r>
+                </a:p>
+              </p:txBody>
+            </p:sp>
+          </mc:Fallback>
+        </mc:AlternateContent>
+        <mc:AlternateContent xmlns:mc="http://schemas.openxmlformats.org/markup-compatibility/2006" xmlns:a14="http://schemas.microsoft.com/office/drawing/2010/main">
+          <mc:Choice Requires="a14">
+            <p:sp>
+              <p:nvSpPr>
+                <p:cNvPr id="7" name="Rectangle 6">
+                  <a:extLst>
+                    <a:ext uri="{FF2B5EF4-FFF2-40B4-BE49-F238E27FC236}">
+                      <a16:creationId xmlns:a16="http://schemas.microsoft.com/office/drawing/2014/main" id="{E35A6BE2-C6EF-6A9A-208A-97D0FDA6ADE4}"/>
+                    </a:ext>
+                  </a:extLst>
+                </p:cNvPr>
+                <p:cNvSpPr/>
+                <p:nvPr/>
+              </p:nvSpPr>
+              <p:spPr>
+                <a:xfrm>
+                  <a:off x="4760187" y="2104683"/>
+                  <a:ext cx="398585" cy="398585"/>
+                </a:xfrm>
+                <a:prstGeom prst="rect">
+                  <a:avLst/>
+                </a:prstGeom>
+                <a:noFill/>
+                <a:ln>
+                  <a:solidFill>
+                    <a:schemeClr val="tx1">
+                      <a:lumMod val="50000"/>
+                      <a:lumOff val="50000"/>
+                    </a:schemeClr>
+                  </a:solidFill>
+                </a:ln>
+              </p:spPr>
+              <p:style>
+                <a:lnRef idx="2">
+                  <a:schemeClr val="accent1">
+                    <a:shade val="15000"/>
+                  </a:schemeClr>
+                </a:lnRef>
+                <a:fillRef idx="1">
+                  <a:schemeClr val="accent1"/>
+                </a:fillRef>
+                <a:effectRef idx="0">
+                  <a:schemeClr val="accent1"/>
+                </a:effectRef>
+                <a:fontRef idx="minor">
+                  <a:schemeClr val="lt1"/>
+                </a:fontRef>
+              </p:style>
+              <p:txBody>
+                <a:bodyPr rtlCol="0" anchor="ctr"/>
+                <a:lstStyle/>
+                <a:p>
+                  <a:pPr algn="ctr"/>
+                  <a14:m>
+                    <m:oMathPara xmlns:m="http://schemas.openxmlformats.org/officeDocument/2006/math">
+                      <m:oMathParaPr>
+                        <m:jc m:val="right"/>
+                      </m:oMathParaPr>
+                      <m:oMath xmlns:m="http://schemas.openxmlformats.org/officeDocument/2006/math">
+                        <m:sSub>
+                          <m:sSubPr>
+                            <m:ctrlPr>
+                              <a:rPr lang="en-US" b="0" i="1" smtClean="0">
+                                <a:solidFill>
+                                  <a:schemeClr val="tx1">
+                                    <a:lumMod val="75000"/>
+                                    <a:lumOff val="25000"/>
+                                  </a:schemeClr>
+                                </a:solidFill>
+                                <a:latin typeface="Cambria Math" panose="02040503050406030204" pitchFamily="18" charset="0"/>
+                              </a:rPr>
+                            </m:ctrlPr>
+                          </m:sSubPr>
+                          <m:e>
+                            <m:r>
+                              <a:rPr lang="en-US" b="0" i="1" smtClean="0">
+                                <a:solidFill>
+                                  <a:schemeClr val="tx1">
+                                    <a:lumMod val="75000"/>
+                                    <a:lumOff val="25000"/>
+                                  </a:schemeClr>
+                                </a:solidFill>
+                                <a:latin typeface="Cambria Math" panose="02040503050406030204" pitchFamily="18" charset="0"/>
+                              </a:rPr>
+                              <m:t>𝑘</m:t>
+                            </m:r>
+                          </m:e>
+                          <m:sub>
+                            <m:r>
+                              <a:rPr lang="en-US" b="0" i="1" smtClean="0">
+                                <a:solidFill>
+                                  <a:schemeClr val="tx1">
+                                    <a:lumMod val="75000"/>
+                                    <a:lumOff val="25000"/>
+                                  </a:schemeClr>
+                                </a:solidFill>
+                                <a:latin typeface="Cambria Math" panose="02040503050406030204" pitchFamily="18" charset="0"/>
+                              </a:rPr>
+                              <m:t>3</m:t>
+                            </m:r>
+                          </m:sub>
+                        </m:sSub>
+                      </m:oMath>
+                    </m:oMathPara>
+                  </a14:m>
+                  <a:endParaRPr lang="en-US" dirty="0">
+                    <a:solidFill>
+                      <a:schemeClr val="tx1">
+                        <a:lumMod val="75000"/>
+                        <a:lumOff val="25000"/>
+                      </a:schemeClr>
+                    </a:solidFill>
+                  </a:endParaRPr>
+                </a:p>
+              </p:txBody>
+            </p:sp>
+          </mc:Choice>
+          <mc:Fallback xmlns="">
+            <p:sp>
+              <p:nvSpPr>
+                <p:cNvPr id="7" name="Rectangle 6">
+                  <a:extLst>
+                    <a:ext uri="{FF2B5EF4-FFF2-40B4-BE49-F238E27FC236}">
+                      <a16:creationId xmlns:a16="http://schemas.microsoft.com/office/drawing/2014/main" id="{E35A6BE2-C6EF-6A9A-208A-97D0FDA6ADE4}"/>
+                    </a:ext>
+                  </a:extLst>
+                </p:cNvPr>
+                <p:cNvSpPr>
+                  <a:spLocks noRot="1" noChangeAspect="1" noMove="1" noResize="1" noEditPoints="1" noAdjustHandles="1" noChangeArrowheads="1" noChangeShapeType="1" noTextEdit="1"/>
+                </p:cNvSpPr>
+                <p:nvPr/>
+              </p:nvSpPr>
+              <p:spPr>
+                <a:xfrm>
+                  <a:off x="4760187" y="2104683"/>
+                  <a:ext cx="398585" cy="398585"/>
+                </a:xfrm>
+                <a:prstGeom prst="rect">
+                  <a:avLst/>
+                </a:prstGeom>
+                <a:blipFill>
+                  <a:blip r:embed="rId6"/>
+                  <a:stretch>
+                    <a:fillRect/>
+                  </a:stretch>
+                </a:blipFill>
+                <a:ln>
+                  <a:solidFill>
+                    <a:schemeClr val="tx1">
+                      <a:lumMod val="50000"/>
+                      <a:lumOff val="50000"/>
+                    </a:schemeClr>
+                  </a:solidFill>
+                </a:ln>
+              </p:spPr>
+              <p:txBody>
+                <a:bodyPr/>
+                <a:lstStyle/>
+                <a:p>
+                  <a:r>
+                    <a:rPr lang="en-US">
+                      <a:noFill/>
+                    </a:rPr>
+                    <a:t> </a:t>
+                  </a:r>
+                </a:p>
+              </p:txBody>
+            </p:sp>
+          </mc:Fallback>
+        </mc:AlternateContent>
+        <mc:AlternateContent xmlns:mc="http://schemas.openxmlformats.org/markup-compatibility/2006" xmlns:a14="http://schemas.microsoft.com/office/drawing/2010/main">
+          <mc:Choice Requires="a14">
+            <p:sp>
+              <p:nvSpPr>
+                <p:cNvPr id="8" name="Rectangle 7">
+                  <a:extLst>
+                    <a:ext uri="{FF2B5EF4-FFF2-40B4-BE49-F238E27FC236}">
+                      <a16:creationId xmlns:a16="http://schemas.microsoft.com/office/drawing/2014/main" id="{B8E03440-ECD5-B363-DD60-0E6CC7D3680F}"/>
+                    </a:ext>
+                  </a:extLst>
+                </p:cNvPr>
+                <p:cNvSpPr/>
+                <p:nvPr/>
+              </p:nvSpPr>
+              <p:spPr>
+                <a:xfrm>
+                  <a:off x="5155842" y="2104683"/>
+                  <a:ext cx="398585" cy="398585"/>
+                </a:xfrm>
+                <a:prstGeom prst="rect">
+                  <a:avLst/>
+                </a:prstGeom>
+                <a:noFill/>
+                <a:ln>
+                  <a:solidFill>
+                    <a:schemeClr val="tx1">
+                      <a:lumMod val="50000"/>
+                      <a:lumOff val="50000"/>
+                    </a:schemeClr>
+                  </a:solidFill>
+                </a:ln>
+              </p:spPr>
+              <p:style>
+                <a:lnRef idx="2">
+                  <a:schemeClr val="accent1">
+                    <a:shade val="15000"/>
+                  </a:schemeClr>
+                </a:lnRef>
+                <a:fillRef idx="1">
+                  <a:schemeClr val="accent1"/>
+                </a:fillRef>
+                <a:effectRef idx="0">
+                  <a:schemeClr val="accent1"/>
+                </a:effectRef>
+                <a:fontRef idx="minor">
+                  <a:schemeClr val="lt1"/>
+                </a:fontRef>
+              </p:style>
+              <p:txBody>
+                <a:bodyPr rtlCol="0" anchor="ctr"/>
+                <a:lstStyle/>
+                <a:p>
+                  <a:pPr algn="r"/>
+                  <a14:m>
+                    <m:oMathPara xmlns:m="http://schemas.openxmlformats.org/officeDocument/2006/math">
+                      <m:oMathParaPr>
+                        <m:jc m:val="centerGroup"/>
+                      </m:oMathParaPr>
+                      <m:oMath xmlns:m="http://schemas.openxmlformats.org/officeDocument/2006/math">
+                        <m:r>
+                          <a:rPr lang="en-US" b="0" i="1" smtClean="0">
+                            <a:solidFill>
+                              <a:schemeClr val="tx1">
+                                <a:lumMod val="75000"/>
+                                <a:lumOff val="25000"/>
+                              </a:schemeClr>
+                            </a:solidFill>
+                            <a:latin typeface="Cambria Math" panose="02040503050406030204" pitchFamily="18" charset="0"/>
+                          </a:rPr>
+                          <m:t>−</m:t>
+                        </m:r>
+                      </m:oMath>
+                    </m:oMathPara>
+                  </a14:m>
+                  <a:endParaRPr lang="en-US" dirty="0">
+                    <a:solidFill>
+                      <a:schemeClr val="tx1">
+                        <a:lumMod val="75000"/>
+                        <a:lumOff val="25000"/>
+                      </a:schemeClr>
+                    </a:solidFill>
+                  </a:endParaRPr>
+                </a:p>
+              </p:txBody>
+            </p:sp>
+          </mc:Choice>
+          <mc:Fallback xmlns="">
+            <p:sp>
+              <p:nvSpPr>
+                <p:cNvPr id="8" name="Rectangle 7">
+                  <a:extLst>
+                    <a:ext uri="{FF2B5EF4-FFF2-40B4-BE49-F238E27FC236}">
+                      <a16:creationId xmlns:a16="http://schemas.microsoft.com/office/drawing/2014/main" id="{B8E03440-ECD5-B363-DD60-0E6CC7D3680F}"/>
+                    </a:ext>
+                  </a:extLst>
+                </p:cNvPr>
+                <p:cNvSpPr>
+                  <a:spLocks noRot="1" noChangeAspect="1" noMove="1" noResize="1" noEditPoints="1" noAdjustHandles="1" noChangeArrowheads="1" noChangeShapeType="1" noTextEdit="1"/>
+                </p:cNvSpPr>
+                <p:nvPr/>
+              </p:nvSpPr>
+              <p:spPr>
+                <a:xfrm>
+                  <a:off x="5155842" y="2104683"/>
+                  <a:ext cx="398585" cy="398585"/>
+                </a:xfrm>
+                <a:prstGeom prst="rect">
+                  <a:avLst/>
+                </a:prstGeom>
+                <a:blipFill>
+                  <a:blip r:embed="rId7"/>
+                  <a:stretch>
+                    <a:fillRect/>
+                  </a:stretch>
+                </a:blipFill>
+                <a:ln>
+                  <a:solidFill>
+                    <a:schemeClr val="tx1">
+                      <a:lumMod val="50000"/>
+                      <a:lumOff val="50000"/>
+                    </a:schemeClr>
+                  </a:solidFill>
+                </a:ln>
+              </p:spPr>
+              <p:txBody>
+                <a:bodyPr/>
+                <a:lstStyle/>
+                <a:p>
+                  <a:r>
+                    <a:rPr lang="en-US">
+                      <a:noFill/>
+                    </a:rPr>
+                    <a:t> </a:t>
+                  </a:r>
+                </a:p>
+              </p:txBody>
+            </p:sp>
+          </mc:Fallback>
+        </mc:AlternateContent>
+        <p:sp>
+          <p:nvSpPr>
+            <p:cNvPr id="10" name="Rectangle 9">
+              <a:extLst>
+                <a:ext uri="{FF2B5EF4-FFF2-40B4-BE49-F238E27FC236}">
+                  <a16:creationId xmlns:a16="http://schemas.microsoft.com/office/drawing/2014/main" id="{511D1F54-C04E-2801-C764-ABBFE3F1AD76}"/>
+                </a:ext>
+              </a:extLst>
+            </p:cNvPr>
+            <p:cNvSpPr/>
+            <p:nvPr/>
+          </p:nvSpPr>
+          <p:spPr>
+            <a:xfrm>
+              <a:off x="4316412" y="2065444"/>
+              <a:ext cx="1297639" cy="479320"/>
+            </a:xfrm>
+            <a:prstGeom prst="rect">
+              <a:avLst/>
+            </a:prstGeom>
+            <a:noFill/>
+            <a:ln>
+              <a:solidFill>
+                <a:schemeClr val="bg1">
+                  <a:lumMod val="85000"/>
+                </a:schemeClr>
+              </a:solidFill>
+            </a:ln>
+          </p:spPr>
+          <p:style>
+            <a:lnRef idx="2">
+              <a:schemeClr val="accent1">
+                <a:shade val="15000"/>
+              </a:schemeClr>
+            </a:lnRef>
+            <a:fillRef idx="1">
+              <a:schemeClr val="accent1"/>
+            </a:fillRef>
+            <a:effectRef idx="0">
+              <a:schemeClr val="accent1"/>
+            </a:effectRef>
+            <a:fontRef idx="minor">
+              <a:schemeClr val="lt1"/>
+            </a:fontRef>
+          </p:style>
+          <p:txBody>
+            <a:bodyPr rtlCol="0" anchor="ctr"/>
+            <a:lstStyle/>
+            <a:p>
+              <a:pPr algn="ctr"/>
+              <a:endParaRPr lang="en-US">
+                <a:solidFill>
+                  <a:schemeClr val="tx1">
+                    <a:lumMod val="75000"/>
+                    <a:lumOff val="25000"/>
+                  </a:schemeClr>
+                </a:solidFill>
+              </a:endParaRPr>
+            </a:p>
+          </p:txBody>
+        </p:sp>
+      </p:grpSp>
+      <p:grpSp>
+        <p:nvGrpSpPr>
+          <p:cNvPr id="11" name="Group 10">
+            <a:extLst>
+              <a:ext uri="{FF2B5EF4-FFF2-40B4-BE49-F238E27FC236}">
+                <a16:creationId xmlns:a16="http://schemas.microsoft.com/office/drawing/2014/main" id="{191B18F5-47A7-C1D9-96E0-E424EA021550}"/>
+              </a:ext>
+            </a:extLst>
+          </p:cNvPr>
+          <p:cNvGrpSpPr/>
+          <p:nvPr/>
+        </p:nvGrpSpPr>
+        <p:grpSpPr>
+          <a:xfrm>
+            <a:off x="2749394" y="5374900"/>
+            <a:ext cx="1289825" cy="479320"/>
+            <a:chOff x="4316412" y="2065444"/>
+            <a:chExt cx="1289825" cy="479320"/>
+          </a:xfrm>
+        </p:grpSpPr>
+        <mc:AlternateContent xmlns:mc="http://schemas.openxmlformats.org/markup-compatibility/2006" xmlns:a14="http://schemas.microsoft.com/office/drawing/2010/main">
+          <mc:Choice Requires="a14">
+            <p:sp>
+              <p:nvSpPr>
+                <p:cNvPr id="12" name="Rectangle 11">
+                  <a:extLst>
+                    <a:ext uri="{FF2B5EF4-FFF2-40B4-BE49-F238E27FC236}">
+                      <a16:creationId xmlns:a16="http://schemas.microsoft.com/office/drawing/2014/main" id="{49708F63-3AFE-1FD5-C8A9-61CAF6D7A6FC}"/>
+                    </a:ext>
+                  </a:extLst>
+                </p:cNvPr>
+                <p:cNvSpPr/>
+                <p:nvPr/>
+              </p:nvSpPr>
+              <p:spPr>
+                <a:xfrm>
+                  <a:off x="4357858" y="2104683"/>
+                  <a:ext cx="398585" cy="398585"/>
+                </a:xfrm>
+                <a:prstGeom prst="rect">
+                  <a:avLst/>
+                </a:prstGeom>
+                <a:noFill/>
+                <a:ln>
+                  <a:solidFill>
+                    <a:schemeClr val="tx1">
+                      <a:lumMod val="50000"/>
+                      <a:lumOff val="50000"/>
+                    </a:schemeClr>
+                  </a:solidFill>
+                </a:ln>
+              </p:spPr>
+              <p:style>
+                <a:lnRef idx="2">
+                  <a:schemeClr val="accent1">
+                    <a:shade val="15000"/>
+                  </a:schemeClr>
+                </a:lnRef>
+                <a:fillRef idx="1">
+                  <a:schemeClr val="accent1"/>
+                </a:fillRef>
+                <a:effectRef idx="0">
+                  <a:schemeClr val="accent1"/>
+                </a:effectRef>
+                <a:fontRef idx="minor">
+                  <a:schemeClr val="lt1"/>
+                </a:fontRef>
+              </p:style>
+              <p:txBody>
+                <a:bodyPr rtlCol="0" anchor="ctr"/>
+                <a:lstStyle/>
+                <a:p>
+                  <a:pPr algn="r"/>
+                  <a14:m>
+                    <m:oMathPara xmlns:m="http://schemas.openxmlformats.org/officeDocument/2006/math">
+                      <m:oMathParaPr>
+                        <m:jc m:val="centerGroup"/>
+                      </m:oMathParaPr>
+                      <m:oMath xmlns:m="http://schemas.openxmlformats.org/officeDocument/2006/math">
+                        <m:sSub>
+                          <m:sSubPr>
+                            <m:ctrlPr>
+                              <a:rPr lang="en-US" b="0" i="1" smtClean="0">
+                                <a:solidFill>
+                                  <a:schemeClr val="tx1">
+                                    <a:lumMod val="75000"/>
+                                    <a:lumOff val="25000"/>
+                                  </a:schemeClr>
+                                </a:solidFill>
+                                <a:latin typeface="Cambria Math" panose="02040503050406030204" pitchFamily="18" charset="0"/>
+                              </a:rPr>
+                            </m:ctrlPr>
+                          </m:sSubPr>
+                          <m:e>
+                            <m:r>
+                              <a:rPr lang="en-US" b="0" i="1" smtClean="0">
+                                <a:solidFill>
+                                  <a:schemeClr val="tx1">
+                                    <a:lumMod val="75000"/>
+                                    <a:lumOff val="25000"/>
+                                  </a:schemeClr>
+                                </a:solidFill>
+                                <a:latin typeface="Cambria Math" panose="02040503050406030204" pitchFamily="18" charset="0"/>
+                              </a:rPr>
+                              <m:t>𝑘</m:t>
+                            </m:r>
+                          </m:e>
+                          <m:sub>
+                            <m:r>
+                              <a:rPr lang="en-US" b="0" i="1" smtClean="0">
+                                <a:solidFill>
+                                  <a:schemeClr val="tx1">
+                                    <a:lumMod val="75000"/>
+                                    <a:lumOff val="25000"/>
+                                  </a:schemeClr>
+                                </a:solidFill>
+                                <a:latin typeface="Cambria Math" panose="02040503050406030204" pitchFamily="18" charset="0"/>
+                              </a:rPr>
+                              <m:t>3</m:t>
+                            </m:r>
+                          </m:sub>
+                        </m:sSub>
+                      </m:oMath>
+                    </m:oMathPara>
+                  </a14:m>
+                  <a:endParaRPr lang="en-US" dirty="0">
+                    <a:solidFill>
+                      <a:schemeClr val="tx1">
+                        <a:lumMod val="75000"/>
+                        <a:lumOff val="25000"/>
+                      </a:schemeClr>
+                    </a:solidFill>
+                  </a:endParaRPr>
+                </a:p>
+              </p:txBody>
+            </p:sp>
+          </mc:Choice>
+          <mc:Fallback xmlns="">
+            <p:sp>
+              <p:nvSpPr>
+                <p:cNvPr id="12" name="Rectangle 11">
+                  <a:extLst>
+                    <a:ext uri="{FF2B5EF4-FFF2-40B4-BE49-F238E27FC236}">
+                      <a16:creationId xmlns:a16="http://schemas.microsoft.com/office/drawing/2014/main" id="{49708F63-3AFE-1FD5-C8A9-61CAF6D7A6FC}"/>
+                    </a:ext>
+                  </a:extLst>
+                </p:cNvPr>
+                <p:cNvSpPr>
+                  <a:spLocks noRot="1" noChangeAspect="1" noMove="1" noResize="1" noEditPoints="1" noAdjustHandles="1" noChangeArrowheads="1" noChangeShapeType="1" noTextEdit="1"/>
+                </p:cNvSpPr>
+                <p:nvPr/>
+              </p:nvSpPr>
+              <p:spPr>
+                <a:xfrm>
+                  <a:off x="4357858" y="2104683"/>
+                  <a:ext cx="398585" cy="398585"/>
+                </a:xfrm>
+                <a:prstGeom prst="rect">
+                  <a:avLst/>
+                </a:prstGeom>
+                <a:blipFill>
+                  <a:blip r:embed="rId8"/>
+                  <a:stretch>
+                    <a:fillRect/>
+                  </a:stretch>
+                </a:blipFill>
+                <a:ln>
+                  <a:solidFill>
+                    <a:schemeClr val="tx1">
+                      <a:lumMod val="50000"/>
+                      <a:lumOff val="50000"/>
+                    </a:schemeClr>
+                  </a:solidFill>
+                </a:ln>
+              </p:spPr>
+              <p:txBody>
+                <a:bodyPr/>
+                <a:lstStyle/>
+                <a:p>
+                  <a:r>
+                    <a:rPr lang="en-US">
+                      <a:noFill/>
+                    </a:rPr>
+                    <a:t> </a:t>
+                  </a:r>
+                </a:p>
+              </p:txBody>
+            </p:sp>
+          </mc:Fallback>
+        </mc:AlternateContent>
+        <mc:AlternateContent xmlns:mc="http://schemas.openxmlformats.org/markup-compatibility/2006">
+          <mc:Choice xmlns:a14="http://schemas.microsoft.com/office/drawing/2010/main" Requires="a14">
+            <p:sp>
+              <p:nvSpPr>
+                <p:cNvPr id="13" name="Rectangle 12">
+                  <a:extLst>
+                    <a:ext uri="{FF2B5EF4-FFF2-40B4-BE49-F238E27FC236}">
+                      <a16:creationId xmlns:a16="http://schemas.microsoft.com/office/drawing/2014/main" id="{A27E13F4-21D3-073E-5160-E106E88D596E}"/>
+                    </a:ext>
+                  </a:extLst>
+                </p:cNvPr>
+                <p:cNvSpPr/>
+                <p:nvPr/>
+              </p:nvSpPr>
+              <p:spPr>
+                <a:xfrm>
+                  <a:off x="4760187" y="2104683"/>
+                  <a:ext cx="398585" cy="398585"/>
+                </a:xfrm>
+                <a:prstGeom prst="rect">
+                  <a:avLst/>
+                </a:prstGeom>
+                <a:noFill/>
+                <a:ln>
+                  <a:solidFill>
+                    <a:schemeClr val="tx1">
+                      <a:lumMod val="50000"/>
+                      <a:lumOff val="50000"/>
+                    </a:schemeClr>
+                  </a:solidFill>
+                </a:ln>
+              </p:spPr>
+              <p:style>
+                <a:lnRef idx="2">
+                  <a:schemeClr val="accent1">
+                    <a:shade val="15000"/>
+                  </a:schemeClr>
+                </a:lnRef>
+                <a:fillRef idx="1">
+                  <a:schemeClr val="accent1"/>
+                </a:fillRef>
+                <a:effectRef idx="0">
+                  <a:schemeClr val="accent1"/>
+                </a:effectRef>
+                <a:fontRef idx="minor">
+                  <a:schemeClr val="lt1"/>
+                </a:fontRef>
+              </p:style>
+              <p:txBody>
+                <a:bodyPr rtlCol="0" anchor="ctr"/>
+                <a:lstStyle/>
+                <a:p>
+                  <a:pPr algn="r"/>
+                  <a14:m>
+                    <m:oMathPara xmlns:m="http://schemas.openxmlformats.org/officeDocument/2006/math">
+                      <m:oMathParaPr>
+                        <m:jc m:val="centerGroup"/>
+                      </m:oMathParaPr>
+                      <m:oMath xmlns:m="http://schemas.openxmlformats.org/officeDocument/2006/math">
+                        <m:r>
+                          <a:rPr lang="en-US" i="1">
+                            <a:solidFill>
+                              <a:schemeClr val="tx1">
+                                <a:lumMod val="75000"/>
+                                <a:lumOff val="25000"/>
+                              </a:schemeClr>
+                            </a:solidFill>
+                            <a:latin typeface="Cambria Math" panose="02040503050406030204" pitchFamily="18" charset="0"/>
+                          </a:rPr>
+                          <m:t>−</m:t>
+                        </m:r>
+                      </m:oMath>
+                    </m:oMathPara>
+                  </a14:m>
+                  <a:endParaRPr lang="en-US" i="1" dirty="0">
+                    <a:solidFill>
+                      <a:schemeClr val="tx1">
+                        <a:lumMod val="75000"/>
+                        <a:lumOff val="25000"/>
+                      </a:schemeClr>
+                    </a:solidFill>
+                    <a:latin typeface="Cambria Math" panose="02040503050406030204" pitchFamily="18" charset="0"/>
+                  </a:endParaRPr>
+                </a:p>
+              </p:txBody>
+            </p:sp>
+          </mc:Choice>
+          <mc:Fallback>
+            <p:sp>
+              <p:nvSpPr>
+                <p:cNvPr id="13" name="Rectangle 12">
+                  <a:extLst>
+                    <a:ext uri="{FF2B5EF4-FFF2-40B4-BE49-F238E27FC236}">
+                      <a16:creationId xmlns:a16="http://schemas.microsoft.com/office/drawing/2014/main" id="{A27E13F4-21D3-073E-5160-E106E88D596E}"/>
+                    </a:ext>
+                  </a:extLst>
+                </p:cNvPr>
+                <p:cNvSpPr>
+                  <a:spLocks noRot="1" noChangeAspect="1" noMove="1" noResize="1" noEditPoints="1" noAdjustHandles="1" noChangeArrowheads="1" noChangeShapeType="1" noTextEdit="1"/>
+                </p:cNvSpPr>
+                <p:nvPr/>
+              </p:nvSpPr>
+              <p:spPr>
+                <a:xfrm>
+                  <a:off x="4760187" y="2104683"/>
+                  <a:ext cx="398585" cy="398585"/>
+                </a:xfrm>
+                <a:prstGeom prst="rect">
+                  <a:avLst/>
+                </a:prstGeom>
+                <a:blipFill>
+                  <a:blip r:embed="rId9"/>
+                  <a:stretch>
+                    <a:fillRect/>
+                  </a:stretch>
+                </a:blipFill>
+                <a:ln>
+                  <a:solidFill>
+                    <a:schemeClr val="tx1">
+                      <a:lumMod val="50000"/>
+                      <a:lumOff val="50000"/>
+                    </a:schemeClr>
+                  </a:solidFill>
+                </a:ln>
+              </p:spPr>
+              <p:txBody>
+                <a:bodyPr/>
+                <a:lstStyle/>
+                <a:p>
+                  <a:r>
+                    <a:rPr lang="en-US">
+                      <a:noFill/>
+                    </a:rPr>
+                    <a:t> </a:t>
+                  </a:r>
+                </a:p>
+              </p:txBody>
+            </p:sp>
+          </mc:Fallback>
+        </mc:AlternateContent>
+        <p:sp>
+          <p:nvSpPr>
+            <p:cNvPr id="14" name="Rectangle 13">
+              <a:extLst>
+                <a:ext uri="{FF2B5EF4-FFF2-40B4-BE49-F238E27FC236}">
+                  <a16:creationId xmlns:a16="http://schemas.microsoft.com/office/drawing/2014/main" id="{F003A566-C2CC-84AB-D3FF-21D6C6D65CC5}"/>
+                </a:ext>
+              </a:extLst>
+            </p:cNvPr>
+            <p:cNvSpPr/>
+            <p:nvPr/>
+          </p:nvSpPr>
+          <p:spPr>
+            <a:xfrm>
+              <a:off x="5155842" y="2104683"/>
+              <a:ext cx="398585" cy="398585"/>
+            </a:xfrm>
+            <a:prstGeom prst="rect">
+              <a:avLst/>
+            </a:prstGeom>
+            <a:noFill/>
+            <a:ln>
+              <a:solidFill>
+                <a:schemeClr val="tx1">
+                  <a:lumMod val="50000"/>
+                  <a:lumOff val="50000"/>
+                </a:schemeClr>
+              </a:solidFill>
+            </a:ln>
+          </p:spPr>
+          <p:style>
+            <a:lnRef idx="2">
+              <a:schemeClr val="accent1">
+                <a:shade val="15000"/>
+              </a:schemeClr>
+            </a:lnRef>
+            <a:fillRef idx="1">
+              <a:schemeClr val="accent1"/>
+            </a:fillRef>
+            <a:effectRef idx="0">
+              <a:schemeClr val="accent1"/>
+            </a:effectRef>
+            <a:fontRef idx="minor">
+              <a:schemeClr val="lt1"/>
+            </a:fontRef>
+          </p:style>
+          <p:txBody>
+            <a:bodyPr rtlCol="0" anchor="ctr"/>
+            <a:lstStyle/>
+            <a:p>
+              <a:pPr algn="ctr"/>
+              <a:endParaRPr lang="en-US">
+                <a:solidFill>
+                  <a:schemeClr val="tx1">
+                    <a:lumMod val="75000"/>
+                    <a:lumOff val="25000"/>
+                  </a:schemeClr>
+                </a:solidFill>
+              </a:endParaRPr>
+            </a:p>
+          </p:txBody>
+        </p:sp>
+        <p:sp>
+          <p:nvSpPr>
+            <p:cNvPr id="15" name="Rectangle 14">
+              <a:extLst>
+                <a:ext uri="{FF2B5EF4-FFF2-40B4-BE49-F238E27FC236}">
+                  <a16:creationId xmlns:a16="http://schemas.microsoft.com/office/drawing/2014/main" id="{A8E28386-BFC4-B8FF-0DBD-244F6792AF5A}"/>
+                </a:ext>
+              </a:extLst>
+            </p:cNvPr>
+            <p:cNvSpPr/>
+            <p:nvPr/>
+          </p:nvSpPr>
+          <p:spPr>
+            <a:xfrm>
+              <a:off x="4316412" y="2065444"/>
+              <a:ext cx="1289825" cy="479320"/>
+            </a:xfrm>
+            <a:prstGeom prst="rect">
+              <a:avLst/>
+            </a:prstGeom>
+            <a:noFill/>
+            <a:ln>
+              <a:solidFill>
+                <a:schemeClr val="bg1">
+                  <a:lumMod val="85000"/>
+                </a:schemeClr>
+              </a:solidFill>
+            </a:ln>
+          </p:spPr>
+          <p:style>
+            <a:lnRef idx="2">
+              <a:schemeClr val="accent1">
+                <a:shade val="15000"/>
+              </a:schemeClr>
+            </a:lnRef>
+            <a:fillRef idx="1">
+              <a:schemeClr val="accent1"/>
+            </a:fillRef>
+            <a:effectRef idx="0">
+              <a:schemeClr val="accent1"/>
+            </a:effectRef>
+            <a:fontRef idx="minor">
+              <a:schemeClr val="lt1"/>
+            </a:fontRef>
+          </p:style>
+          <p:txBody>
+            <a:bodyPr rtlCol="0" anchor="ctr"/>
+            <a:lstStyle/>
+            <a:p>
+              <a:pPr algn="ctr"/>
+              <a:endParaRPr lang="en-US">
+                <a:solidFill>
+                  <a:schemeClr val="tx1">
+                    <a:lumMod val="75000"/>
+                    <a:lumOff val="25000"/>
+                  </a:schemeClr>
+                </a:solidFill>
+              </a:endParaRPr>
+            </a:p>
+          </p:txBody>
+        </p:sp>
+      </p:grpSp>
+      <p:cxnSp>
+        <p:nvCxnSpPr>
+          <p:cNvPr id="19" name="Straight Arrow Connector 18">
+            <a:extLst>
+              <a:ext uri="{FF2B5EF4-FFF2-40B4-BE49-F238E27FC236}">
+                <a16:creationId xmlns:a16="http://schemas.microsoft.com/office/drawing/2014/main" id="{F32ECF07-E054-FC0A-001E-759124212F5D}"/>
+              </a:ext>
+            </a:extLst>
+          </p:cNvPr>
+          <p:cNvCxnSpPr>
+            <a:cxnSpLocks/>
+            <a:endCxn id="10" idx="0"/>
+          </p:cNvCxnSpPr>
+          <p:nvPr/>
+        </p:nvCxnSpPr>
+        <p:spPr>
+          <a:xfrm flipH="1">
+            <a:off x="1781732" y="4706132"/>
+            <a:ext cx="615603" cy="668768"/>
+          </a:xfrm>
+          <a:prstGeom prst="straightConnector1">
+            <a:avLst/>
+          </a:prstGeom>
+          <a:ln w="19050">
+            <a:solidFill>
+              <a:schemeClr val="accent6"/>
+            </a:solidFill>
+            <a:prstDash val="solid"/>
+            <a:tailEnd type="triangle"/>
+          </a:ln>
+        </p:spPr>
+        <p:style>
+          <a:lnRef idx="1">
+            <a:schemeClr val="accent1"/>
+          </a:lnRef>
+          <a:fillRef idx="0">
+            <a:schemeClr val="accent1"/>
+          </a:fillRef>
+          <a:effectRef idx="0">
+            <a:schemeClr val="accent1"/>
+          </a:effectRef>
+          <a:fontRef idx="minor">
+            <a:schemeClr val="tx1"/>
+          </a:fontRef>
+        </p:style>
+      </p:cxnSp>
+      <p:grpSp>
+        <p:nvGrpSpPr>
+          <p:cNvPr id="32" name="Group 31">
+            <a:extLst>
+              <a:ext uri="{FF2B5EF4-FFF2-40B4-BE49-F238E27FC236}">
+                <a16:creationId xmlns:a16="http://schemas.microsoft.com/office/drawing/2014/main" id="{B771A44B-6927-38CD-452F-AD4B19C8F9F1}"/>
+              </a:ext>
+            </a:extLst>
+          </p:cNvPr>
+          <p:cNvGrpSpPr/>
+          <p:nvPr/>
+        </p:nvGrpSpPr>
+        <p:grpSpPr>
+          <a:xfrm>
+            <a:off x="907894" y="1215263"/>
+            <a:ext cx="1811859" cy="2014445"/>
+            <a:chOff x="3046411" y="2264835"/>
+            <a:chExt cx="1811859" cy="2014445"/>
+          </a:xfrm>
+        </p:grpSpPr>
+        <p:sp>
+          <p:nvSpPr>
+            <p:cNvPr id="30" name="Rectangle 29">
+              <a:extLst>
+                <a:ext uri="{FF2B5EF4-FFF2-40B4-BE49-F238E27FC236}">
+                  <a16:creationId xmlns:a16="http://schemas.microsoft.com/office/drawing/2014/main" id="{92B36E09-1BA3-D574-3178-CE6A90D40364}"/>
+                </a:ext>
+              </a:extLst>
+            </p:cNvPr>
+            <p:cNvSpPr/>
+            <p:nvPr/>
+          </p:nvSpPr>
+          <p:spPr>
+            <a:xfrm>
+              <a:off x="3046411" y="2279389"/>
+              <a:ext cx="1811859" cy="1999891"/>
+            </a:xfrm>
+            <a:prstGeom prst="rect">
+              <a:avLst/>
+            </a:prstGeom>
+            <a:noFill/>
+            <a:ln>
+              <a:solidFill>
+                <a:schemeClr val="bg1">
+                  <a:lumMod val="85000"/>
+                </a:schemeClr>
+              </a:solidFill>
+            </a:ln>
+          </p:spPr>
+          <p:style>
+            <a:lnRef idx="2">
+              <a:schemeClr val="accent1">
+                <a:shade val="15000"/>
+              </a:schemeClr>
+            </a:lnRef>
+            <a:fillRef idx="1">
+              <a:schemeClr val="accent1"/>
+            </a:fillRef>
+            <a:effectRef idx="0">
+              <a:schemeClr val="accent1"/>
+            </a:effectRef>
+            <a:fontRef idx="minor">
+              <a:schemeClr val="lt1"/>
+            </a:fontRef>
+          </p:style>
+          <p:txBody>
+            <a:bodyPr rtlCol="0" anchor="ctr"/>
+            <a:lstStyle/>
+            <a:p>
+              <a:pPr algn="ctr"/>
+              <a:endParaRPr lang="en-US"/>
+            </a:p>
+          </p:txBody>
+        </p:sp>
+        <p:sp>
+          <p:nvSpPr>
+            <p:cNvPr id="31" name="TextBox 30">
+              <a:extLst>
+                <a:ext uri="{FF2B5EF4-FFF2-40B4-BE49-F238E27FC236}">
+                  <a16:creationId xmlns:a16="http://schemas.microsoft.com/office/drawing/2014/main" id="{F4C98717-1696-28A2-6FB0-851F367EF65F}"/>
+                </a:ext>
+              </a:extLst>
+            </p:cNvPr>
+            <p:cNvSpPr txBox="1"/>
+            <p:nvPr/>
+          </p:nvSpPr>
+          <p:spPr>
+            <a:xfrm>
+              <a:off x="3052233" y="2264835"/>
+              <a:ext cx="1456489" cy="369332"/>
+            </a:xfrm>
+            <a:prstGeom prst="rect">
+              <a:avLst/>
+            </a:prstGeom>
+            <a:noFill/>
+          </p:spPr>
+          <p:txBody>
+            <a:bodyPr wrap="none" rtlCol="0">
+              <a:spAutoFit/>
+            </a:bodyPr>
+            <a:lstStyle/>
+            <a:p>
+              <a:r>
+                <a:rPr lang="en-US" dirty="0">
+                  <a:solidFill>
+                    <a:schemeClr val="tx1">
+                      <a:lumMod val="65000"/>
+                      <a:lumOff val="35000"/>
+                    </a:schemeClr>
+                  </a:solidFill>
+                  <a:latin typeface="Times New Roman" panose="02020603050405020304" pitchFamily="18" charset="0"/>
+                  <a:cs typeface="Times New Roman" panose="02020603050405020304" pitchFamily="18" charset="0"/>
+                </a:rPr>
+                <a:t>Client Thread</a:t>
+              </a:r>
+            </a:p>
+          </p:txBody>
+        </p:sp>
+      </p:grpSp>
+      <p:cxnSp>
+        <p:nvCxnSpPr>
+          <p:cNvPr id="18" name="Straight Arrow Connector 17">
+            <a:extLst>
+              <a:ext uri="{FF2B5EF4-FFF2-40B4-BE49-F238E27FC236}">
+                <a16:creationId xmlns:a16="http://schemas.microsoft.com/office/drawing/2014/main" id="{39F33922-B986-457C-CC8E-D2264732FF9A}"/>
+              </a:ext>
+            </a:extLst>
+          </p:cNvPr>
+          <p:cNvCxnSpPr>
+            <a:cxnSpLocks/>
+          </p:cNvCxnSpPr>
+          <p:nvPr/>
+        </p:nvCxnSpPr>
+        <p:spPr>
+          <a:xfrm>
+            <a:off x="2454119" y="5512720"/>
+            <a:ext cx="296562" cy="0"/>
+          </a:xfrm>
+          <a:prstGeom prst="straightConnector1">
+            <a:avLst/>
+          </a:prstGeom>
+          <a:ln w="19050">
+            <a:solidFill>
+              <a:schemeClr val="tx1">
+                <a:lumMod val="50000"/>
+                <a:lumOff val="50000"/>
+              </a:schemeClr>
+            </a:solidFill>
+            <a:tailEnd type="triangle"/>
+          </a:ln>
+        </p:spPr>
+        <p:style>
+          <a:lnRef idx="1">
+            <a:schemeClr val="accent1"/>
+          </a:lnRef>
+          <a:fillRef idx="0">
+            <a:schemeClr val="accent1"/>
+          </a:fillRef>
+          <a:effectRef idx="0">
+            <a:schemeClr val="accent1"/>
+          </a:effectRef>
+          <a:fontRef idx="minor">
+            <a:schemeClr val="tx1"/>
+          </a:fontRef>
+        </p:style>
+      </p:cxnSp>
+      <p:cxnSp>
+        <p:nvCxnSpPr>
+          <p:cNvPr id="20" name="Straight Arrow Connector 19">
+            <a:extLst>
+              <a:ext uri="{FF2B5EF4-FFF2-40B4-BE49-F238E27FC236}">
+                <a16:creationId xmlns:a16="http://schemas.microsoft.com/office/drawing/2014/main" id="{1446A1EC-06EF-087C-20A5-E03C61649128}"/>
+              </a:ext>
+            </a:extLst>
+          </p:cNvPr>
+          <p:cNvCxnSpPr>
+            <a:cxnSpLocks/>
+          </p:cNvCxnSpPr>
+          <p:nvPr/>
+        </p:nvCxnSpPr>
+        <p:spPr>
+          <a:xfrm flipH="1">
+            <a:off x="2457649" y="5734155"/>
+            <a:ext cx="275380" cy="0"/>
+          </a:xfrm>
+          <a:prstGeom prst="straightConnector1">
+            <a:avLst/>
+          </a:prstGeom>
+          <a:ln w="19050">
+            <a:solidFill>
+              <a:schemeClr val="tx1">
+                <a:lumMod val="50000"/>
+                <a:lumOff val="50000"/>
+              </a:schemeClr>
+            </a:solidFill>
+            <a:tailEnd type="triangle"/>
+          </a:ln>
+        </p:spPr>
+        <p:style>
+          <a:lnRef idx="1">
+            <a:schemeClr val="accent1"/>
+          </a:lnRef>
+          <a:fillRef idx="0">
+            <a:schemeClr val="accent1"/>
+          </a:fillRef>
+          <a:effectRef idx="0">
+            <a:schemeClr val="accent1"/>
+          </a:effectRef>
+          <a:fontRef idx="minor">
+            <a:schemeClr val="tx1"/>
+          </a:fontRef>
+        </p:style>
+      </p:cxnSp>
+      <p:cxnSp>
+        <p:nvCxnSpPr>
+          <p:cNvPr id="64" name="Straight Arrow Connector 63">
+            <a:extLst>
+              <a:ext uri="{FF2B5EF4-FFF2-40B4-BE49-F238E27FC236}">
+                <a16:creationId xmlns:a16="http://schemas.microsoft.com/office/drawing/2014/main" id="{CAA76123-E2E4-4E68-3C24-7DF737FC95EF}"/>
+              </a:ext>
+            </a:extLst>
+          </p:cNvPr>
+          <p:cNvCxnSpPr>
+            <a:cxnSpLocks/>
+            <a:endCxn id="15" idx="0"/>
+          </p:cNvCxnSpPr>
+          <p:nvPr/>
+        </p:nvCxnSpPr>
+        <p:spPr>
+          <a:xfrm>
+            <a:off x="2794617" y="4705807"/>
+            <a:ext cx="599690" cy="669093"/>
+          </a:xfrm>
+          <a:prstGeom prst="straightConnector1">
+            <a:avLst/>
+          </a:prstGeom>
+          <a:ln w="19050">
+            <a:solidFill>
+              <a:schemeClr val="tx1">
+                <a:lumMod val="65000"/>
+                <a:lumOff val="35000"/>
+              </a:schemeClr>
+            </a:solidFill>
+            <a:tailEnd type="triangle"/>
+          </a:ln>
+        </p:spPr>
+        <p:style>
+          <a:lnRef idx="1">
+            <a:schemeClr val="accent1"/>
+          </a:lnRef>
+          <a:fillRef idx="0">
+            <a:schemeClr val="accent1"/>
+          </a:fillRef>
+          <a:effectRef idx="0">
+            <a:schemeClr val="accent1"/>
+          </a:effectRef>
+          <a:fontRef idx="minor">
+            <a:schemeClr val="tx1"/>
+          </a:fontRef>
+        </p:style>
+      </p:cxnSp>
+      <p:grpSp>
+        <p:nvGrpSpPr>
+          <p:cNvPr id="36" name="Group 35">
+            <a:extLst>
+              <a:ext uri="{FF2B5EF4-FFF2-40B4-BE49-F238E27FC236}">
+                <a16:creationId xmlns:a16="http://schemas.microsoft.com/office/drawing/2014/main" id="{8C55F063-FCE9-34C3-9C7F-0E6D727FFB14}"/>
+              </a:ext>
+            </a:extLst>
+          </p:cNvPr>
+          <p:cNvGrpSpPr/>
+          <p:nvPr/>
+        </p:nvGrpSpPr>
+        <p:grpSpPr>
+          <a:xfrm>
+            <a:off x="4341128" y="5374900"/>
+            <a:ext cx="1289825" cy="479320"/>
+            <a:chOff x="4316412" y="2065444"/>
+            <a:chExt cx="1289825" cy="479320"/>
+          </a:xfrm>
+        </p:grpSpPr>
+        <mc:AlternateContent xmlns:mc="http://schemas.openxmlformats.org/markup-compatibility/2006">
+          <mc:Choice xmlns:a14="http://schemas.microsoft.com/office/drawing/2010/main" Requires="a14">
+            <p:sp>
+              <p:nvSpPr>
+                <p:cNvPr id="44" name="Rectangle 43">
+                  <a:extLst>
+                    <a:ext uri="{FF2B5EF4-FFF2-40B4-BE49-F238E27FC236}">
+                      <a16:creationId xmlns:a16="http://schemas.microsoft.com/office/drawing/2014/main" id="{1D219BE8-15FF-3C94-DFB6-B4D61BB86AB3}"/>
+                    </a:ext>
+                  </a:extLst>
+                </p:cNvPr>
+                <p:cNvSpPr/>
+                <p:nvPr/>
+              </p:nvSpPr>
+              <p:spPr>
+                <a:xfrm>
+                  <a:off x="4357858" y="2104683"/>
+                  <a:ext cx="398585" cy="398585"/>
+                </a:xfrm>
+                <a:prstGeom prst="rect">
+                  <a:avLst/>
+                </a:prstGeom>
+                <a:noFill/>
+                <a:ln>
+                  <a:solidFill>
+                    <a:schemeClr val="tx1">
+                      <a:lumMod val="50000"/>
+                      <a:lumOff val="50000"/>
+                    </a:schemeClr>
+                  </a:solidFill>
+                </a:ln>
+              </p:spPr>
+              <p:style>
+                <a:lnRef idx="2">
+                  <a:schemeClr val="accent1">
+                    <a:shade val="15000"/>
+                  </a:schemeClr>
+                </a:lnRef>
+                <a:fillRef idx="1">
+                  <a:schemeClr val="accent1"/>
+                </a:fillRef>
+                <a:effectRef idx="0">
+                  <a:schemeClr val="accent1"/>
+                </a:effectRef>
+                <a:fontRef idx="minor">
+                  <a:schemeClr val="lt1"/>
+                </a:fontRef>
+              </p:style>
+              <p:txBody>
+                <a:bodyPr rtlCol="0" anchor="ctr"/>
+                <a:lstStyle/>
+                <a:p>
+                  <a:pPr algn="r"/>
+                  <a14:m>
+                    <m:oMathPara xmlns:m="http://schemas.openxmlformats.org/officeDocument/2006/math">
+                      <m:oMathParaPr>
+                        <m:jc m:val="centerGroup"/>
+                      </m:oMathParaPr>
+                      <m:oMath xmlns:m="http://schemas.openxmlformats.org/officeDocument/2006/math">
+                        <m:sSub>
+                          <m:sSubPr>
+                            <m:ctrlPr>
+                              <a:rPr lang="en-US" i="1">
+                                <a:solidFill>
+                                  <a:schemeClr val="tx1">
+                                    <a:lumMod val="75000"/>
+                                    <a:lumOff val="25000"/>
+                                  </a:schemeClr>
+                                </a:solidFill>
+                                <a:latin typeface="Cambria Math" panose="02040503050406030204" pitchFamily="18" charset="0"/>
+                              </a:rPr>
+                            </m:ctrlPr>
+                          </m:sSubPr>
+                          <m:e>
+                            <m:r>
+                              <a:rPr lang="en-US" i="1">
+                                <a:solidFill>
+                                  <a:schemeClr val="tx1">
+                                    <a:lumMod val="75000"/>
+                                    <a:lumOff val="25000"/>
+                                  </a:schemeClr>
+                                </a:solidFill>
+                                <a:latin typeface="Cambria Math" panose="02040503050406030204" pitchFamily="18" charset="0"/>
+                              </a:rPr>
+                              <m:t>𝑘</m:t>
+                            </m:r>
+                          </m:e>
+                          <m:sub>
+                            <m:r>
+                              <a:rPr lang="en-US" i="1">
+                                <a:solidFill>
+                                  <a:schemeClr val="tx1">
+                                    <a:lumMod val="75000"/>
+                                    <a:lumOff val="25000"/>
+                                  </a:schemeClr>
+                                </a:solidFill>
+                                <a:latin typeface="Cambria Math" panose="02040503050406030204" pitchFamily="18" charset="0"/>
+                              </a:rPr>
+                              <m:t>4</m:t>
+                            </m:r>
+                          </m:sub>
+                        </m:sSub>
+                      </m:oMath>
+                    </m:oMathPara>
+                  </a14:m>
+                  <a:endParaRPr lang="en-US" i="1" dirty="0">
+                    <a:solidFill>
+                      <a:schemeClr val="tx1">
+                        <a:lumMod val="75000"/>
+                        <a:lumOff val="25000"/>
+                      </a:schemeClr>
+                    </a:solidFill>
+                    <a:latin typeface="Cambria Math" panose="02040503050406030204" pitchFamily="18" charset="0"/>
+                  </a:endParaRPr>
+                </a:p>
+              </p:txBody>
+            </p:sp>
+          </mc:Choice>
+          <mc:Fallback>
+            <p:sp>
+              <p:nvSpPr>
+                <p:cNvPr id="44" name="Rectangle 43">
+                  <a:extLst>
+                    <a:ext uri="{FF2B5EF4-FFF2-40B4-BE49-F238E27FC236}">
+                      <a16:creationId xmlns:a16="http://schemas.microsoft.com/office/drawing/2014/main" id="{1D219BE8-15FF-3C94-DFB6-B4D61BB86AB3}"/>
+                    </a:ext>
+                  </a:extLst>
+                </p:cNvPr>
+                <p:cNvSpPr>
+                  <a:spLocks noRot="1" noChangeAspect="1" noMove="1" noResize="1" noEditPoints="1" noAdjustHandles="1" noChangeArrowheads="1" noChangeShapeType="1" noTextEdit="1"/>
+                </p:cNvSpPr>
+                <p:nvPr/>
+              </p:nvSpPr>
+              <p:spPr>
+                <a:xfrm>
+                  <a:off x="4357858" y="2104683"/>
+                  <a:ext cx="398585" cy="398585"/>
+                </a:xfrm>
+                <a:prstGeom prst="rect">
+                  <a:avLst/>
+                </a:prstGeom>
+                <a:blipFill>
+                  <a:blip r:embed="rId10"/>
+                  <a:stretch>
+                    <a:fillRect/>
+                  </a:stretch>
+                </a:blipFill>
+                <a:ln>
+                  <a:solidFill>
+                    <a:schemeClr val="tx1">
+                      <a:lumMod val="50000"/>
+                      <a:lumOff val="50000"/>
+                    </a:schemeClr>
+                  </a:solidFill>
+                </a:ln>
+              </p:spPr>
+              <p:txBody>
+                <a:bodyPr/>
+                <a:lstStyle/>
+                <a:p>
+                  <a:r>
+                    <a:rPr lang="en-US">
+                      <a:noFill/>
+                    </a:rPr>
+                    <a:t> </a:t>
+                  </a:r>
+                </a:p>
+              </p:txBody>
+            </p:sp>
+          </mc:Fallback>
+        </mc:AlternateContent>
+        <mc:AlternateContent xmlns:mc="http://schemas.openxmlformats.org/markup-compatibility/2006" xmlns:a14="http://schemas.microsoft.com/office/drawing/2010/main">
+          <mc:Choice Requires="a14">
+            <p:sp>
+              <p:nvSpPr>
+                <p:cNvPr id="45" name="Rectangle 44">
+                  <a:extLst>
+                    <a:ext uri="{FF2B5EF4-FFF2-40B4-BE49-F238E27FC236}">
+                      <a16:creationId xmlns:a16="http://schemas.microsoft.com/office/drawing/2014/main" id="{F001E743-420C-2BC6-60AE-E466D2DEE10B}"/>
+                    </a:ext>
+                  </a:extLst>
+                </p:cNvPr>
+                <p:cNvSpPr/>
+                <p:nvPr/>
+              </p:nvSpPr>
+              <p:spPr>
+                <a:xfrm>
+                  <a:off x="4760187" y="2104683"/>
+                  <a:ext cx="398585" cy="398585"/>
+                </a:xfrm>
+                <a:prstGeom prst="rect">
+                  <a:avLst/>
+                </a:prstGeom>
+                <a:noFill/>
+                <a:ln>
+                  <a:solidFill>
+                    <a:schemeClr val="tx1">
+                      <a:lumMod val="50000"/>
+                      <a:lumOff val="50000"/>
+                    </a:schemeClr>
+                  </a:solidFill>
+                </a:ln>
+              </p:spPr>
+              <p:style>
+                <a:lnRef idx="2">
+                  <a:schemeClr val="accent1">
+                    <a:shade val="15000"/>
+                  </a:schemeClr>
+                </a:lnRef>
+                <a:fillRef idx="1">
+                  <a:schemeClr val="accent1"/>
+                </a:fillRef>
+                <a:effectRef idx="0">
+                  <a:schemeClr val="accent1"/>
+                </a:effectRef>
+                <a:fontRef idx="minor">
+                  <a:schemeClr val="lt1"/>
+                </a:fontRef>
+              </p:style>
+              <p:txBody>
+                <a:bodyPr rtlCol="0" anchor="ctr"/>
+                <a:lstStyle/>
+                <a:p>
+                  <a:pPr algn="r"/>
+                  <a14:m>
+                    <m:oMathPara xmlns:m="http://schemas.openxmlformats.org/officeDocument/2006/math">
+                      <m:oMathParaPr>
+                        <m:jc m:val="centerGroup"/>
+                      </m:oMathParaPr>
+                      <m:oMath xmlns:m="http://schemas.openxmlformats.org/officeDocument/2006/math">
+                        <m:r>
+                          <a:rPr lang="en-US" b="0" i="1" smtClean="0">
+                            <a:solidFill>
+                              <a:schemeClr val="tx1">
+                                <a:lumMod val="75000"/>
+                                <a:lumOff val="25000"/>
+                              </a:schemeClr>
+                            </a:solidFill>
+                            <a:latin typeface="Cambria Math" panose="02040503050406030204" pitchFamily="18" charset="0"/>
+                          </a:rPr>
+                          <m:t>−</m:t>
+                        </m:r>
+                      </m:oMath>
+                    </m:oMathPara>
+                  </a14:m>
+                  <a:endParaRPr lang="en-US" dirty="0">
+                    <a:solidFill>
+                      <a:schemeClr val="tx1">
+                        <a:lumMod val="75000"/>
+                        <a:lumOff val="25000"/>
+                      </a:schemeClr>
+                    </a:solidFill>
+                  </a:endParaRPr>
+                </a:p>
+              </p:txBody>
+            </p:sp>
+          </mc:Choice>
+          <mc:Fallback xmlns="">
+            <p:sp>
+              <p:nvSpPr>
+                <p:cNvPr id="45" name="Rectangle 44">
+                  <a:extLst>
+                    <a:ext uri="{FF2B5EF4-FFF2-40B4-BE49-F238E27FC236}">
+                      <a16:creationId xmlns:a16="http://schemas.microsoft.com/office/drawing/2014/main" id="{F001E743-420C-2BC6-60AE-E466D2DEE10B}"/>
+                    </a:ext>
+                  </a:extLst>
+                </p:cNvPr>
+                <p:cNvSpPr>
+                  <a:spLocks noRot="1" noChangeAspect="1" noMove="1" noResize="1" noEditPoints="1" noAdjustHandles="1" noChangeArrowheads="1" noChangeShapeType="1" noTextEdit="1"/>
+                </p:cNvSpPr>
+                <p:nvPr/>
+              </p:nvSpPr>
+              <p:spPr>
+                <a:xfrm>
+                  <a:off x="4760187" y="2104683"/>
+                  <a:ext cx="398585" cy="398585"/>
+                </a:xfrm>
+                <a:prstGeom prst="rect">
+                  <a:avLst/>
+                </a:prstGeom>
+                <a:blipFill>
+                  <a:blip r:embed="rId15"/>
+                  <a:stretch>
+                    <a:fillRect/>
+                  </a:stretch>
+                </a:blipFill>
+                <a:ln>
+                  <a:solidFill>
+                    <a:schemeClr val="tx1">
+                      <a:lumMod val="50000"/>
+                      <a:lumOff val="50000"/>
+                    </a:schemeClr>
+                  </a:solidFill>
+                </a:ln>
+              </p:spPr>
+              <p:txBody>
+                <a:bodyPr/>
+                <a:lstStyle/>
+                <a:p>
+                  <a:r>
+                    <a:rPr lang="en-US">
+                      <a:noFill/>
+                    </a:rPr>
+                    <a:t> </a:t>
+                  </a:r>
+                </a:p>
+              </p:txBody>
+            </p:sp>
+          </mc:Fallback>
+        </mc:AlternateContent>
+        <p:sp>
+          <p:nvSpPr>
+            <p:cNvPr id="46" name="Rectangle 45">
+              <a:extLst>
+                <a:ext uri="{FF2B5EF4-FFF2-40B4-BE49-F238E27FC236}">
+                  <a16:creationId xmlns:a16="http://schemas.microsoft.com/office/drawing/2014/main" id="{0295A31E-CAE5-289C-E045-6EA562FAB892}"/>
+                </a:ext>
+              </a:extLst>
+            </p:cNvPr>
+            <p:cNvSpPr/>
+            <p:nvPr/>
+          </p:nvSpPr>
+          <p:spPr>
+            <a:xfrm>
+              <a:off x="5155842" y="2104683"/>
+              <a:ext cx="398585" cy="398585"/>
+            </a:xfrm>
+            <a:prstGeom prst="rect">
+              <a:avLst/>
+            </a:prstGeom>
+            <a:noFill/>
+            <a:ln>
+              <a:solidFill>
+                <a:schemeClr val="tx1">
+                  <a:lumMod val="50000"/>
+                  <a:lumOff val="50000"/>
+                </a:schemeClr>
+              </a:solidFill>
+            </a:ln>
+          </p:spPr>
+          <p:style>
+            <a:lnRef idx="2">
+              <a:schemeClr val="accent1">
+                <a:shade val="15000"/>
+              </a:schemeClr>
+            </a:lnRef>
+            <a:fillRef idx="1">
+              <a:schemeClr val="accent1"/>
+            </a:fillRef>
+            <a:effectRef idx="0">
+              <a:schemeClr val="accent1"/>
+            </a:effectRef>
+            <a:fontRef idx="minor">
+              <a:schemeClr val="lt1"/>
+            </a:fontRef>
+          </p:style>
+          <p:txBody>
+            <a:bodyPr rtlCol="0" anchor="ctr"/>
+            <a:lstStyle/>
+            <a:p>
+              <a:pPr algn="ctr"/>
+              <a:endParaRPr lang="en-US">
+                <a:solidFill>
+                  <a:schemeClr val="tx1">
+                    <a:lumMod val="75000"/>
+                    <a:lumOff val="25000"/>
+                  </a:schemeClr>
+                </a:solidFill>
+              </a:endParaRPr>
+            </a:p>
+          </p:txBody>
+        </p:sp>
+        <p:sp>
+          <p:nvSpPr>
+            <p:cNvPr id="48" name="Rectangle 47">
+              <a:extLst>
+                <a:ext uri="{FF2B5EF4-FFF2-40B4-BE49-F238E27FC236}">
+                  <a16:creationId xmlns:a16="http://schemas.microsoft.com/office/drawing/2014/main" id="{B83ADB32-4EA5-AE39-4886-24D1396E2269}"/>
+                </a:ext>
+              </a:extLst>
+            </p:cNvPr>
+            <p:cNvSpPr/>
+            <p:nvPr/>
+          </p:nvSpPr>
+          <p:spPr>
+            <a:xfrm>
+              <a:off x="4316412" y="2065444"/>
+              <a:ext cx="1289825" cy="479320"/>
+            </a:xfrm>
+            <a:prstGeom prst="rect">
+              <a:avLst/>
+            </a:prstGeom>
+            <a:noFill/>
+            <a:ln>
+              <a:solidFill>
+                <a:schemeClr val="bg1">
+                  <a:lumMod val="85000"/>
+                </a:schemeClr>
+              </a:solidFill>
+            </a:ln>
+          </p:spPr>
+          <p:style>
+            <a:lnRef idx="2">
+              <a:schemeClr val="accent1">
+                <a:shade val="15000"/>
+              </a:schemeClr>
+            </a:lnRef>
+            <a:fillRef idx="1">
+              <a:schemeClr val="accent1"/>
+            </a:fillRef>
+            <a:effectRef idx="0">
+              <a:schemeClr val="accent1"/>
+            </a:effectRef>
+            <a:fontRef idx="minor">
+              <a:schemeClr val="lt1"/>
+            </a:fontRef>
+          </p:style>
+          <p:txBody>
+            <a:bodyPr rtlCol="0" anchor="ctr"/>
+            <a:lstStyle/>
+            <a:p>
+              <a:pPr algn="ctr"/>
+              <a:endParaRPr lang="en-US">
+                <a:solidFill>
+                  <a:schemeClr val="tx1">
+                    <a:lumMod val="75000"/>
+                    <a:lumOff val="25000"/>
+                  </a:schemeClr>
+                </a:solidFill>
+              </a:endParaRPr>
+            </a:p>
+          </p:txBody>
+        </p:sp>
+      </p:grpSp>
+      <p:cxnSp>
+        <p:nvCxnSpPr>
+          <p:cNvPr id="49" name="Straight Arrow Connector 48">
+            <a:extLst>
+              <a:ext uri="{FF2B5EF4-FFF2-40B4-BE49-F238E27FC236}">
+                <a16:creationId xmlns:a16="http://schemas.microsoft.com/office/drawing/2014/main" id="{71C4F106-0324-4AD4-60C5-3B5B2A080937}"/>
+              </a:ext>
+            </a:extLst>
+          </p:cNvPr>
+          <p:cNvCxnSpPr>
+            <a:cxnSpLocks/>
+          </p:cNvCxnSpPr>
+          <p:nvPr/>
+        </p:nvCxnSpPr>
+        <p:spPr>
+          <a:xfrm>
+            <a:off x="4045853" y="5504253"/>
+            <a:ext cx="296562" cy="0"/>
+          </a:xfrm>
+          <a:prstGeom prst="straightConnector1">
+            <a:avLst/>
+          </a:prstGeom>
+          <a:ln w="19050">
+            <a:solidFill>
+              <a:schemeClr val="tx1">
+                <a:lumMod val="50000"/>
+                <a:lumOff val="50000"/>
+              </a:schemeClr>
+            </a:solidFill>
+            <a:tailEnd type="triangle"/>
+          </a:ln>
+        </p:spPr>
+        <p:style>
+          <a:lnRef idx="1">
+            <a:schemeClr val="accent1"/>
+          </a:lnRef>
+          <a:fillRef idx="0">
+            <a:schemeClr val="accent1"/>
+          </a:fillRef>
+          <a:effectRef idx="0">
+            <a:schemeClr val="accent1"/>
+          </a:effectRef>
+          <a:fontRef idx="minor">
+            <a:schemeClr val="tx1"/>
+          </a:fontRef>
+        </p:style>
+      </p:cxnSp>
+      <p:cxnSp>
+        <p:nvCxnSpPr>
+          <p:cNvPr id="53" name="Straight Arrow Connector 52">
+            <a:extLst>
+              <a:ext uri="{FF2B5EF4-FFF2-40B4-BE49-F238E27FC236}">
+                <a16:creationId xmlns:a16="http://schemas.microsoft.com/office/drawing/2014/main" id="{9D67D576-5187-4A5F-CCDC-40261DBFEF5D}"/>
+              </a:ext>
+            </a:extLst>
+          </p:cNvPr>
+          <p:cNvCxnSpPr>
+            <a:cxnSpLocks/>
+          </p:cNvCxnSpPr>
+          <p:nvPr/>
+        </p:nvCxnSpPr>
+        <p:spPr>
+          <a:xfrm flipH="1">
+            <a:off x="4049383" y="5725688"/>
+            <a:ext cx="275380" cy="0"/>
+          </a:xfrm>
+          <a:prstGeom prst="straightConnector1">
+            <a:avLst/>
+          </a:prstGeom>
+          <a:ln w="19050">
+            <a:solidFill>
+              <a:schemeClr val="tx1">
+                <a:lumMod val="50000"/>
+                <a:lumOff val="50000"/>
+              </a:schemeClr>
+            </a:solidFill>
+            <a:tailEnd type="triangle"/>
+          </a:ln>
+        </p:spPr>
+        <p:style>
+          <a:lnRef idx="1">
+            <a:schemeClr val="accent1"/>
+          </a:lnRef>
+          <a:fillRef idx="0">
+            <a:schemeClr val="accent1"/>
+          </a:fillRef>
+          <a:effectRef idx="0">
+            <a:schemeClr val="accent1"/>
+          </a:effectRef>
+          <a:fontRef idx="minor">
+            <a:schemeClr val="tx1"/>
+          </a:fontRef>
+        </p:style>
+      </p:cxnSp>
+      <p:cxnSp>
+        <p:nvCxnSpPr>
+          <p:cNvPr id="60" name="Straight Arrow Connector 59">
+            <a:extLst>
+              <a:ext uri="{FF2B5EF4-FFF2-40B4-BE49-F238E27FC236}">
+                <a16:creationId xmlns:a16="http://schemas.microsoft.com/office/drawing/2014/main" id="{604C587B-137E-08C0-0D27-35B4F51F9921}"/>
+              </a:ext>
+            </a:extLst>
+          </p:cNvPr>
+          <p:cNvCxnSpPr>
+            <a:cxnSpLocks/>
+            <a:endCxn id="48" idx="0"/>
+          </p:cNvCxnSpPr>
+          <p:nvPr/>
+        </p:nvCxnSpPr>
+        <p:spPr>
+          <a:xfrm>
+            <a:off x="3188317" y="4697341"/>
+            <a:ext cx="1797724" cy="677559"/>
+          </a:xfrm>
+          <a:prstGeom prst="straightConnector1">
+            <a:avLst/>
+          </a:prstGeom>
+          <a:ln w="19050">
+            <a:solidFill>
+              <a:schemeClr val="tx1">
+                <a:lumMod val="65000"/>
+                <a:lumOff val="35000"/>
+              </a:schemeClr>
+            </a:solidFill>
+            <a:tailEnd type="triangle"/>
+          </a:ln>
+        </p:spPr>
+        <p:style>
+          <a:lnRef idx="1">
+            <a:schemeClr val="accent1"/>
+          </a:lnRef>
+          <a:fillRef idx="0">
+            <a:schemeClr val="accent1"/>
+          </a:fillRef>
+          <a:effectRef idx="0">
+            <a:schemeClr val="accent1"/>
+          </a:effectRef>
+          <a:fontRef idx="minor">
+            <a:schemeClr val="tx1"/>
+          </a:fontRef>
+        </p:style>
+      </p:cxnSp>
+      <p:grpSp>
+        <p:nvGrpSpPr>
+          <p:cNvPr id="16" name="Group 15">
+            <a:extLst>
+              <a:ext uri="{FF2B5EF4-FFF2-40B4-BE49-F238E27FC236}">
+                <a16:creationId xmlns:a16="http://schemas.microsoft.com/office/drawing/2014/main" id="{60680949-6ACD-1260-44AE-2E9FDAB26B73}"/>
+              </a:ext>
+            </a:extLst>
+          </p:cNvPr>
+          <p:cNvGrpSpPr/>
+          <p:nvPr/>
+        </p:nvGrpSpPr>
+        <p:grpSpPr>
+          <a:xfrm>
+            <a:off x="2836340" y="1215263"/>
+            <a:ext cx="3054506" cy="2014445"/>
+            <a:chOff x="3046412" y="2264835"/>
+            <a:chExt cx="3054506" cy="2014445"/>
+          </a:xfrm>
+        </p:grpSpPr>
+        <p:sp>
+          <p:nvSpPr>
+            <p:cNvPr id="25" name="Rectangle 24">
+              <a:extLst>
+                <a:ext uri="{FF2B5EF4-FFF2-40B4-BE49-F238E27FC236}">
+                  <a16:creationId xmlns:a16="http://schemas.microsoft.com/office/drawing/2014/main" id="{608137EB-E405-88A6-6399-9CE212FD7B9C}"/>
+                </a:ext>
+              </a:extLst>
+            </p:cNvPr>
+            <p:cNvSpPr/>
+            <p:nvPr/>
+          </p:nvSpPr>
+          <p:spPr>
+            <a:xfrm>
+              <a:off x="3046412" y="2279389"/>
+              <a:ext cx="3054506" cy="1999891"/>
+            </a:xfrm>
+            <a:prstGeom prst="rect">
+              <a:avLst/>
+            </a:prstGeom>
+            <a:noFill/>
+            <a:ln>
+              <a:solidFill>
+                <a:schemeClr val="bg1">
+                  <a:lumMod val="85000"/>
+                </a:schemeClr>
+              </a:solidFill>
+            </a:ln>
+          </p:spPr>
+          <p:style>
+            <a:lnRef idx="2">
+              <a:schemeClr val="accent1">
+                <a:shade val="15000"/>
+              </a:schemeClr>
+            </a:lnRef>
+            <a:fillRef idx="1">
+              <a:schemeClr val="accent1"/>
+            </a:fillRef>
+            <a:effectRef idx="0">
+              <a:schemeClr val="accent1"/>
+            </a:effectRef>
+            <a:fontRef idx="minor">
+              <a:schemeClr val="lt1"/>
+            </a:fontRef>
+          </p:style>
+          <p:txBody>
+            <a:bodyPr rtlCol="0" anchor="ctr"/>
+            <a:lstStyle/>
+            <a:p>
+              <a:pPr algn="ctr"/>
+              <a:endParaRPr lang="en-US"/>
+            </a:p>
+          </p:txBody>
+        </p:sp>
+        <p:sp>
+          <p:nvSpPr>
+            <p:cNvPr id="26" name="TextBox 25">
+              <a:extLst>
+                <a:ext uri="{FF2B5EF4-FFF2-40B4-BE49-F238E27FC236}">
+                  <a16:creationId xmlns:a16="http://schemas.microsoft.com/office/drawing/2014/main" id="{1EAD4ED7-4ED6-1F88-683C-40AD713787D7}"/>
+                </a:ext>
+              </a:extLst>
+            </p:cNvPr>
+            <p:cNvSpPr txBox="1"/>
+            <p:nvPr/>
+          </p:nvSpPr>
+          <p:spPr>
+            <a:xfrm>
+              <a:off x="3052233" y="2264835"/>
+              <a:ext cx="2020746" cy="369332"/>
+            </a:xfrm>
+            <a:prstGeom prst="rect">
+              <a:avLst/>
+            </a:prstGeom>
+            <a:noFill/>
+          </p:spPr>
+          <p:txBody>
+            <a:bodyPr wrap="none" rtlCol="0">
+              <a:spAutoFit/>
+            </a:bodyPr>
+            <a:lstStyle/>
+            <a:p>
+              <a:r>
+                <a:rPr lang="en-US" dirty="0">
+                  <a:solidFill>
+                    <a:schemeClr val="tx1">
+                      <a:lumMod val="65000"/>
+                      <a:lumOff val="35000"/>
+                    </a:schemeClr>
+                  </a:solidFill>
+                  <a:latin typeface="Times New Roman" panose="02020603050405020304" pitchFamily="18" charset="0"/>
+                  <a:cs typeface="Times New Roman" panose="02020603050405020304" pitchFamily="18" charset="0"/>
+                </a:rPr>
+                <a:t>Background Thread</a:t>
+              </a:r>
+            </a:p>
+          </p:txBody>
+        </p:sp>
+      </p:grpSp>
+      <p:sp>
+        <p:nvSpPr>
+          <p:cNvPr id="37" name="Rectangle 36">
+            <a:extLst>
+              <a:ext uri="{FF2B5EF4-FFF2-40B4-BE49-F238E27FC236}">
+                <a16:creationId xmlns:a16="http://schemas.microsoft.com/office/drawing/2014/main" id="{21C84796-720C-8F8E-9D33-A9A34066C0B8}"/>
+              </a:ext>
+            </a:extLst>
+          </p:cNvPr>
+          <p:cNvSpPr/>
+          <p:nvPr/>
+        </p:nvSpPr>
+        <p:spPr>
+          <a:xfrm>
+            <a:off x="609600" y="1040618"/>
+            <a:ext cx="5427785" cy="5524305"/>
+          </a:xfrm>
+          <a:prstGeom prst="rect">
+            <a:avLst/>
+          </a:prstGeom>
+          <a:noFill/>
+          <a:ln>
+            <a:solidFill>
+              <a:schemeClr val="accent1">
+                <a:lumMod val="75000"/>
+              </a:schemeClr>
+            </a:solidFill>
+            <a:prstDash val="dash"/>
+          </a:ln>
+        </p:spPr>
+        <p:style>
+          <a:lnRef idx="2">
+            <a:schemeClr val="accent1">
+              <a:shade val="15000"/>
+            </a:schemeClr>
+          </a:lnRef>
+          <a:fillRef idx="1">
+            <a:schemeClr val="accent1"/>
+          </a:fillRef>
+          <a:effectRef idx="0">
+            <a:schemeClr val="accent1"/>
+          </a:effectRef>
+          <a:fontRef idx="minor">
+            <a:schemeClr val="lt1"/>
+          </a:fontRef>
+        </p:style>
+        <p:txBody>
+          <a:bodyPr rtlCol="0" anchor="ctr"/>
+          <a:lstStyle/>
+          <a:p>
+            <a:pPr algn="ctr"/>
+            <a:endParaRPr lang="en-US"/>
+          </a:p>
+        </p:txBody>
+      </p:sp>
+      <p:sp>
+        <p:nvSpPr>
+          <p:cNvPr id="47" name="TextBox 46">
+            <a:extLst>
+              <a:ext uri="{FF2B5EF4-FFF2-40B4-BE49-F238E27FC236}">
+                <a16:creationId xmlns:a16="http://schemas.microsoft.com/office/drawing/2014/main" id="{752F8D69-2B47-4857-C408-24F64997A013}"/>
+              </a:ext>
+            </a:extLst>
+          </p:cNvPr>
+          <p:cNvSpPr txBox="1"/>
+          <p:nvPr/>
+        </p:nvSpPr>
+        <p:spPr>
+          <a:xfrm>
+            <a:off x="619989" y="6193339"/>
+            <a:ext cx="2316642" cy="338554"/>
+          </a:xfrm>
+          <a:prstGeom prst="rect">
+            <a:avLst/>
+          </a:prstGeom>
+          <a:noFill/>
+        </p:spPr>
+        <p:txBody>
+          <a:bodyPr wrap="square" rtlCol="0">
+            <a:spAutoFit/>
+          </a:bodyPr>
+          <a:lstStyle/>
+          <a:p>
+            <a:r>
+              <a:rPr lang="en-US" sz="1600" dirty="0">
+                <a:solidFill>
+                  <a:schemeClr val="accent1">
+                    <a:lumMod val="75000"/>
+                  </a:schemeClr>
+                </a:solidFill>
+                <a:latin typeface="Times New Roman" panose="02020603050405020304" pitchFamily="18" charset="0"/>
+                <a:cs typeface="Times New Roman" panose="02020603050405020304" pitchFamily="18" charset="0"/>
+              </a:rPr>
+              <a:t>Computation Node #1</a:t>
+            </a:r>
+          </a:p>
+        </p:txBody>
+      </p:sp>
+      <mc:AlternateContent xmlns:mc="http://schemas.openxmlformats.org/markup-compatibility/2006">
+        <mc:Choice xmlns:a14="http://schemas.microsoft.com/office/drawing/2010/main" Requires="a14">
+          <p:sp>
+            <p:nvSpPr>
+              <p:cNvPr id="178" name="Rectangle 177">
+                <a:extLst>
+                  <a:ext uri="{FF2B5EF4-FFF2-40B4-BE49-F238E27FC236}">
+                    <a16:creationId xmlns:a16="http://schemas.microsoft.com/office/drawing/2014/main" id="{6621C860-E5D6-5086-31C1-C31141AC76FB}"/>
+                  </a:ext>
+                </a:extLst>
+              </p:cNvPr>
+              <p:cNvSpPr/>
+              <p:nvPr/>
+            </p:nvSpPr>
+            <p:spPr>
+              <a:xfrm>
+                <a:off x="975879" y="2812303"/>
+                <a:ext cx="648547" cy="349511"/>
+              </a:xfrm>
+              <a:prstGeom prst="rect">
+                <a:avLst/>
+              </a:prstGeom>
+              <a:noFill/>
+              <a:ln>
+                <a:solidFill>
+                  <a:schemeClr val="accent6"/>
+                </a:solidFill>
+              </a:ln>
+            </p:spPr>
+            <p:style>
+              <a:lnRef idx="2">
+                <a:schemeClr val="accent1">
+                  <a:shade val="15000"/>
+                </a:schemeClr>
+              </a:lnRef>
+              <a:fillRef idx="1">
+                <a:schemeClr val="accent1"/>
+              </a:fillRef>
+              <a:effectRef idx="0">
+                <a:schemeClr val="accent1"/>
+              </a:effectRef>
+              <a:fontRef idx="minor">
+                <a:schemeClr val="lt1"/>
+              </a:fontRef>
+            </p:style>
+            <p:txBody>
+              <a:bodyPr rtlCol="0" anchor="ctr"/>
+              <a:lstStyle/>
+              <a:p>
+                <a:pPr algn="ctr"/>
+                <a:r>
+                  <a:rPr lang="en-US" sz="1200" dirty="0">
+                    <a:solidFill>
+                      <a:schemeClr val="accent6"/>
+                    </a:solidFill>
+                    <a:latin typeface="Times New Roman" panose="02020603050405020304" pitchFamily="18" charset="0"/>
+                    <a:cs typeface="Times New Roman" panose="02020603050405020304" pitchFamily="18" charset="0"/>
+                  </a:rPr>
+                  <a:t>Get </a:t>
+                </a:r>
+                <a14:m>
+                  <m:oMath xmlns:m="http://schemas.openxmlformats.org/officeDocument/2006/math">
+                    <m:sSub>
+                      <m:sSubPr>
+                        <m:ctrlPr>
+                          <a:rPr lang="en-US" sz="1200" b="0" i="1" smtClean="0">
+                            <a:solidFill>
+                              <a:schemeClr val="accent6"/>
+                            </a:solidFill>
+                            <a:latin typeface="Cambria Math" panose="02040503050406030204" pitchFamily="18" charset="0"/>
+                            <a:cs typeface="Times New Roman" panose="02020603050405020304" pitchFamily="18" charset="0"/>
+                          </a:rPr>
+                        </m:ctrlPr>
+                      </m:sSubPr>
+                      <m:e>
+                        <m:r>
+                          <a:rPr lang="en-US" sz="1200" b="0" i="1" smtClean="0">
+                            <a:solidFill>
+                              <a:schemeClr val="accent6"/>
+                            </a:solidFill>
+                            <a:latin typeface="Cambria Math" panose="02040503050406030204" pitchFamily="18" charset="0"/>
+                            <a:cs typeface="Times New Roman" panose="02020603050405020304" pitchFamily="18" charset="0"/>
+                          </a:rPr>
+                          <m:t>𝑘</m:t>
+                        </m:r>
+                      </m:e>
+                      <m:sub>
+                        <m:r>
+                          <a:rPr lang="en-US" sz="1200" b="0" i="1" smtClean="0">
+                            <a:solidFill>
+                              <a:schemeClr val="accent6"/>
+                            </a:solidFill>
+                            <a:latin typeface="Cambria Math" panose="02040503050406030204" pitchFamily="18" charset="0"/>
+                            <a:cs typeface="Times New Roman" panose="02020603050405020304" pitchFamily="18" charset="0"/>
+                          </a:rPr>
+                          <m:t>2</m:t>
+                        </m:r>
+                      </m:sub>
+                    </m:sSub>
+                  </m:oMath>
+                </a14:m>
+                <a:endParaRPr lang="en-US" sz="1200" dirty="0">
+                  <a:solidFill>
+                    <a:schemeClr val="accent6"/>
+                  </a:solidFill>
+                  <a:latin typeface="Times New Roman" panose="02020603050405020304" pitchFamily="18" charset="0"/>
+                  <a:cs typeface="Times New Roman" panose="02020603050405020304" pitchFamily="18" charset="0"/>
+                </a:endParaRPr>
+              </a:p>
+            </p:txBody>
+          </p:sp>
+        </mc:Choice>
+        <mc:Fallback>
+          <p:sp>
+            <p:nvSpPr>
+              <p:cNvPr id="178" name="Rectangle 177">
+                <a:extLst>
+                  <a:ext uri="{FF2B5EF4-FFF2-40B4-BE49-F238E27FC236}">
+                    <a16:creationId xmlns:a16="http://schemas.microsoft.com/office/drawing/2014/main" id="{6621C860-E5D6-5086-31C1-C31141AC76FB}"/>
+                  </a:ext>
+                </a:extLst>
+              </p:cNvPr>
+              <p:cNvSpPr>
+                <a:spLocks noRot="1" noChangeAspect="1" noMove="1" noResize="1" noEditPoints="1" noAdjustHandles="1" noChangeArrowheads="1" noChangeShapeType="1" noTextEdit="1"/>
+              </p:cNvSpPr>
+              <p:nvPr/>
+            </p:nvSpPr>
+            <p:spPr>
+              <a:xfrm>
+                <a:off x="975879" y="2812303"/>
+                <a:ext cx="648547" cy="349511"/>
+              </a:xfrm>
+              <a:prstGeom prst="rect">
+                <a:avLst/>
+              </a:prstGeom>
+              <a:blipFill>
+                <a:blip r:embed="rId16"/>
+                <a:stretch>
+                  <a:fillRect b="-1667"/>
+                </a:stretch>
+              </a:blipFill>
+              <a:ln>
+                <a:solidFill>
+                  <a:schemeClr val="accent6"/>
+                </a:solidFill>
+              </a:ln>
+            </p:spPr>
+            <p:txBody>
+              <a:bodyPr/>
+              <a:lstStyle/>
+              <a:p>
+                <a:r>
+                  <a:rPr lang="en-US">
+                    <a:noFill/>
+                  </a:rPr>
+                  <a:t> </a:t>
+                </a:r>
+              </a:p>
+            </p:txBody>
+          </p:sp>
+        </mc:Fallback>
+      </mc:AlternateContent>
+      <p:cxnSp>
+        <p:nvCxnSpPr>
+          <p:cNvPr id="179" name="Straight Arrow Connector 178">
+            <a:extLst>
+              <a:ext uri="{FF2B5EF4-FFF2-40B4-BE49-F238E27FC236}">
+                <a16:creationId xmlns:a16="http://schemas.microsoft.com/office/drawing/2014/main" id="{F5B3C486-2AB4-D6D9-FA2F-8AFBAEDC8690}"/>
+              </a:ext>
+            </a:extLst>
+          </p:cNvPr>
+          <p:cNvCxnSpPr>
+            <a:cxnSpLocks/>
+            <a:stCxn id="178" idx="2"/>
+            <a:endCxn id="299" idx="0"/>
+          </p:cNvCxnSpPr>
+          <p:nvPr/>
+        </p:nvCxnSpPr>
+        <p:spPr>
+          <a:xfrm>
+            <a:off x="1300153" y="3161814"/>
+            <a:ext cx="2052647" cy="976432"/>
+          </a:xfrm>
+          <a:prstGeom prst="straightConnector1">
+            <a:avLst/>
+          </a:prstGeom>
+          <a:ln w="19050">
+            <a:solidFill>
+              <a:schemeClr val="accent6"/>
+            </a:solidFill>
+            <a:prstDash val="solid"/>
+            <a:tailEnd type="triangle"/>
+          </a:ln>
+        </p:spPr>
+        <p:style>
+          <a:lnRef idx="1">
+            <a:schemeClr val="accent1"/>
+          </a:lnRef>
+          <a:fillRef idx="0">
+            <a:schemeClr val="accent1"/>
+          </a:fillRef>
+          <a:effectRef idx="0">
+            <a:schemeClr val="accent1"/>
+          </a:effectRef>
+          <a:fontRef idx="minor">
+            <a:schemeClr val="tx1"/>
+          </a:fontRef>
+        </p:style>
+      </p:cxnSp>
+      <mc:AlternateContent xmlns:mc="http://schemas.openxmlformats.org/markup-compatibility/2006">
+        <mc:Choice xmlns:a14="http://schemas.microsoft.com/office/drawing/2010/main" Requires="a14">
+          <p:sp>
+            <p:nvSpPr>
+              <p:cNvPr id="220" name="Rectangle 219">
+                <a:extLst>
+                  <a:ext uri="{FF2B5EF4-FFF2-40B4-BE49-F238E27FC236}">
+                    <a16:creationId xmlns:a16="http://schemas.microsoft.com/office/drawing/2014/main" id="{417A2D9D-B8DB-8983-B1DD-C24EE29843F4}"/>
+                  </a:ext>
+                </a:extLst>
+              </p:cNvPr>
+              <p:cNvSpPr/>
+              <p:nvPr/>
+            </p:nvSpPr>
+            <p:spPr>
+              <a:xfrm>
+                <a:off x="6219090" y="1030396"/>
+                <a:ext cx="803031" cy="370512"/>
+              </a:xfrm>
+              <a:prstGeom prst="rect">
+                <a:avLst/>
+              </a:prstGeom>
+              <a:noFill/>
+              <a:ln>
+                <a:solidFill>
+                  <a:schemeClr val="accent2">
+                    <a:lumMod val="75000"/>
+                  </a:schemeClr>
+                </a:solidFill>
+              </a:ln>
+            </p:spPr>
+            <p:style>
+              <a:lnRef idx="2">
+                <a:schemeClr val="accent1">
+                  <a:shade val="15000"/>
+                </a:schemeClr>
+              </a:lnRef>
+              <a:fillRef idx="1">
+                <a:schemeClr val="accent1"/>
+              </a:fillRef>
+              <a:effectRef idx="0">
+                <a:schemeClr val="accent1"/>
+              </a:effectRef>
+              <a:fontRef idx="minor">
+                <a:schemeClr val="lt1"/>
+              </a:fontRef>
+            </p:style>
+            <p:txBody>
+              <a:bodyPr rtlCol="0" anchor="ctr"/>
+              <a:lstStyle/>
+              <a:p>
+                <a:pPr algn="ctr"/>
+                <a:r>
+                  <a:rPr lang="en-US" sz="1200" dirty="0">
+                    <a:solidFill>
+                      <a:schemeClr val="accent2">
+                        <a:lumMod val="75000"/>
+                      </a:schemeClr>
+                    </a:solidFill>
+                    <a:latin typeface="Times New Roman" panose="02020603050405020304" pitchFamily="18" charset="0"/>
+                    <a:cs typeface="Times New Roman" panose="02020603050405020304" pitchFamily="18" charset="0"/>
+                  </a:rPr>
+                  <a:t>Request 2</a:t>
+                </a:r>
+              </a:p>
+              <a:p>
+                <a:pPr algn="ctr"/>
+                <a:r>
+                  <a:rPr lang="en-US" sz="1200" dirty="0">
+                    <a:solidFill>
+                      <a:schemeClr val="accent2">
+                        <a:lumMod val="75000"/>
+                      </a:schemeClr>
+                    </a:solidFill>
+                    <a:latin typeface="Times New Roman" panose="02020603050405020304" pitchFamily="18" charset="0"/>
+                    <a:cs typeface="Times New Roman" panose="02020603050405020304" pitchFamily="18" charset="0"/>
+                  </a:rPr>
+                  <a:t>Get </a:t>
+                </a:r>
+                <a14:m>
+                  <m:oMath xmlns:m="http://schemas.openxmlformats.org/officeDocument/2006/math">
+                    <m:sSub>
+                      <m:sSubPr>
+                        <m:ctrlPr>
+                          <a:rPr lang="en-US" sz="1200" b="0" i="1" smtClean="0">
+                            <a:solidFill>
+                              <a:schemeClr val="accent2">
+                                <a:lumMod val="75000"/>
+                              </a:schemeClr>
+                            </a:solidFill>
+                            <a:latin typeface="Cambria Math" panose="02040503050406030204" pitchFamily="18" charset="0"/>
+                            <a:cs typeface="Times New Roman" panose="02020603050405020304" pitchFamily="18" charset="0"/>
+                          </a:rPr>
+                        </m:ctrlPr>
+                      </m:sSubPr>
+                      <m:e>
+                        <m:r>
+                          <a:rPr lang="en-US" sz="1200" b="0" i="1" smtClean="0">
+                            <a:solidFill>
+                              <a:schemeClr val="accent2">
+                                <a:lumMod val="75000"/>
+                              </a:schemeClr>
+                            </a:solidFill>
+                            <a:latin typeface="Cambria Math" panose="02040503050406030204" pitchFamily="18" charset="0"/>
+                            <a:cs typeface="Times New Roman" panose="02020603050405020304" pitchFamily="18" charset="0"/>
+                          </a:rPr>
+                          <m:t>𝑘</m:t>
+                        </m:r>
+                      </m:e>
+                      <m:sub>
+                        <m:r>
+                          <a:rPr lang="en-US" sz="1200" b="0" i="1" smtClean="0">
+                            <a:solidFill>
+                              <a:schemeClr val="accent2">
+                                <a:lumMod val="75000"/>
+                              </a:schemeClr>
+                            </a:solidFill>
+                            <a:latin typeface="Cambria Math" panose="02040503050406030204" pitchFamily="18" charset="0"/>
+                            <a:cs typeface="Times New Roman" panose="02020603050405020304" pitchFamily="18" charset="0"/>
+                          </a:rPr>
+                          <m:t>2</m:t>
+                        </m:r>
+                      </m:sub>
+                    </m:sSub>
+                  </m:oMath>
+                </a14:m>
+                <a:endParaRPr lang="en-US" sz="1200" dirty="0">
+                  <a:solidFill>
+                    <a:schemeClr val="accent2">
+                      <a:lumMod val="75000"/>
+                    </a:schemeClr>
+                  </a:solidFill>
+                  <a:latin typeface="Times New Roman" panose="02020603050405020304" pitchFamily="18" charset="0"/>
+                  <a:cs typeface="Times New Roman" panose="02020603050405020304" pitchFamily="18" charset="0"/>
+                </a:endParaRPr>
+              </a:p>
+            </p:txBody>
+          </p:sp>
+        </mc:Choice>
+        <mc:Fallback>
+          <p:sp>
+            <p:nvSpPr>
+              <p:cNvPr id="220" name="Rectangle 219">
+                <a:extLst>
+                  <a:ext uri="{FF2B5EF4-FFF2-40B4-BE49-F238E27FC236}">
+                    <a16:creationId xmlns:a16="http://schemas.microsoft.com/office/drawing/2014/main" id="{417A2D9D-B8DB-8983-B1DD-C24EE29843F4}"/>
+                  </a:ext>
+                </a:extLst>
+              </p:cNvPr>
+              <p:cNvSpPr>
+                <a:spLocks noRot="1" noChangeAspect="1" noMove="1" noResize="1" noEditPoints="1" noAdjustHandles="1" noChangeArrowheads="1" noChangeShapeType="1" noTextEdit="1"/>
+              </p:cNvSpPr>
+              <p:nvPr/>
+            </p:nvSpPr>
+            <p:spPr>
+              <a:xfrm>
+                <a:off x="6219090" y="1030396"/>
+                <a:ext cx="803031" cy="370512"/>
+              </a:xfrm>
+              <a:prstGeom prst="rect">
+                <a:avLst/>
+              </a:prstGeom>
+              <a:blipFill>
+                <a:blip r:embed="rId17"/>
+                <a:stretch>
+                  <a:fillRect t="-11111" b="-22222"/>
+                </a:stretch>
+              </a:blipFill>
+              <a:ln>
+                <a:solidFill>
+                  <a:schemeClr val="accent2">
+                    <a:lumMod val="75000"/>
+                  </a:schemeClr>
+                </a:solidFill>
+              </a:ln>
+            </p:spPr>
+            <p:txBody>
+              <a:bodyPr/>
+              <a:lstStyle/>
+              <a:p>
+                <a:r>
+                  <a:rPr lang="en-US">
+                    <a:noFill/>
+                  </a:rPr>
+                  <a:t> </a:t>
+                </a:r>
+              </a:p>
+            </p:txBody>
+          </p:sp>
+        </mc:Fallback>
+      </mc:AlternateContent>
+      <p:cxnSp>
+        <p:nvCxnSpPr>
+          <p:cNvPr id="224" name="Straight Arrow Connector 223">
+            <a:extLst>
+              <a:ext uri="{FF2B5EF4-FFF2-40B4-BE49-F238E27FC236}">
+                <a16:creationId xmlns:a16="http://schemas.microsoft.com/office/drawing/2014/main" id="{455AF15E-AED3-59F0-AA45-E233932F825D}"/>
+              </a:ext>
+            </a:extLst>
+          </p:cNvPr>
+          <p:cNvCxnSpPr>
+            <a:cxnSpLocks/>
+            <a:stCxn id="270" idx="0"/>
+            <a:endCxn id="388" idx="1"/>
+          </p:cNvCxnSpPr>
+          <p:nvPr/>
+        </p:nvCxnSpPr>
+        <p:spPr>
+          <a:xfrm flipV="1">
+            <a:off x="1373928" y="1370393"/>
+            <a:ext cx="6293229" cy="991060"/>
+          </a:xfrm>
+          <a:prstGeom prst="straightConnector1">
+            <a:avLst/>
+          </a:prstGeom>
+          <a:ln w="19050">
+            <a:solidFill>
+              <a:schemeClr val="accent2">
+                <a:lumMod val="75000"/>
+              </a:schemeClr>
+            </a:solidFill>
+            <a:prstDash val="solid"/>
+            <a:tailEnd type="triangle"/>
+          </a:ln>
+        </p:spPr>
+        <p:style>
+          <a:lnRef idx="1">
+            <a:schemeClr val="accent1"/>
+          </a:lnRef>
+          <a:fillRef idx="0">
+            <a:schemeClr val="accent1"/>
+          </a:fillRef>
+          <a:effectRef idx="0">
+            <a:schemeClr val="accent1"/>
+          </a:effectRef>
+          <a:fontRef idx="minor">
+            <a:schemeClr val="tx1"/>
+          </a:fontRef>
+        </p:style>
+      </p:cxnSp>
+      <p:cxnSp>
+        <p:nvCxnSpPr>
+          <p:cNvPr id="229" name="Straight Arrow Connector 228">
+            <a:extLst>
+              <a:ext uri="{FF2B5EF4-FFF2-40B4-BE49-F238E27FC236}">
+                <a16:creationId xmlns:a16="http://schemas.microsoft.com/office/drawing/2014/main" id="{303626E2-4275-23FA-6147-D9A4D044C8E5}"/>
+              </a:ext>
+            </a:extLst>
+          </p:cNvPr>
+          <p:cNvCxnSpPr>
+            <a:cxnSpLocks/>
+            <a:stCxn id="122" idx="1"/>
+            <a:endCxn id="276" idx="3"/>
+          </p:cNvCxnSpPr>
+          <p:nvPr/>
+        </p:nvCxnSpPr>
+        <p:spPr>
+          <a:xfrm flipH="1" flipV="1">
+            <a:off x="2637692" y="2552327"/>
+            <a:ext cx="4964079" cy="1951714"/>
+          </a:xfrm>
+          <a:prstGeom prst="straightConnector1">
+            <a:avLst/>
+          </a:prstGeom>
+          <a:ln w="19050">
+            <a:solidFill>
+              <a:schemeClr val="accent6">
+                <a:lumMod val="75000"/>
+              </a:schemeClr>
+            </a:solidFill>
+            <a:prstDash val="solid"/>
+            <a:tailEnd type="triangle"/>
+          </a:ln>
+        </p:spPr>
+        <p:style>
+          <a:lnRef idx="1">
+            <a:schemeClr val="accent1"/>
+          </a:lnRef>
+          <a:fillRef idx="0">
+            <a:schemeClr val="accent1"/>
+          </a:fillRef>
+          <a:effectRef idx="0">
+            <a:schemeClr val="accent1"/>
+          </a:effectRef>
+          <a:fontRef idx="minor">
+            <a:schemeClr val="tx1"/>
+          </a:fontRef>
+        </p:style>
+      </p:cxnSp>
+      <p:sp>
+        <p:nvSpPr>
+          <p:cNvPr id="270" name="Rectangle 269">
+            <a:extLst>
+              <a:ext uri="{FF2B5EF4-FFF2-40B4-BE49-F238E27FC236}">
+                <a16:creationId xmlns:a16="http://schemas.microsoft.com/office/drawing/2014/main" id="{06769FFB-AE05-DB63-A117-1E82BC840289}"/>
+              </a:ext>
+            </a:extLst>
+          </p:cNvPr>
+          <p:cNvSpPr/>
+          <p:nvPr/>
+        </p:nvSpPr>
+        <p:spPr>
+          <a:xfrm>
+            <a:off x="971810" y="2361453"/>
+            <a:ext cx="804236" cy="381747"/>
+          </a:xfrm>
+          <a:prstGeom prst="rect">
+            <a:avLst/>
+          </a:prstGeom>
+          <a:noFill/>
+          <a:ln>
+            <a:solidFill>
+              <a:schemeClr val="bg2">
+                <a:lumMod val="75000"/>
+              </a:schemeClr>
+            </a:solidFill>
+            <a:prstDash val="dash"/>
+          </a:ln>
+        </p:spPr>
+        <p:style>
+          <a:lnRef idx="2">
+            <a:schemeClr val="accent1">
+              <a:shade val="15000"/>
+            </a:schemeClr>
+          </a:lnRef>
+          <a:fillRef idx="1">
+            <a:schemeClr val="accent1"/>
+          </a:fillRef>
+          <a:effectRef idx="0">
+            <a:schemeClr val="accent1"/>
+          </a:effectRef>
+          <a:fontRef idx="minor">
+            <a:schemeClr val="lt1"/>
+          </a:fontRef>
+        </p:style>
+        <p:txBody>
+          <a:bodyPr rtlCol="0" anchor="ctr"/>
+          <a:lstStyle/>
+          <a:p>
+            <a:pPr algn="ctr"/>
+            <a:r>
+              <a:rPr lang="en-US" sz="1200" dirty="0">
+                <a:solidFill>
+                  <a:schemeClr val="bg2">
+                    <a:lumMod val="75000"/>
+                  </a:schemeClr>
+                </a:solidFill>
+                <a:latin typeface="Times New Roman" panose="02020603050405020304" pitchFamily="18" charset="0"/>
+                <a:cs typeface="Times New Roman" panose="02020603050405020304" pitchFamily="18" charset="0"/>
+              </a:rPr>
+              <a:t>Pending</a:t>
+            </a:r>
+          </a:p>
+          <a:p>
+            <a:pPr algn="ctr"/>
+            <a:r>
+              <a:rPr lang="en-US" sz="1200" dirty="0">
+                <a:solidFill>
+                  <a:schemeClr val="bg2">
+                    <a:lumMod val="75000"/>
+                  </a:schemeClr>
+                </a:solidFill>
+                <a:latin typeface="Times New Roman" panose="02020603050405020304" pitchFamily="18" charset="0"/>
+                <a:cs typeface="Times New Roman" panose="02020603050405020304" pitchFamily="18" charset="0"/>
+              </a:rPr>
+              <a:t>Result 2</a:t>
+            </a:r>
+          </a:p>
+        </p:txBody>
+      </p:sp>
+      <p:sp>
+        <p:nvSpPr>
+          <p:cNvPr id="274" name="Rectangle 273">
+            <a:extLst>
+              <a:ext uri="{FF2B5EF4-FFF2-40B4-BE49-F238E27FC236}">
+                <a16:creationId xmlns:a16="http://schemas.microsoft.com/office/drawing/2014/main" id="{7F24683E-056A-0DF7-F8F6-EF2DADC2E069}"/>
+              </a:ext>
+            </a:extLst>
+          </p:cNvPr>
+          <p:cNvSpPr/>
+          <p:nvPr/>
+        </p:nvSpPr>
+        <p:spPr>
+          <a:xfrm>
+            <a:off x="6403662" y="3607293"/>
+            <a:ext cx="800166" cy="349511"/>
+          </a:xfrm>
+          <a:prstGeom prst="rect">
+            <a:avLst/>
+          </a:prstGeom>
+          <a:noFill/>
+          <a:ln>
+            <a:solidFill>
+              <a:schemeClr val="accent6">
+                <a:lumMod val="75000"/>
+              </a:schemeClr>
+            </a:solidFill>
+          </a:ln>
+        </p:spPr>
+        <p:style>
+          <a:lnRef idx="2">
+            <a:schemeClr val="accent1">
+              <a:shade val="15000"/>
+            </a:schemeClr>
+          </a:lnRef>
+          <a:fillRef idx="1">
+            <a:schemeClr val="accent1"/>
+          </a:fillRef>
+          <a:effectRef idx="0">
+            <a:schemeClr val="accent1"/>
+          </a:effectRef>
+          <a:fontRef idx="minor">
+            <a:schemeClr val="lt1"/>
+          </a:fontRef>
+        </p:style>
+        <p:txBody>
+          <a:bodyPr rtlCol="0" anchor="ctr"/>
+          <a:lstStyle/>
+          <a:p>
+            <a:pPr algn="ctr"/>
+            <a:r>
+              <a:rPr lang="en-US" sz="1200" dirty="0">
+                <a:solidFill>
+                  <a:schemeClr val="accent6">
+                    <a:lumMod val="75000"/>
+                  </a:schemeClr>
+                </a:solidFill>
+                <a:latin typeface="Times New Roman" panose="02020603050405020304" pitchFamily="18" charset="0"/>
+                <a:cs typeface="Times New Roman" panose="02020603050405020304" pitchFamily="18" charset="0"/>
+              </a:rPr>
+              <a:t>Result 3</a:t>
+            </a:r>
+          </a:p>
+          <a:p>
+            <a:pPr algn="ctr"/>
+            <a:r>
+              <a:rPr lang="en-US" sz="1200" dirty="0">
+                <a:solidFill>
+                  <a:schemeClr val="accent6">
+                    <a:lumMod val="75000"/>
+                  </a:schemeClr>
+                </a:solidFill>
+                <a:latin typeface="Times New Roman" panose="02020603050405020304" pitchFamily="18" charset="0"/>
+                <a:cs typeface="Times New Roman" panose="02020603050405020304" pitchFamily="18" charset="0"/>
+              </a:rPr>
+              <a:t>NONE</a:t>
+            </a:r>
+          </a:p>
+        </p:txBody>
+      </p:sp>
+      <p:sp>
+        <p:nvSpPr>
+          <p:cNvPr id="276" name="Rectangle 275">
+            <a:extLst>
+              <a:ext uri="{FF2B5EF4-FFF2-40B4-BE49-F238E27FC236}">
+                <a16:creationId xmlns:a16="http://schemas.microsoft.com/office/drawing/2014/main" id="{EB562281-D109-D487-8658-AEB5E6D9ABF5}"/>
+              </a:ext>
+            </a:extLst>
+          </p:cNvPr>
+          <p:cNvSpPr/>
+          <p:nvPr/>
+        </p:nvSpPr>
+        <p:spPr>
+          <a:xfrm>
+            <a:off x="1833456" y="2361453"/>
+            <a:ext cx="804236" cy="381747"/>
+          </a:xfrm>
+          <a:prstGeom prst="rect">
+            <a:avLst/>
+          </a:prstGeom>
+          <a:noFill/>
+          <a:ln>
+            <a:solidFill>
+              <a:schemeClr val="bg2">
+                <a:lumMod val="75000"/>
+              </a:schemeClr>
+            </a:solidFill>
+            <a:prstDash val="dash"/>
+          </a:ln>
+        </p:spPr>
+        <p:style>
+          <a:lnRef idx="2">
+            <a:schemeClr val="accent1">
+              <a:shade val="15000"/>
+            </a:schemeClr>
+          </a:lnRef>
+          <a:fillRef idx="1">
+            <a:schemeClr val="accent1"/>
+          </a:fillRef>
+          <a:effectRef idx="0">
+            <a:schemeClr val="accent1"/>
+          </a:effectRef>
+          <a:fontRef idx="minor">
+            <a:schemeClr val="lt1"/>
+          </a:fontRef>
+        </p:style>
+        <p:txBody>
+          <a:bodyPr rtlCol="0" anchor="ctr"/>
+          <a:lstStyle/>
+          <a:p>
+            <a:pPr algn="ctr"/>
+            <a:r>
+              <a:rPr lang="en-US" sz="1200" dirty="0">
+                <a:solidFill>
+                  <a:schemeClr val="bg2">
+                    <a:lumMod val="75000"/>
+                  </a:schemeClr>
+                </a:solidFill>
+                <a:latin typeface="Times New Roman" panose="02020603050405020304" pitchFamily="18" charset="0"/>
+                <a:cs typeface="Times New Roman" panose="02020603050405020304" pitchFamily="18" charset="0"/>
+              </a:rPr>
+              <a:t>Pending</a:t>
+            </a:r>
+          </a:p>
+          <a:p>
+            <a:pPr algn="ctr"/>
+            <a:r>
+              <a:rPr lang="en-US" sz="1200" dirty="0">
+                <a:solidFill>
+                  <a:schemeClr val="bg2">
+                    <a:lumMod val="75000"/>
+                  </a:schemeClr>
+                </a:solidFill>
+                <a:latin typeface="Times New Roman" panose="02020603050405020304" pitchFamily="18" charset="0"/>
+                <a:cs typeface="Times New Roman" panose="02020603050405020304" pitchFamily="18" charset="0"/>
+              </a:rPr>
+              <a:t>Result 3</a:t>
+            </a:r>
+          </a:p>
+        </p:txBody>
+      </p:sp>
+      <p:sp>
+        <p:nvSpPr>
+          <p:cNvPr id="281" name="TextBox 280">
+            <a:extLst>
+              <a:ext uri="{FF2B5EF4-FFF2-40B4-BE49-F238E27FC236}">
+                <a16:creationId xmlns:a16="http://schemas.microsoft.com/office/drawing/2014/main" id="{CA28FF87-F2A9-C161-0AE4-FA33B1BD4C86}"/>
+              </a:ext>
+            </a:extLst>
+          </p:cNvPr>
+          <p:cNvSpPr txBox="1"/>
+          <p:nvPr/>
+        </p:nvSpPr>
+        <p:spPr>
+          <a:xfrm>
+            <a:off x="4443310" y="2042201"/>
+            <a:ext cx="2121613" cy="954107"/>
+          </a:xfrm>
+          <a:prstGeom prst="rect">
+            <a:avLst/>
+          </a:prstGeom>
+          <a:solidFill>
+            <a:schemeClr val="bg1">
+              <a:alpha val="82000"/>
+            </a:schemeClr>
+          </a:solidFill>
+        </p:spPr>
+        <p:txBody>
+          <a:bodyPr wrap="square" rtlCol="0">
+            <a:spAutoFit/>
+          </a:bodyPr>
+          <a:lstStyle/>
+          <a:p>
+            <a:r>
+              <a:rPr lang="en-US" sz="1400" dirty="0">
+                <a:solidFill>
+                  <a:schemeClr val="tx1">
+                    <a:lumMod val="65000"/>
+                    <a:lumOff val="35000"/>
+                  </a:schemeClr>
+                </a:solidFill>
+                <a:latin typeface="Times New Roman" panose="02020603050405020304" pitchFamily="18" charset="0"/>
+                <a:cs typeface="Times New Roman" panose="02020603050405020304" pitchFamily="18" charset="0"/>
+              </a:rPr>
+              <a:t>For Get, Delete operations, client broad cast operation and key to all nodes in cluster.</a:t>
+            </a:r>
+          </a:p>
+        </p:txBody>
+      </p:sp>
+      <p:sp>
+        <p:nvSpPr>
+          <p:cNvPr id="298" name="TextBox 297">
+            <a:extLst>
+              <a:ext uri="{FF2B5EF4-FFF2-40B4-BE49-F238E27FC236}">
+                <a16:creationId xmlns:a16="http://schemas.microsoft.com/office/drawing/2014/main" id="{20A25FE3-2098-3DFE-84EB-D908A8A766C1}"/>
+              </a:ext>
+            </a:extLst>
+          </p:cNvPr>
+          <p:cNvSpPr txBox="1"/>
+          <p:nvPr/>
+        </p:nvSpPr>
+        <p:spPr>
+          <a:xfrm>
+            <a:off x="3808665" y="4276616"/>
+            <a:ext cx="1964949" cy="584775"/>
+          </a:xfrm>
+          <a:prstGeom prst="rect">
+            <a:avLst/>
+          </a:prstGeom>
+          <a:noFill/>
+        </p:spPr>
+        <p:txBody>
+          <a:bodyPr wrap="square" rtlCol="0">
+            <a:spAutoFit/>
+          </a:bodyPr>
+          <a:lstStyle/>
+          <a:p>
+            <a:r>
+              <a:rPr lang="en-US" sz="1600" dirty="0">
+                <a:solidFill>
+                  <a:schemeClr val="accent1">
+                    <a:lumMod val="75000"/>
+                  </a:schemeClr>
+                </a:solidFill>
+                <a:latin typeface="Times New Roman" panose="02020603050405020304" pitchFamily="18" charset="0"/>
+                <a:cs typeface="Times New Roman" panose="02020603050405020304" pitchFamily="18" charset="0"/>
+              </a:rPr>
+              <a:t>Local (Partial) </a:t>
+            </a:r>
+          </a:p>
+          <a:p>
+            <a:r>
+              <a:rPr lang="en-US" sz="1600" dirty="0">
+                <a:solidFill>
+                  <a:schemeClr val="accent1">
+                    <a:lumMod val="75000"/>
+                  </a:schemeClr>
+                </a:solidFill>
+                <a:latin typeface="Times New Roman" panose="02020603050405020304" pitchFamily="18" charset="0"/>
+                <a:cs typeface="Times New Roman" panose="02020603050405020304" pitchFamily="18" charset="0"/>
+              </a:rPr>
+              <a:t>Fine-grain B+ Tree</a:t>
+            </a:r>
+          </a:p>
+        </p:txBody>
+      </p:sp>
+      <p:sp>
+        <p:nvSpPr>
+          <p:cNvPr id="299" name="Rectangle 298">
+            <a:extLst>
+              <a:ext uri="{FF2B5EF4-FFF2-40B4-BE49-F238E27FC236}">
+                <a16:creationId xmlns:a16="http://schemas.microsoft.com/office/drawing/2014/main" id="{F003C5D1-D864-560B-3232-6CD57241A4CD}"/>
+              </a:ext>
+            </a:extLst>
+          </p:cNvPr>
+          <p:cNvSpPr/>
+          <p:nvPr/>
+        </p:nvSpPr>
+        <p:spPr>
+          <a:xfrm>
+            <a:off x="984737" y="4138246"/>
+            <a:ext cx="4736125" cy="1805354"/>
+          </a:xfrm>
+          <a:prstGeom prst="rect">
+            <a:avLst/>
+          </a:prstGeom>
+          <a:noFill/>
+          <a:ln>
+            <a:solidFill>
+              <a:schemeClr val="accent1">
+                <a:lumMod val="75000"/>
+              </a:schemeClr>
+            </a:solidFill>
+            <a:prstDash val="dash"/>
+          </a:ln>
+        </p:spPr>
+        <p:style>
+          <a:lnRef idx="2">
+            <a:schemeClr val="accent1">
+              <a:shade val="15000"/>
+            </a:schemeClr>
+          </a:lnRef>
+          <a:fillRef idx="1">
+            <a:schemeClr val="accent1"/>
+          </a:fillRef>
+          <a:effectRef idx="0">
+            <a:schemeClr val="accent1"/>
+          </a:effectRef>
+          <a:fontRef idx="minor">
+            <a:schemeClr val="lt1"/>
+          </a:fontRef>
+        </p:style>
+        <p:txBody>
+          <a:bodyPr rtlCol="0" anchor="ctr"/>
+          <a:lstStyle/>
+          <a:p>
+            <a:pPr algn="ctr"/>
+            <a:endParaRPr lang="en-US"/>
+          </a:p>
+        </p:txBody>
+      </p:sp>
+      <p:grpSp>
+        <p:nvGrpSpPr>
+          <p:cNvPr id="391" name="Group 390">
+            <a:extLst>
+              <a:ext uri="{FF2B5EF4-FFF2-40B4-BE49-F238E27FC236}">
+                <a16:creationId xmlns:a16="http://schemas.microsoft.com/office/drawing/2014/main" id="{D683051A-013A-ECDF-59D9-38E125860935}"/>
+              </a:ext>
+            </a:extLst>
+          </p:cNvPr>
+          <p:cNvGrpSpPr/>
+          <p:nvPr/>
+        </p:nvGrpSpPr>
+        <p:grpSpPr>
+          <a:xfrm>
+            <a:off x="7502770" y="3637280"/>
+            <a:ext cx="3610708" cy="2933505"/>
+            <a:chOff x="8083062" y="3637280"/>
+            <a:chExt cx="3610708" cy="2933505"/>
+          </a:xfrm>
+        </p:grpSpPr>
+        <p:sp>
+          <p:nvSpPr>
+            <p:cNvPr id="117" name="Rectangle 116">
+              <a:extLst>
+                <a:ext uri="{FF2B5EF4-FFF2-40B4-BE49-F238E27FC236}">
+                  <a16:creationId xmlns:a16="http://schemas.microsoft.com/office/drawing/2014/main" id="{A152DA69-6372-6E5B-AD6A-61ECC3A3C254}"/>
+                </a:ext>
+              </a:extLst>
+            </p:cNvPr>
+            <p:cNvSpPr/>
+            <p:nvPr/>
+          </p:nvSpPr>
+          <p:spPr>
+            <a:xfrm>
+              <a:off x="10005001" y="3716217"/>
+              <a:ext cx="1278461" cy="1582822"/>
+            </a:xfrm>
+            <a:prstGeom prst="rect">
+              <a:avLst/>
+            </a:prstGeom>
+            <a:noFill/>
+            <a:ln>
+              <a:solidFill>
+                <a:schemeClr val="bg1">
+                  <a:lumMod val="85000"/>
+                </a:schemeClr>
+              </a:solidFill>
+            </a:ln>
+          </p:spPr>
+          <p:style>
+            <a:lnRef idx="2">
+              <a:schemeClr val="accent1">
+                <a:shade val="15000"/>
+              </a:schemeClr>
+            </a:lnRef>
+            <a:fillRef idx="1">
+              <a:schemeClr val="accent1"/>
+            </a:fillRef>
+            <a:effectRef idx="0">
+              <a:schemeClr val="accent1"/>
+            </a:effectRef>
+            <a:fontRef idx="minor">
+              <a:schemeClr val="lt1"/>
+            </a:fontRef>
+          </p:style>
+          <p:txBody>
+            <a:bodyPr rtlCol="0" anchor="ctr"/>
+            <a:lstStyle/>
+            <a:p>
+              <a:pPr algn="ctr"/>
+              <a:endParaRPr lang="en-US"/>
+            </a:p>
+          </p:txBody>
+        </p:sp>
+        <p:grpSp>
+          <p:nvGrpSpPr>
+            <p:cNvPr id="119" name="Group 118">
+              <a:extLst>
+                <a:ext uri="{FF2B5EF4-FFF2-40B4-BE49-F238E27FC236}">
+                  <a16:creationId xmlns:a16="http://schemas.microsoft.com/office/drawing/2014/main" id="{7F5619AB-5B31-9A0E-AB71-61A58607DAEA}"/>
+                </a:ext>
+              </a:extLst>
+            </p:cNvPr>
+            <p:cNvGrpSpPr/>
+            <p:nvPr/>
+          </p:nvGrpSpPr>
+          <p:grpSpPr>
+            <a:xfrm>
+              <a:off x="8182063" y="3700556"/>
+              <a:ext cx="1753351" cy="1592415"/>
+              <a:chOff x="3046412" y="2264835"/>
+              <a:chExt cx="1753351" cy="1592415"/>
+            </a:xfrm>
+          </p:grpSpPr>
+          <p:sp>
+            <p:nvSpPr>
+              <p:cNvPr id="122" name="Rectangle 121">
+                <a:extLst>
+                  <a:ext uri="{FF2B5EF4-FFF2-40B4-BE49-F238E27FC236}">
+                    <a16:creationId xmlns:a16="http://schemas.microsoft.com/office/drawing/2014/main" id="{2D3F8515-7020-4312-0896-9EC125429454}"/>
+                  </a:ext>
+                </a:extLst>
+              </p:cNvPr>
+              <p:cNvSpPr/>
+              <p:nvPr/>
+            </p:nvSpPr>
+            <p:spPr>
+              <a:xfrm>
+                <a:off x="3046412" y="2279390"/>
+                <a:ext cx="1753245" cy="1577860"/>
+              </a:xfrm>
+              <a:prstGeom prst="rect">
+                <a:avLst/>
+              </a:prstGeom>
+              <a:noFill/>
+              <a:ln>
+                <a:solidFill>
+                  <a:schemeClr val="bg1">
+                    <a:lumMod val="85000"/>
+                  </a:schemeClr>
+                </a:solidFill>
+              </a:ln>
+            </p:spPr>
+            <p:style>
+              <a:lnRef idx="2">
+                <a:schemeClr val="accent1">
+                  <a:shade val="15000"/>
+                </a:schemeClr>
+              </a:lnRef>
+              <a:fillRef idx="1">
+                <a:schemeClr val="accent1"/>
+              </a:fillRef>
+              <a:effectRef idx="0">
+                <a:schemeClr val="accent1"/>
+              </a:effectRef>
+              <a:fontRef idx="minor">
+                <a:schemeClr val="lt1"/>
+              </a:fontRef>
+            </p:style>
+            <p:txBody>
+              <a:bodyPr rtlCol="0" anchor="ctr"/>
+              <a:lstStyle/>
+              <a:p>
+                <a:pPr algn="ctr"/>
+                <a:endParaRPr lang="en-US"/>
+              </a:p>
+            </p:txBody>
+          </p:sp>
+          <p:sp>
+            <p:nvSpPr>
+              <p:cNvPr id="123" name="TextBox 122">
+                <a:extLst>
+                  <a:ext uri="{FF2B5EF4-FFF2-40B4-BE49-F238E27FC236}">
+                    <a16:creationId xmlns:a16="http://schemas.microsoft.com/office/drawing/2014/main" id="{B8E2F5BB-5DC3-8C3A-21A0-CE7CD92D4AEF}"/>
+                  </a:ext>
+                </a:extLst>
+              </p:cNvPr>
+              <p:cNvSpPr txBox="1"/>
+              <p:nvPr/>
+            </p:nvSpPr>
+            <p:spPr>
+              <a:xfrm>
+                <a:off x="3052233" y="2264835"/>
+                <a:ext cx="1747530" cy="307777"/>
+              </a:xfrm>
+              <a:prstGeom prst="rect">
+                <a:avLst/>
+              </a:prstGeom>
+              <a:noFill/>
+            </p:spPr>
+            <p:txBody>
+              <a:bodyPr wrap="none" rtlCol="0">
+                <a:spAutoFit/>
+              </a:bodyPr>
+              <a:lstStyle/>
+              <a:p>
+                <a:r>
+                  <a:rPr lang="en-US" sz="1400" dirty="0">
+                    <a:solidFill>
+                      <a:schemeClr val="tx1">
+                        <a:lumMod val="65000"/>
+                        <a:lumOff val="35000"/>
+                      </a:schemeClr>
+                    </a:solidFill>
+                    <a:latin typeface="Times New Roman" panose="02020603050405020304" pitchFamily="18" charset="0"/>
+                    <a:cs typeface="Times New Roman" panose="02020603050405020304" pitchFamily="18" charset="0"/>
+                  </a:rPr>
+                  <a:t>Background Thread 3</a:t>
+                </a:r>
+              </a:p>
+            </p:txBody>
+          </p:sp>
+        </p:grpSp>
+        <p:sp>
+          <p:nvSpPr>
+            <p:cNvPr id="120" name="Rectangle 119">
+              <a:extLst>
+                <a:ext uri="{FF2B5EF4-FFF2-40B4-BE49-F238E27FC236}">
+                  <a16:creationId xmlns:a16="http://schemas.microsoft.com/office/drawing/2014/main" id="{E01391A2-7CBD-8BA6-31CC-468A40B52C6A}"/>
+                </a:ext>
+              </a:extLst>
+            </p:cNvPr>
+            <p:cNvSpPr/>
+            <p:nvPr/>
+          </p:nvSpPr>
+          <p:spPr>
+            <a:xfrm>
+              <a:off x="8083062" y="3637280"/>
+              <a:ext cx="3317631" cy="2933505"/>
+            </a:xfrm>
+            <a:prstGeom prst="rect">
+              <a:avLst/>
+            </a:prstGeom>
+            <a:noFill/>
+            <a:ln>
+              <a:solidFill>
+                <a:schemeClr val="accent6">
+                  <a:lumMod val="75000"/>
+                </a:schemeClr>
+              </a:solidFill>
+              <a:prstDash val="dash"/>
+            </a:ln>
+          </p:spPr>
+          <p:style>
+            <a:lnRef idx="2">
+              <a:schemeClr val="accent1">
+                <a:shade val="15000"/>
+              </a:schemeClr>
+            </a:lnRef>
+            <a:fillRef idx="1">
+              <a:schemeClr val="accent1"/>
+            </a:fillRef>
+            <a:effectRef idx="0">
+              <a:schemeClr val="accent1"/>
+            </a:effectRef>
+            <a:fontRef idx="minor">
+              <a:schemeClr val="lt1"/>
+            </a:fontRef>
+          </p:style>
+          <p:txBody>
+            <a:bodyPr rtlCol="0" anchor="ctr"/>
+            <a:lstStyle/>
+            <a:p>
+              <a:pPr algn="ctr"/>
+              <a:endParaRPr lang="en-US"/>
+            </a:p>
+          </p:txBody>
+        </p:sp>
+        <p:sp>
+          <p:nvSpPr>
+            <p:cNvPr id="121" name="TextBox 120">
+              <a:extLst>
+                <a:ext uri="{FF2B5EF4-FFF2-40B4-BE49-F238E27FC236}">
+                  <a16:creationId xmlns:a16="http://schemas.microsoft.com/office/drawing/2014/main" id="{8FA32A2E-8D6A-B2D4-FDA3-A9B197832C99}"/>
+                </a:ext>
+              </a:extLst>
+            </p:cNvPr>
+            <p:cNvSpPr txBox="1"/>
+            <p:nvPr/>
+          </p:nvSpPr>
+          <p:spPr>
+            <a:xfrm>
+              <a:off x="9377128" y="6216786"/>
+              <a:ext cx="2316642" cy="338554"/>
+            </a:xfrm>
+            <a:prstGeom prst="rect">
+              <a:avLst/>
+            </a:prstGeom>
+            <a:noFill/>
+          </p:spPr>
+          <p:txBody>
+            <a:bodyPr wrap="square" rtlCol="0">
+              <a:spAutoFit/>
+            </a:bodyPr>
+            <a:lstStyle/>
+            <a:p>
+              <a:r>
+                <a:rPr lang="en-US" sz="1600" dirty="0">
+                  <a:solidFill>
+                    <a:schemeClr val="accent6">
+                      <a:lumMod val="75000"/>
+                    </a:schemeClr>
+                  </a:solidFill>
+                  <a:latin typeface="Times New Roman" panose="02020603050405020304" pitchFamily="18" charset="0"/>
+                  <a:cs typeface="Times New Roman" panose="02020603050405020304" pitchFamily="18" charset="0"/>
+                </a:rPr>
+                <a:t>Computation Node #3</a:t>
+              </a:r>
+            </a:p>
+          </p:txBody>
+        </p:sp>
+        <p:sp>
+          <p:nvSpPr>
+            <p:cNvPr id="152" name="TextBox 151">
+              <a:extLst>
+                <a:ext uri="{FF2B5EF4-FFF2-40B4-BE49-F238E27FC236}">
+                  <a16:creationId xmlns:a16="http://schemas.microsoft.com/office/drawing/2014/main" id="{D7B2CCC2-FB58-07A8-EFC5-2BF9AEBB0986}"/>
+                </a:ext>
+              </a:extLst>
+            </p:cNvPr>
+            <p:cNvSpPr txBox="1"/>
+            <p:nvPr/>
+          </p:nvSpPr>
+          <p:spPr>
+            <a:xfrm>
+              <a:off x="10004965" y="3718144"/>
+              <a:ext cx="848309" cy="307777"/>
+            </a:xfrm>
+            <a:prstGeom prst="rect">
+              <a:avLst/>
+            </a:prstGeom>
+            <a:noFill/>
+          </p:spPr>
+          <p:txBody>
+            <a:bodyPr wrap="none" rtlCol="0">
+              <a:spAutoFit/>
+            </a:bodyPr>
+            <a:lstStyle/>
+            <a:p>
+              <a:r>
+                <a:rPr lang="en-US" sz="1400" dirty="0">
+                  <a:solidFill>
+                    <a:schemeClr val="tx1">
+                      <a:lumMod val="65000"/>
+                      <a:lumOff val="35000"/>
+                    </a:schemeClr>
+                  </a:solidFill>
+                  <a:latin typeface="Times New Roman" panose="02020603050405020304" pitchFamily="18" charset="0"/>
+                  <a:cs typeface="Times New Roman" panose="02020603050405020304" pitchFamily="18" charset="0"/>
+                </a:rPr>
+                <a:t>Client #3</a:t>
+              </a:r>
+            </a:p>
+          </p:txBody>
+        </p:sp>
+        <p:cxnSp>
+          <p:nvCxnSpPr>
+            <p:cNvPr id="278" name="Straight Arrow Connector 277">
+              <a:extLst>
+                <a:ext uri="{FF2B5EF4-FFF2-40B4-BE49-F238E27FC236}">
+                  <a16:creationId xmlns:a16="http://schemas.microsoft.com/office/drawing/2014/main" id="{958B1568-ECD8-29A3-9687-DB971CDD0966}"/>
+                </a:ext>
+              </a:extLst>
+            </p:cNvPr>
+            <p:cNvCxnSpPr>
+              <a:cxnSpLocks/>
+              <a:stCxn id="351" idx="0"/>
+              <a:endCxn id="122" idx="2"/>
+            </p:cNvCxnSpPr>
+            <p:nvPr/>
+          </p:nvCxnSpPr>
+          <p:spPr>
+            <a:xfrm flipH="1" flipV="1">
+              <a:off x="9058686" y="5292971"/>
+              <a:ext cx="680262" cy="181706"/>
+            </a:xfrm>
+            <a:prstGeom prst="straightConnector1">
+              <a:avLst/>
+            </a:prstGeom>
+            <a:ln w="19050">
+              <a:solidFill>
+                <a:schemeClr val="accent6">
+                  <a:lumMod val="75000"/>
+                </a:schemeClr>
+              </a:solidFill>
+              <a:prstDash val="solid"/>
+              <a:tailEnd type="triangle"/>
+            </a:ln>
+          </p:spPr>
+          <p:style>
+            <a:lnRef idx="1">
+              <a:schemeClr val="accent1"/>
+            </a:lnRef>
+            <a:fillRef idx="0">
+              <a:schemeClr val="accent1"/>
+            </a:fillRef>
+            <a:effectRef idx="0">
+              <a:schemeClr val="accent1"/>
+            </a:effectRef>
+            <a:fontRef idx="minor">
+              <a:schemeClr val="tx1"/>
+            </a:fontRef>
+          </p:style>
+        </p:cxnSp>
+        <p:cxnSp>
+          <p:nvCxnSpPr>
+            <p:cNvPr id="294" name="Straight Arrow Connector 293">
+              <a:extLst>
+                <a:ext uri="{FF2B5EF4-FFF2-40B4-BE49-F238E27FC236}">
+                  <a16:creationId xmlns:a16="http://schemas.microsoft.com/office/drawing/2014/main" id="{E2AF53C9-92CC-AE84-6AC1-4B4C457DCAD7}"/>
+                </a:ext>
+              </a:extLst>
+            </p:cNvPr>
+            <p:cNvCxnSpPr>
+              <a:cxnSpLocks/>
+              <a:stCxn id="117" idx="2"/>
+              <a:endCxn id="351" idx="0"/>
+            </p:cNvCxnSpPr>
+            <p:nvPr/>
+          </p:nvCxnSpPr>
+          <p:spPr>
+            <a:xfrm flipH="1">
+              <a:off x="9738948" y="5299039"/>
+              <a:ext cx="905284" cy="175638"/>
+            </a:xfrm>
+            <a:prstGeom prst="straightConnector1">
+              <a:avLst/>
+            </a:prstGeom>
+            <a:ln w="19050">
+              <a:solidFill>
+                <a:schemeClr val="tx1">
+                  <a:lumMod val="65000"/>
+                  <a:lumOff val="35000"/>
+                </a:schemeClr>
+              </a:solidFill>
+              <a:tailEnd type="triangle"/>
+            </a:ln>
+          </p:spPr>
+          <p:style>
+            <a:lnRef idx="1">
+              <a:schemeClr val="accent1"/>
+            </a:lnRef>
+            <a:fillRef idx="0">
+              <a:schemeClr val="accent1"/>
+            </a:fillRef>
+            <a:effectRef idx="0">
+              <a:schemeClr val="accent1"/>
+            </a:effectRef>
+            <a:fontRef idx="minor">
+              <a:schemeClr val="tx1"/>
+            </a:fontRef>
+          </p:style>
+        </p:cxnSp>
+        <p:grpSp>
+          <p:nvGrpSpPr>
+            <p:cNvPr id="349" name="Group 348">
+              <a:extLst>
+                <a:ext uri="{FF2B5EF4-FFF2-40B4-BE49-F238E27FC236}">
+                  <a16:creationId xmlns:a16="http://schemas.microsoft.com/office/drawing/2014/main" id="{8C405B45-C382-A08C-0977-24638751D097}"/>
+                </a:ext>
+              </a:extLst>
+            </p:cNvPr>
+            <p:cNvGrpSpPr/>
+            <p:nvPr/>
+          </p:nvGrpSpPr>
+          <p:grpSpPr>
+            <a:xfrm>
+              <a:off x="8563710" y="5474677"/>
+              <a:ext cx="2350476" cy="744415"/>
+              <a:chOff x="8528540" y="1852246"/>
+              <a:chExt cx="2350476" cy="744415"/>
+            </a:xfrm>
+          </p:grpSpPr>
+          <p:grpSp>
+            <p:nvGrpSpPr>
+              <p:cNvPr id="350" name="Group 349">
+                <a:extLst>
+                  <a:ext uri="{FF2B5EF4-FFF2-40B4-BE49-F238E27FC236}">
+                    <a16:creationId xmlns:a16="http://schemas.microsoft.com/office/drawing/2014/main" id="{DC7CCBFD-619C-102D-8634-1EFE050A4CE2}"/>
+                  </a:ext>
+                </a:extLst>
+              </p:cNvPr>
+              <p:cNvGrpSpPr/>
+              <p:nvPr/>
+            </p:nvGrpSpPr>
+            <p:grpSpPr>
+              <a:xfrm>
+                <a:off x="8969788" y="1928967"/>
+                <a:ext cx="1104834" cy="603109"/>
+                <a:chOff x="7475097" y="3476414"/>
+                <a:chExt cx="2906307" cy="1586498"/>
+              </a:xfrm>
+            </p:grpSpPr>
+            <p:grpSp>
+              <p:nvGrpSpPr>
+                <p:cNvPr id="352" name="Group 351">
+                  <a:extLst>
+                    <a:ext uri="{FF2B5EF4-FFF2-40B4-BE49-F238E27FC236}">
+                      <a16:creationId xmlns:a16="http://schemas.microsoft.com/office/drawing/2014/main" id="{E8149B76-0FF1-188B-AB12-EE6686A81820}"/>
+                    </a:ext>
+                  </a:extLst>
+                </p:cNvPr>
+                <p:cNvGrpSpPr/>
+                <p:nvPr/>
+              </p:nvGrpSpPr>
+              <p:grpSpPr>
+                <a:xfrm>
+                  <a:off x="8695599" y="3476414"/>
+                  <a:ext cx="1270937" cy="479320"/>
+                  <a:chOff x="4346338" y="2696829"/>
+                  <a:chExt cx="1270937" cy="479320"/>
+                </a:xfrm>
+              </p:grpSpPr>
+              <p:sp>
+                <p:nvSpPr>
+                  <p:cNvPr id="375" name="Rectangle 374">
+                    <a:extLst>
+                      <a:ext uri="{FF2B5EF4-FFF2-40B4-BE49-F238E27FC236}">
+                        <a16:creationId xmlns:a16="http://schemas.microsoft.com/office/drawing/2014/main" id="{708A0872-DBED-A658-7781-A28F9F094063}"/>
+                      </a:ext>
+                    </a:extLst>
+                  </p:cNvPr>
+                  <p:cNvSpPr/>
+                  <p:nvPr/>
+                </p:nvSpPr>
+                <p:spPr>
+                  <a:xfrm>
+                    <a:off x="4387784" y="2736068"/>
+                    <a:ext cx="398585" cy="398585"/>
+                  </a:xfrm>
+                  <a:prstGeom prst="rect">
+                    <a:avLst/>
+                  </a:prstGeom>
+                  <a:noFill/>
+                  <a:ln>
+                    <a:solidFill>
+                      <a:schemeClr val="tx1">
+                        <a:lumMod val="50000"/>
+                        <a:lumOff val="50000"/>
+                      </a:schemeClr>
+                    </a:solidFill>
+                  </a:ln>
+                </p:spPr>
+                <p:style>
+                  <a:lnRef idx="2">
+                    <a:schemeClr val="accent1">
+                      <a:shade val="15000"/>
+                    </a:schemeClr>
+                  </a:lnRef>
+                  <a:fillRef idx="1">
+                    <a:schemeClr val="accent1"/>
+                  </a:fillRef>
+                  <a:effectRef idx="0">
+                    <a:schemeClr val="accent1"/>
+                  </a:effectRef>
+                  <a:fontRef idx="minor">
+                    <a:schemeClr val="lt1"/>
+                  </a:fontRef>
+                </p:style>
+                <p:txBody>
+                  <a:bodyPr rtlCol="0" anchor="ctr"/>
+                  <a:lstStyle/>
+                  <a:p>
+                    <a:pPr algn="ctr"/>
+                    <a:endParaRPr lang="en-US" dirty="0">
+                      <a:solidFill>
+                        <a:schemeClr val="bg2">
+                          <a:lumMod val="25000"/>
+                        </a:schemeClr>
+                      </a:solidFill>
+                    </a:endParaRPr>
+                  </a:p>
+                </p:txBody>
+              </p:sp>
+              <p:sp>
+                <p:nvSpPr>
+                  <p:cNvPr id="376" name="Rectangle 375">
+                    <a:extLst>
+                      <a:ext uri="{FF2B5EF4-FFF2-40B4-BE49-F238E27FC236}">
+                        <a16:creationId xmlns:a16="http://schemas.microsoft.com/office/drawing/2014/main" id="{73799136-FEAC-3812-7497-A5450D77B491}"/>
+                      </a:ext>
+                    </a:extLst>
+                  </p:cNvPr>
+                  <p:cNvSpPr/>
+                  <p:nvPr/>
+                </p:nvSpPr>
+                <p:spPr>
+                  <a:xfrm>
+                    <a:off x="4790113" y="2736068"/>
+                    <a:ext cx="398585" cy="398585"/>
+                  </a:xfrm>
+                  <a:prstGeom prst="rect">
+                    <a:avLst/>
+                  </a:prstGeom>
+                  <a:noFill/>
+                  <a:ln>
+                    <a:solidFill>
+                      <a:schemeClr val="tx1">
+                        <a:lumMod val="50000"/>
+                        <a:lumOff val="50000"/>
+                      </a:schemeClr>
+                    </a:solidFill>
+                  </a:ln>
+                </p:spPr>
+                <p:style>
+                  <a:lnRef idx="2">
+                    <a:schemeClr val="accent1">
+                      <a:shade val="15000"/>
+                    </a:schemeClr>
+                  </a:lnRef>
+                  <a:fillRef idx="1">
+                    <a:schemeClr val="accent1"/>
+                  </a:fillRef>
+                  <a:effectRef idx="0">
+                    <a:schemeClr val="accent1"/>
+                  </a:effectRef>
+                  <a:fontRef idx="minor">
+                    <a:schemeClr val="lt1"/>
+                  </a:fontRef>
+                </p:style>
+                <p:txBody>
+                  <a:bodyPr rtlCol="0" anchor="ctr"/>
+                  <a:lstStyle/>
+                  <a:p>
+                    <a:pPr algn="r"/>
+                    <a:endParaRPr lang="en-US" i="1" dirty="0">
+                      <a:solidFill>
+                        <a:schemeClr val="tx1">
+                          <a:lumMod val="75000"/>
+                          <a:lumOff val="25000"/>
+                        </a:schemeClr>
+                      </a:solidFill>
+                      <a:latin typeface="Cambria Math" panose="02040503050406030204" pitchFamily="18" charset="0"/>
+                    </a:endParaRPr>
+                  </a:p>
+                </p:txBody>
+              </p:sp>
+              <p:sp>
+                <p:nvSpPr>
+                  <p:cNvPr id="377" name="Rectangle 376">
+                    <a:extLst>
+                      <a:ext uri="{FF2B5EF4-FFF2-40B4-BE49-F238E27FC236}">
+                        <a16:creationId xmlns:a16="http://schemas.microsoft.com/office/drawing/2014/main" id="{CCE1C5EE-AD95-2578-4AC9-C330F6889E8D}"/>
+                      </a:ext>
+                    </a:extLst>
+                  </p:cNvPr>
+                  <p:cNvSpPr/>
+                  <p:nvPr/>
+                </p:nvSpPr>
+                <p:spPr>
+                  <a:xfrm>
+                    <a:off x="5185768" y="2736068"/>
+                    <a:ext cx="398585" cy="398585"/>
+                  </a:xfrm>
+                  <a:prstGeom prst="rect">
+                    <a:avLst/>
+                  </a:prstGeom>
+                  <a:noFill/>
+                  <a:ln>
+                    <a:solidFill>
+                      <a:schemeClr val="tx1">
+                        <a:lumMod val="50000"/>
+                        <a:lumOff val="50000"/>
+                      </a:schemeClr>
+                    </a:solidFill>
+                  </a:ln>
+                </p:spPr>
+                <p:style>
+                  <a:lnRef idx="2">
+                    <a:schemeClr val="accent1">
+                      <a:shade val="15000"/>
+                    </a:schemeClr>
+                  </a:lnRef>
+                  <a:fillRef idx="1">
+                    <a:schemeClr val="accent1"/>
+                  </a:fillRef>
+                  <a:effectRef idx="0">
+                    <a:schemeClr val="accent1"/>
+                  </a:effectRef>
+                  <a:fontRef idx="minor">
+                    <a:schemeClr val="lt1"/>
+                  </a:fontRef>
+                </p:style>
+                <p:txBody>
+                  <a:bodyPr rtlCol="0" anchor="ctr"/>
+                  <a:lstStyle/>
+                  <a:p>
+                    <a:pPr algn="r"/>
+                    <a:endParaRPr lang="en-US" dirty="0">
+                      <a:solidFill>
+                        <a:schemeClr val="bg2">
+                          <a:lumMod val="25000"/>
+                        </a:schemeClr>
+                      </a:solidFill>
+                    </a:endParaRPr>
+                  </a:p>
+                </p:txBody>
+              </p:sp>
+              <p:sp>
+                <p:nvSpPr>
+                  <p:cNvPr id="378" name="Rectangle 377">
+                    <a:extLst>
+                      <a:ext uri="{FF2B5EF4-FFF2-40B4-BE49-F238E27FC236}">
+                        <a16:creationId xmlns:a16="http://schemas.microsoft.com/office/drawing/2014/main" id="{A9E0DA15-ABF1-3131-838E-D377BA1AA11A}"/>
+                      </a:ext>
+                    </a:extLst>
+                  </p:cNvPr>
+                  <p:cNvSpPr/>
+                  <p:nvPr/>
+                </p:nvSpPr>
+                <p:spPr>
+                  <a:xfrm>
+                    <a:off x="4346338" y="2696829"/>
+                    <a:ext cx="1270937" cy="479320"/>
+                  </a:xfrm>
+                  <a:prstGeom prst="rect">
+                    <a:avLst/>
+                  </a:prstGeom>
+                  <a:noFill/>
+                  <a:ln>
+                    <a:solidFill>
+                      <a:schemeClr val="bg1">
+                        <a:lumMod val="85000"/>
+                      </a:schemeClr>
+                    </a:solidFill>
+                  </a:ln>
+                </p:spPr>
+                <p:style>
+                  <a:lnRef idx="2">
+                    <a:schemeClr val="accent1">
+                      <a:shade val="15000"/>
+                    </a:schemeClr>
+                  </a:lnRef>
+                  <a:fillRef idx="1">
+                    <a:schemeClr val="accent1"/>
+                  </a:fillRef>
+                  <a:effectRef idx="0">
+                    <a:schemeClr val="accent1"/>
+                  </a:effectRef>
+                  <a:fontRef idx="minor">
+                    <a:schemeClr val="lt1"/>
+                  </a:fontRef>
+                </p:style>
+                <p:txBody>
+                  <a:bodyPr rtlCol="0" anchor="ctr"/>
+                  <a:lstStyle/>
+                  <a:p>
+                    <a:pPr algn="ctr"/>
+                    <a:endParaRPr lang="en-US"/>
+                  </a:p>
+                </p:txBody>
+              </p:sp>
+            </p:grpSp>
+            <p:grpSp>
+              <p:nvGrpSpPr>
+                <p:cNvPr id="353" name="Group 352">
+                  <a:extLst>
+                    <a:ext uri="{FF2B5EF4-FFF2-40B4-BE49-F238E27FC236}">
+                      <a16:creationId xmlns:a16="http://schemas.microsoft.com/office/drawing/2014/main" id="{39831745-4C44-F495-0458-4C19576C7818}"/>
+                    </a:ext>
+                  </a:extLst>
+                </p:cNvPr>
+                <p:cNvGrpSpPr/>
+                <p:nvPr/>
+              </p:nvGrpSpPr>
+              <p:grpSpPr>
+                <a:xfrm>
+                  <a:off x="7475097" y="4583592"/>
+                  <a:ext cx="1297639" cy="479320"/>
+                  <a:chOff x="4316412" y="2065444"/>
+                  <a:chExt cx="1297639" cy="479320"/>
+                </a:xfrm>
+              </p:grpSpPr>
+              <p:sp>
+                <p:nvSpPr>
+                  <p:cNvPr id="371" name="Rectangle 370">
+                    <a:extLst>
+                      <a:ext uri="{FF2B5EF4-FFF2-40B4-BE49-F238E27FC236}">
+                        <a16:creationId xmlns:a16="http://schemas.microsoft.com/office/drawing/2014/main" id="{129F3431-4609-142C-AEE7-73B7992212B2}"/>
+                      </a:ext>
+                    </a:extLst>
+                  </p:cNvPr>
+                  <p:cNvSpPr/>
+                  <p:nvPr/>
+                </p:nvSpPr>
+                <p:spPr>
+                  <a:xfrm>
+                    <a:off x="4357858" y="2104683"/>
+                    <a:ext cx="398585" cy="398585"/>
+                  </a:xfrm>
+                  <a:prstGeom prst="rect">
+                    <a:avLst/>
+                  </a:prstGeom>
+                  <a:noFill/>
+                  <a:ln>
+                    <a:solidFill>
+                      <a:schemeClr val="tx1">
+                        <a:lumMod val="50000"/>
+                        <a:lumOff val="50000"/>
+                      </a:schemeClr>
+                    </a:solidFill>
+                  </a:ln>
+                </p:spPr>
+                <p:style>
+                  <a:lnRef idx="2">
+                    <a:schemeClr val="accent1">
+                      <a:shade val="15000"/>
+                    </a:schemeClr>
+                  </a:lnRef>
+                  <a:fillRef idx="1">
+                    <a:schemeClr val="accent1"/>
+                  </a:fillRef>
+                  <a:effectRef idx="0">
+                    <a:schemeClr val="accent1"/>
+                  </a:effectRef>
+                  <a:fontRef idx="minor">
+                    <a:schemeClr val="lt1"/>
+                  </a:fontRef>
+                </p:style>
+                <p:txBody>
+                  <a:bodyPr rtlCol="0" anchor="ctr"/>
+                  <a:lstStyle/>
+                  <a:p>
+                    <a:pPr algn="r"/>
+                    <a:endParaRPr lang="en-US" dirty="0">
+                      <a:solidFill>
+                        <a:schemeClr val="tx1">
+                          <a:lumMod val="75000"/>
+                          <a:lumOff val="25000"/>
+                        </a:schemeClr>
+                      </a:solidFill>
+                    </a:endParaRPr>
+                  </a:p>
+                </p:txBody>
+              </p:sp>
+              <p:sp>
+                <p:nvSpPr>
+                  <p:cNvPr id="372" name="Rectangle 371">
+                    <a:extLst>
+                      <a:ext uri="{FF2B5EF4-FFF2-40B4-BE49-F238E27FC236}">
+                        <a16:creationId xmlns:a16="http://schemas.microsoft.com/office/drawing/2014/main" id="{216A7A40-0508-2B98-D97B-11971757C4A6}"/>
+                      </a:ext>
+                    </a:extLst>
+                  </p:cNvPr>
+                  <p:cNvSpPr/>
+                  <p:nvPr/>
+                </p:nvSpPr>
+                <p:spPr>
+                  <a:xfrm>
+                    <a:off x="4760187" y="2104683"/>
+                    <a:ext cx="398585" cy="398585"/>
+                  </a:xfrm>
+                  <a:prstGeom prst="rect">
+                    <a:avLst/>
+                  </a:prstGeom>
+                  <a:noFill/>
+                  <a:ln>
+                    <a:solidFill>
+                      <a:schemeClr val="tx1">
+                        <a:lumMod val="50000"/>
+                        <a:lumOff val="50000"/>
+                      </a:schemeClr>
+                    </a:solidFill>
+                  </a:ln>
+                </p:spPr>
+                <p:style>
+                  <a:lnRef idx="2">
+                    <a:schemeClr val="accent1">
+                      <a:shade val="15000"/>
+                    </a:schemeClr>
+                  </a:lnRef>
+                  <a:fillRef idx="1">
+                    <a:schemeClr val="accent1"/>
+                  </a:fillRef>
+                  <a:effectRef idx="0">
+                    <a:schemeClr val="accent1"/>
+                  </a:effectRef>
+                  <a:fontRef idx="minor">
+                    <a:schemeClr val="lt1"/>
+                  </a:fontRef>
+                </p:style>
+                <p:txBody>
+                  <a:bodyPr rtlCol="0" anchor="ctr"/>
+                  <a:lstStyle/>
+                  <a:p>
+                    <a:pPr algn="ctr"/>
+                    <a:endParaRPr lang="en-US" dirty="0">
+                      <a:solidFill>
+                        <a:schemeClr val="tx1">
+                          <a:lumMod val="75000"/>
+                          <a:lumOff val="25000"/>
+                        </a:schemeClr>
+                      </a:solidFill>
+                    </a:endParaRPr>
+                  </a:p>
+                </p:txBody>
+              </p:sp>
+              <p:sp>
+                <p:nvSpPr>
+                  <p:cNvPr id="373" name="Rectangle 372">
+                    <a:extLst>
+                      <a:ext uri="{FF2B5EF4-FFF2-40B4-BE49-F238E27FC236}">
+                        <a16:creationId xmlns:a16="http://schemas.microsoft.com/office/drawing/2014/main" id="{96FAF52F-089B-722D-60EF-5BF91BD97EA4}"/>
+                      </a:ext>
+                    </a:extLst>
+                  </p:cNvPr>
+                  <p:cNvSpPr/>
+                  <p:nvPr/>
+                </p:nvSpPr>
+                <p:spPr>
+                  <a:xfrm>
+                    <a:off x="5155842" y="2104683"/>
+                    <a:ext cx="398585" cy="398585"/>
+                  </a:xfrm>
+                  <a:prstGeom prst="rect">
+                    <a:avLst/>
+                  </a:prstGeom>
+                  <a:noFill/>
+                  <a:ln>
+                    <a:solidFill>
+                      <a:schemeClr val="tx1">
+                        <a:lumMod val="50000"/>
+                        <a:lumOff val="50000"/>
+                      </a:schemeClr>
+                    </a:solidFill>
+                  </a:ln>
+                </p:spPr>
+                <p:style>
+                  <a:lnRef idx="2">
+                    <a:schemeClr val="accent1">
+                      <a:shade val="15000"/>
+                    </a:schemeClr>
+                  </a:lnRef>
+                  <a:fillRef idx="1">
+                    <a:schemeClr val="accent1"/>
+                  </a:fillRef>
+                  <a:effectRef idx="0">
+                    <a:schemeClr val="accent1"/>
+                  </a:effectRef>
+                  <a:fontRef idx="minor">
+                    <a:schemeClr val="lt1"/>
+                  </a:fontRef>
+                </p:style>
+                <p:txBody>
+                  <a:bodyPr rtlCol="0" anchor="ctr"/>
+                  <a:lstStyle/>
+                  <a:p>
+                    <a:pPr algn="r"/>
+                    <a:endParaRPr lang="en-US" dirty="0">
+                      <a:solidFill>
+                        <a:schemeClr val="tx1">
+                          <a:lumMod val="75000"/>
+                          <a:lumOff val="25000"/>
+                        </a:schemeClr>
+                      </a:solidFill>
+                    </a:endParaRPr>
+                  </a:p>
+                </p:txBody>
+              </p:sp>
+              <p:sp>
+                <p:nvSpPr>
+                  <p:cNvPr id="374" name="Rectangle 373">
+                    <a:extLst>
+                      <a:ext uri="{FF2B5EF4-FFF2-40B4-BE49-F238E27FC236}">
+                        <a16:creationId xmlns:a16="http://schemas.microsoft.com/office/drawing/2014/main" id="{84E130E3-3E73-5187-EAFA-A9577ED9F0C3}"/>
+                      </a:ext>
+                    </a:extLst>
+                  </p:cNvPr>
+                  <p:cNvSpPr/>
+                  <p:nvPr/>
+                </p:nvSpPr>
+                <p:spPr>
+                  <a:xfrm>
+                    <a:off x="4316412" y="2065444"/>
+                    <a:ext cx="1297639" cy="479320"/>
+                  </a:xfrm>
+                  <a:prstGeom prst="rect">
+                    <a:avLst/>
+                  </a:prstGeom>
+                  <a:noFill/>
+                  <a:ln>
+                    <a:solidFill>
+                      <a:schemeClr val="bg1">
+                        <a:lumMod val="85000"/>
+                      </a:schemeClr>
+                    </a:solidFill>
+                  </a:ln>
+                </p:spPr>
+                <p:style>
+                  <a:lnRef idx="2">
+                    <a:schemeClr val="accent1">
+                      <a:shade val="15000"/>
+                    </a:schemeClr>
+                  </a:lnRef>
+                  <a:fillRef idx="1">
+                    <a:schemeClr val="accent1"/>
+                  </a:fillRef>
+                  <a:effectRef idx="0">
+                    <a:schemeClr val="accent1"/>
+                  </a:effectRef>
+                  <a:fontRef idx="minor">
+                    <a:schemeClr val="lt1"/>
+                  </a:fontRef>
+                </p:style>
+                <p:txBody>
+                  <a:bodyPr rtlCol="0" anchor="ctr"/>
+                  <a:lstStyle/>
+                  <a:p>
+                    <a:pPr algn="ctr"/>
+                    <a:endParaRPr lang="en-US">
+                      <a:solidFill>
+                        <a:schemeClr val="tx1">
+                          <a:lumMod val="75000"/>
+                          <a:lumOff val="25000"/>
+                        </a:schemeClr>
+                      </a:solidFill>
+                    </a:endParaRPr>
+                  </a:p>
+                </p:txBody>
+              </p:sp>
+            </p:grpSp>
+            <p:grpSp>
+              <p:nvGrpSpPr>
+                <p:cNvPr id="354" name="Group 353">
+                  <a:extLst>
+                    <a:ext uri="{FF2B5EF4-FFF2-40B4-BE49-F238E27FC236}">
+                      <a16:creationId xmlns:a16="http://schemas.microsoft.com/office/drawing/2014/main" id="{32838DAC-96CD-1F6F-B392-40E6618E8092}"/>
+                    </a:ext>
+                  </a:extLst>
+                </p:cNvPr>
+                <p:cNvGrpSpPr/>
+                <p:nvPr/>
+              </p:nvGrpSpPr>
+              <p:grpSpPr>
+                <a:xfrm>
+                  <a:off x="9091579" y="4583592"/>
+                  <a:ext cx="1289825" cy="479320"/>
+                  <a:chOff x="4316412" y="2065444"/>
+                  <a:chExt cx="1289825" cy="479320"/>
+                </a:xfrm>
+              </p:grpSpPr>
+              <p:sp>
+                <p:nvSpPr>
+                  <p:cNvPr id="367" name="Rectangle 366">
+                    <a:extLst>
+                      <a:ext uri="{FF2B5EF4-FFF2-40B4-BE49-F238E27FC236}">
+                        <a16:creationId xmlns:a16="http://schemas.microsoft.com/office/drawing/2014/main" id="{7EB67269-256D-F052-BA3A-B3C42E8770F2}"/>
+                      </a:ext>
+                    </a:extLst>
+                  </p:cNvPr>
+                  <p:cNvSpPr/>
+                  <p:nvPr/>
+                </p:nvSpPr>
+                <p:spPr>
+                  <a:xfrm>
+                    <a:off x="4357858" y="2104683"/>
+                    <a:ext cx="398585" cy="398585"/>
+                  </a:xfrm>
+                  <a:prstGeom prst="rect">
+                    <a:avLst/>
+                  </a:prstGeom>
+                  <a:noFill/>
+                  <a:ln>
+                    <a:solidFill>
+                      <a:schemeClr val="tx1">
+                        <a:lumMod val="50000"/>
+                        <a:lumOff val="50000"/>
+                      </a:schemeClr>
+                    </a:solidFill>
+                  </a:ln>
+                </p:spPr>
+                <p:style>
+                  <a:lnRef idx="2">
+                    <a:schemeClr val="accent1">
+                      <a:shade val="15000"/>
+                    </a:schemeClr>
+                  </a:lnRef>
+                  <a:fillRef idx="1">
+                    <a:schemeClr val="accent1"/>
+                  </a:fillRef>
+                  <a:effectRef idx="0">
+                    <a:schemeClr val="accent1"/>
+                  </a:effectRef>
+                  <a:fontRef idx="minor">
+                    <a:schemeClr val="lt1"/>
+                  </a:fontRef>
+                </p:style>
+                <p:txBody>
+                  <a:bodyPr rtlCol="0" anchor="ctr"/>
+                  <a:lstStyle/>
+                  <a:p>
+                    <a:pPr algn="r"/>
+                    <a:endParaRPr lang="en-US" dirty="0">
+                      <a:solidFill>
+                        <a:schemeClr val="tx1">
+                          <a:lumMod val="75000"/>
+                          <a:lumOff val="25000"/>
+                        </a:schemeClr>
+                      </a:solidFill>
+                    </a:endParaRPr>
+                  </a:p>
+                </p:txBody>
+              </p:sp>
+              <p:sp>
+                <p:nvSpPr>
+                  <p:cNvPr id="368" name="Rectangle 367">
+                    <a:extLst>
+                      <a:ext uri="{FF2B5EF4-FFF2-40B4-BE49-F238E27FC236}">
+                        <a16:creationId xmlns:a16="http://schemas.microsoft.com/office/drawing/2014/main" id="{A445A149-E450-9C06-4F21-A4185BE702EC}"/>
+                      </a:ext>
+                    </a:extLst>
+                  </p:cNvPr>
+                  <p:cNvSpPr/>
+                  <p:nvPr/>
+                </p:nvSpPr>
+                <p:spPr>
+                  <a:xfrm>
+                    <a:off x="4760187" y="2104683"/>
+                    <a:ext cx="398585" cy="398585"/>
+                  </a:xfrm>
+                  <a:prstGeom prst="rect">
+                    <a:avLst/>
+                  </a:prstGeom>
+                  <a:noFill/>
+                  <a:ln>
+                    <a:solidFill>
+                      <a:schemeClr val="tx1">
+                        <a:lumMod val="50000"/>
+                        <a:lumOff val="50000"/>
+                      </a:schemeClr>
+                    </a:solidFill>
+                  </a:ln>
+                </p:spPr>
+                <p:style>
+                  <a:lnRef idx="2">
+                    <a:schemeClr val="accent1">
+                      <a:shade val="15000"/>
+                    </a:schemeClr>
+                  </a:lnRef>
+                  <a:fillRef idx="1">
+                    <a:schemeClr val="accent1"/>
+                  </a:fillRef>
+                  <a:effectRef idx="0">
+                    <a:schemeClr val="accent1"/>
+                  </a:effectRef>
+                  <a:fontRef idx="minor">
+                    <a:schemeClr val="lt1"/>
+                  </a:fontRef>
+                </p:style>
+                <p:txBody>
+                  <a:bodyPr rtlCol="0" anchor="ctr"/>
+                  <a:lstStyle/>
+                  <a:p>
+                    <a:pPr algn="r"/>
+                    <a:endParaRPr lang="en-US" i="1" dirty="0">
+                      <a:solidFill>
+                        <a:schemeClr val="tx1">
+                          <a:lumMod val="75000"/>
+                          <a:lumOff val="25000"/>
+                        </a:schemeClr>
+                      </a:solidFill>
+                      <a:latin typeface="Cambria Math" panose="02040503050406030204" pitchFamily="18" charset="0"/>
+                    </a:endParaRPr>
+                  </a:p>
+                </p:txBody>
+              </p:sp>
+              <p:sp>
+                <p:nvSpPr>
+                  <p:cNvPr id="369" name="Rectangle 368">
+                    <a:extLst>
+                      <a:ext uri="{FF2B5EF4-FFF2-40B4-BE49-F238E27FC236}">
+                        <a16:creationId xmlns:a16="http://schemas.microsoft.com/office/drawing/2014/main" id="{30C01F81-C52D-D638-7EF9-235FBAFB333B}"/>
+                      </a:ext>
+                    </a:extLst>
+                  </p:cNvPr>
+                  <p:cNvSpPr/>
+                  <p:nvPr/>
+                </p:nvSpPr>
+                <p:spPr>
+                  <a:xfrm>
+                    <a:off x="5155842" y="2104683"/>
+                    <a:ext cx="398585" cy="398585"/>
+                  </a:xfrm>
+                  <a:prstGeom prst="rect">
+                    <a:avLst/>
+                  </a:prstGeom>
+                  <a:noFill/>
+                  <a:ln>
+                    <a:solidFill>
+                      <a:schemeClr val="tx1">
+                        <a:lumMod val="50000"/>
+                        <a:lumOff val="50000"/>
+                      </a:schemeClr>
+                    </a:solidFill>
+                  </a:ln>
+                </p:spPr>
+                <p:style>
+                  <a:lnRef idx="2">
+                    <a:schemeClr val="accent1">
+                      <a:shade val="15000"/>
+                    </a:schemeClr>
+                  </a:lnRef>
+                  <a:fillRef idx="1">
+                    <a:schemeClr val="accent1"/>
+                  </a:fillRef>
+                  <a:effectRef idx="0">
+                    <a:schemeClr val="accent1"/>
+                  </a:effectRef>
+                  <a:fontRef idx="minor">
+                    <a:schemeClr val="lt1"/>
+                  </a:fontRef>
+                </p:style>
+                <p:txBody>
+                  <a:bodyPr rtlCol="0" anchor="ctr"/>
+                  <a:lstStyle/>
+                  <a:p>
+                    <a:pPr algn="ctr"/>
+                    <a:endParaRPr lang="en-US">
+                      <a:solidFill>
+                        <a:schemeClr val="tx1">
+                          <a:lumMod val="75000"/>
+                          <a:lumOff val="25000"/>
+                        </a:schemeClr>
+                      </a:solidFill>
+                    </a:endParaRPr>
+                  </a:p>
+                </p:txBody>
+              </p:sp>
+              <p:sp>
+                <p:nvSpPr>
+                  <p:cNvPr id="370" name="Rectangle 369">
+                    <a:extLst>
+                      <a:ext uri="{FF2B5EF4-FFF2-40B4-BE49-F238E27FC236}">
+                        <a16:creationId xmlns:a16="http://schemas.microsoft.com/office/drawing/2014/main" id="{7E996AE2-0201-9DAB-B67D-03BF982F3566}"/>
+                      </a:ext>
+                    </a:extLst>
+                  </p:cNvPr>
+                  <p:cNvSpPr/>
+                  <p:nvPr/>
+                </p:nvSpPr>
+                <p:spPr>
+                  <a:xfrm>
+                    <a:off x="4316412" y="2065444"/>
+                    <a:ext cx="1289825" cy="479320"/>
+                  </a:xfrm>
+                  <a:prstGeom prst="rect">
+                    <a:avLst/>
+                  </a:prstGeom>
+                  <a:noFill/>
+                  <a:ln>
+                    <a:solidFill>
+                      <a:schemeClr val="bg1">
+                        <a:lumMod val="85000"/>
+                      </a:schemeClr>
+                    </a:solidFill>
+                  </a:ln>
+                </p:spPr>
+                <p:style>
+                  <a:lnRef idx="2">
+                    <a:schemeClr val="accent1">
+                      <a:shade val="15000"/>
+                    </a:schemeClr>
+                  </a:lnRef>
+                  <a:fillRef idx="1">
+                    <a:schemeClr val="accent1"/>
+                  </a:fillRef>
+                  <a:effectRef idx="0">
+                    <a:schemeClr val="accent1"/>
+                  </a:effectRef>
+                  <a:fontRef idx="minor">
+                    <a:schemeClr val="lt1"/>
+                  </a:fontRef>
+                </p:style>
+                <p:txBody>
+                  <a:bodyPr rtlCol="0" anchor="ctr"/>
+                  <a:lstStyle/>
+                  <a:p>
+                    <a:pPr algn="ctr"/>
+                    <a:endParaRPr lang="en-US">
+                      <a:solidFill>
+                        <a:schemeClr val="tx1">
+                          <a:lumMod val="75000"/>
+                          <a:lumOff val="25000"/>
+                        </a:schemeClr>
+                      </a:solidFill>
+                    </a:endParaRPr>
+                  </a:p>
+                </p:txBody>
+              </p:sp>
+            </p:grpSp>
+            <p:cxnSp>
+              <p:nvCxnSpPr>
+                <p:cNvPr id="355" name="Straight Arrow Connector 354">
+                  <a:extLst>
+                    <a:ext uri="{FF2B5EF4-FFF2-40B4-BE49-F238E27FC236}">
+                      <a16:creationId xmlns:a16="http://schemas.microsoft.com/office/drawing/2014/main" id="{A865A6D5-E717-5DD6-AE32-523C351E37B9}"/>
+                    </a:ext>
+                  </a:extLst>
+                </p:cNvPr>
+                <p:cNvCxnSpPr>
+                  <a:cxnSpLocks/>
+                  <a:endCxn id="374" idx="0"/>
+                </p:cNvCxnSpPr>
+                <p:nvPr/>
+              </p:nvCxnSpPr>
+              <p:spPr>
+                <a:xfrm flipH="1">
+                  <a:off x="8123917" y="3914824"/>
+                  <a:ext cx="615603" cy="668768"/>
+                </a:xfrm>
+                <a:prstGeom prst="straightConnector1">
+                  <a:avLst/>
+                </a:prstGeom>
+                <a:ln w="19050">
+                  <a:solidFill>
+                    <a:schemeClr val="tx1">
+                      <a:lumMod val="65000"/>
+                      <a:lumOff val="35000"/>
+                    </a:schemeClr>
+                  </a:solidFill>
+                  <a:tailEnd type="triangle"/>
+                </a:ln>
+              </p:spPr>
+              <p:style>
+                <a:lnRef idx="1">
+                  <a:schemeClr val="accent1"/>
+                </a:lnRef>
+                <a:fillRef idx="0">
+                  <a:schemeClr val="accent1"/>
+                </a:fillRef>
+                <a:effectRef idx="0">
+                  <a:schemeClr val="accent1"/>
+                </a:effectRef>
+                <a:fontRef idx="minor">
+                  <a:schemeClr val="tx1"/>
+                </a:fontRef>
+              </p:style>
+            </p:cxnSp>
+            <p:cxnSp>
+              <p:nvCxnSpPr>
+                <p:cNvPr id="356" name="Straight Arrow Connector 355">
+                  <a:extLst>
+                    <a:ext uri="{FF2B5EF4-FFF2-40B4-BE49-F238E27FC236}">
+                      <a16:creationId xmlns:a16="http://schemas.microsoft.com/office/drawing/2014/main" id="{5D33BA2C-594A-D312-3090-157F879B80DA}"/>
+                    </a:ext>
+                  </a:extLst>
+                </p:cNvPr>
+                <p:cNvCxnSpPr>
+                  <a:cxnSpLocks/>
+                </p:cNvCxnSpPr>
+                <p:nvPr/>
+              </p:nvCxnSpPr>
+              <p:spPr>
+                <a:xfrm>
+                  <a:off x="8796304" y="4721412"/>
+                  <a:ext cx="296562" cy="0"/>
+                </a:xfrm>
+                <a:prstGeom prst="straightConnector1">
+                  <a:avLst/>
+                </a:prstGeom>
+                <a:ln w="19050">
+                  <a:solidFill>
+                    <a:schemeClr val="tx1">
+                      <a:lumMod val="50000"/>
+                      <a:lumOff val="50000"/>
+                    </a:schemeClr>
+                  </a:solidFill>
+                  <a:tailEnd type="triangle"/>
+                </a:ln>
+              </p:spPr>
+              <p:style>
+                <a:lnRef idx="1">
+                  <a:schemeClr val="accent1"/>
+                </a:lnRef>
+                <a:fillRef idx="0">
+                  <a:schemeClr val="accent1"/>
+                </a:fillRef>
+                <a:effectRef idx="0">
+                  <a:schemeClr val="accent1"/>
+                </a:effectRef>
+                <a:fontRef idx="minor">
+                  <a:schemeClr val="tx1"/>
+                </a:fontRef>
+              </p:style>
+            </p:cxnSp>
+            <p:cxnSp>
+              <p:nvCxnSpPr>
+                <p:cNvPr id="357" name="Straight Arrow Connector 356">
+                  <a:extLst>
+                    <a:ext uri="{FF2B5EF4-FFF2-40B4-BE49-F238E27FC236}">
+                      <a16:creationId xmlns:a16="http://schemas.microsoft.com/office/drawing/2014/main" id="{1F289031-EB3C-F494-DC0B-42E7922E557E}"/>
+                    </a:ext>
+                  </a:extLst>
+                </p:cNvPr>
+                <p:cNvCxnSpPr>
+                  <a:cxnSpLocks/>
+                </p:cNvCxnSpPr>
+                <p:nvPr/>
+              </p:nvCxnSpPr>
+              <p:spPr>
+                <a:xfrm flipH="1">
+                  <a:off x="8799834" y="4942847"/>
+                  <a:ext cx="275380" cy="0"/>
+                </a:xfrm>
+                <a:prstGeom prst="straightConnector1">
+                  <a:avLst/>
+                </a:prstGeom>
+                <a:ln w="19050">
+                  <a:solidFill>
+                    <a:schemeClr val="tx1">
+                      <a:lumMod val="50000"/>
+                      <a:lumOff val="50000"/>
+                    </a:schemeClr>
+                  </a:solidFill>
+                  <a:tailEnd type="triangle"/>
+                </a:ln>
+              </p:spPr>
+              <p:style>
+                <a:lnRef idx="1">
+                  <a:schemeClr val="accent1"/>
+                </a:lnRef>
+                <a:fillRef idx="0">
+                  <a:schemeClr val="accent1"/>
+                </a:fillRef>
+                <a:effectRef idx="0">
+                  <a:schemeClr val="accent1"/>
+                </a:effectRef>
+                <a:fontRef idx="minor">
+                  <a:schemeClr val="tx1"/>
+                </a:fontRef>
+              </p:style>
+            </p:cxnSp>
+            <p:cxnSp>
+              <p:nvCxnSpPr>
+                <p:cNvPr id="358" name="Straight Arrow Connector 357">
+                  <a:extLst>
+                    <a:ext uri="{FF2B5EF4-FFF2-40B4-BE49-F238E27FC236}">
+                      <a16:creationId xmlns:a16="http://schemas.microsoft.com/office/drawing/2014/main" id="{F5D63E7D-6969-5BF7-7247-55EC612C56CC}"/>
+                    </a:ext>
+                  </a:extLst>
+                </p:cNvPr>
+                <p:cNvCxnSpPr>
+                  <a:cxnSpLocks/>
+                  <a:endCxn id="370" idx="0"/>
+                </p:cNvCxnSpPr>
+                <p:nvPr/>
+              </p:nvCxnSpPr>
+              <p:spPr>
+                <a:xfrm>
+                  <a:off x="9136802" y="3914499"/>
+                  <a:ext cx="599690" cy="669093"/>
+                </a:xfrm>
+                <a:prstGeom prst="straightConnector1">
+                  <a:avLst/>
+                </a:prstGeom>
+                <a:ln w="19050">
+                  <a:solidFill>
+                    <a:schemeClr val="tx1">
+                      <a:lumMod val="65000"/>
+                      <a:lumOff val="35000"/>
+                    </a:schemeClr>
+                  </a:solidFill>
+                  <a:tailEnd type="triangle"/>
+                </a:ln>
+              </p:spPr>
+              <p:style>
+                <a:lnRef idx="1">
+                  <a:schemeClr val="accent1"/>
+                </a:lnRef>
+                <a:fillRef idx="0">
+                  <a:schemeClr val="accent1"/>
+                </a:fillRef>
+                <a:effectRef idx="0">
+                  <a:schemeClr val="accent1"/>
+                </a:effectRef>
+                <a:fontRef idx="minor">
+                  <a:schemeClr val="tx1"/>
+                </a:fontRef>
+              </p:style>
+            </p:cxnSp>
+          </p:grpSp>
+          <p:sp>
+            <p:nvSpPr>
+              <p:cNvPr id="351" name="Rectangle 350">
+                <a:extLst>
+                  <a:ext uri="{FF2B5EF4-FFF2-40B4-BE49-F238E27FC236}">
+                    <a16:creationId xmlns:a16="http://schemas.microsoft.com/office/drawing/2014/main" id="{3C7A6B0D-C4BB-E9A8-1A6C-518EA1B46F79}"/>
+                  </a:ext>
+                </a:extLst>
+              </p:cNvPr>
+              <p:cNvSpPr/>
+              <p:nvPr/>
+            </p:nvSpPr>
+            <p:spPr>
+              <a:xfrm>
+                <a:off x="8528540" y="1852246"/>
+                <a:ext cx="2350476" cy="744415"/>
+              </a:xfrm>
+              <a:prstGeom prst="rect">
+                <a:avLst/>
+              </a:prstGeom>
+              <a:noFill/>
+              <a:ln>
+                <a:solidFill>
+                  <a:schemeClr val="bg1">
+                    <a:lumMod val="50000"/>
+                  </a:schemeClr>
+                </a:solidFill>
+                <a:prstDash val="dash"/>
+              </a:ln>
+            </p:spPr>
+            <p:style>
+              <a:lnRef idx="2">
+                <a:schemeClr val="accent1">
+                  <a:shade val="15000"/>
+                </a:schemeClr>
+              </a:lnRef>
+              <a:fillRef idx="1">
+                <a:schemeClr val="accent1"/>
+              </a:fillRef>
+              <a:effectRef idx="0">
+                <a:schemeClr val="accent1"/>
+              </a:effectRef>
+              <a:fontRef idx="minor">
+                <a:schemeClr val="lt1"/>
+              </a:fontRef>
+            </p:style>
+            <p:txBody>
+              <a:bodyPr rtlCol="0" anchor="ctr"/>
+              <a:lstStyle/>
+              <a:p>
+                <a:pPr algn="ctr"/>
+                <a:endParaRPr lang="en-US"/>
+              </a:p>
+            </p:txBody>
+          </p:sp>
+        </p:grpSp>
+      </p:grpSp>
+      <p:cxnSp>
+        <p:nvCxnSpPr>
+          <p:cNvPr id="381" name="Straight Arrow Connector 380">
+            <a:extLst>
+              <a:ext uri="{FF2B5EF4-FFF2-40B4-BE49-F238E27FC236}">
+                <a16:creationId xmlns:a16="http://schemas.microsoft.com/office/drawing/2014/main" id="{EE76549F-4872-0BC8-F593-76074267B4EB}"/>
+              </a:ext>
+            </a:extLst>
+          </p:cNvPr>
+          <p:cNvCxnSpPr>
+            <a:cxnSpLocks/>
+            <a:stCxn id="299" idx="0"/>
+            <a:endCxn id="9" idx="0"/>
+          </p:cNvCxnSpPr>
+          <p:nvPr/>
+        </p:nvCxnSpPr>
+        <p:spPr>
+          <a:xfrm flipH="1">
+            <a:off x="2988883" y="4138246"/>
+            <a:ext cx="363917" cy="129476"/>
+          </a:xfrm>
+          <a:prstGeom prst="straightConnector1">
+            <a:avLst/>
+          </a:prstGeom>
+          <a:ln w="19050">
+            <a:solidFill>
+              <a:schemeClr val="accent6"/>
+            </a:solidFill>
+            <a:prstDash val="solid"/>
+            <a:tailEnd type="triangle"/>
+          </a:ln>
+        </p:spPr>
+        <p:style>
+          <a:lnRef idx="1">
+            <a:schemeClr val="accent1"/>
+          </a:lnRef>
+          <a:fillRef idx="0">
+            <a:schemeClr val="accent1"/>
+          </a:fillRef>
+          <a:effectRef idx="0">
+            <a:schemeClr val="accent1"/>
+          </a:effectRef>
+          <a:fontRef idx="minor">
+            <a:schemeClr val="tx1"/>
+          </a:fontRef>
+        </p:style>
+      </p:cxnSp>
+      <p:sp>
+        <p:nvSpPr>
+          <p:cNvPr id="386" name="TextBox 385">
+            <a:extLst>
+              <a:ext uri="{FF2B5EF4-FFF2-40B4-BE49-F238E27FC236}">
+                <a16:creationId xmlns:a16="http://schemas.microsoft.com/office/drawing/2014/main" id="{760F95AD-AD02-2646-652A-773B7FC83128}"/>
+              </a:ext>
+            </a:extLst>
+          </p:cNvPr>
+          <p:cNvSpPr txBox="1"/>
+          <p:nvPr/>
+        </p:nvSpPr>
+        <p:spPr>
+          <a:xfrm>
+            <a:off x="1002588" y="1526386"/>
+            <a:ext cx="1271690" cy="523220"/>
+          </a:xfrm>
+          <a:prstGeom prst="rect">
+            <a:avLst/>
+          </a:prstGeom>
+          <a:solidFill>
+            <a:schemeClr val="bg1">
+              <a:alpha val="71000"/>
+            </a:schemeClr>
+          </a:solidFill>
+        </p:spPr>
+        <p:txBody>
+          <a:bodyPr wrap="square" rtlCol="0">
+            <a:spAutoFit/>
+          </a:bodyPr>
+          <a:lstStyle/>
+          <a:p>
+            <a:r>
+              <a:rPr lang="en-US" sz="1400" dirty="0">
+                <a:solidFill>
+                  <a:schemeClr val="tx1">
+                    <a:lumMod val="65000"/>
+                    <a:lumOff val="35000"/>
+                  </a:schemeClr>
+                </a:solidFill>
+                <a:latin typeface="Times New Roman" panose="02020603050405020304" pitchFamily="18" charset="0"/>
+                <a:cs typeface="Times New Roman" panose="02020603050405020304" pitchFamily="18" charset="0"/>
+              </a:rPr>
+              <a:t>Send </a:t>
+            </a:r>
+            <a:r>
+              <a:rPr lang="en-US" sz="1400" dirty="0">
+                <a:solidFill>
+                  <a:schemeClr val="accent2">
+                    <a:lumMod val="75000"/>
+                  </a:schemeClr>
+                </a:solidFill>
+                <a:latin typeface="Times New Roman" panose="02020603050405020304" pitchFamily="18" charset="0"/>
+                <a:cs typeface="Times New Roman" panose="02020603050405020304" pitchFamily="18" charset="0"/>
+              </a:rPr>
+              <a:t>Request</a:t>
+            </a:r>
+          </a:p>
+          <a:p>
+            <a:r>
+              <a:rPr lang="en-US" sz="1400" dirty="0">
+                <a:solidFill>
+                  <a:schemeClr val="tx1">
+                    <a:lumMod val="65000"/>
+                    <a:lumOff val="35000"/>
+                  </a:schemeClr>
+                </a:solidFill>
+                <a:latin typeface="Times New Roman" panose="02020603050405020304" pitchFamily="18" charset="0"/>
+                <a:cs typeface="Times New Roman" panose="02020603050405020304" pitchFamily="18" charset="0"/>
+              </a:rPr>
+              <a:t>Receive </a:t>
+            </a:r>
+            <a:r>
+              <a:rPr lang="en-US" sz="1400" dirty="0">
+                <a:solidFill>
+                  <a:schemeClr val="accent6">
+                    <a:lumMod val="75000"/>
+                  </a:schemeClr>
+                </a:solidFill>
+                <a:latin typeface="Times New Roman" panose="02020603050405020304" pitchFamily="18" charset="0"/>
+                <a:cs typeface="Times New Roman" panose="02020603050405020304" pitchFamily="18" charset="0"/>
+              </a:rPr>
+              <a:t>Result</a:t>
+            </a:r>
+          </a:p>
+        </p:txBody>
+      </p:sp>
+      <p:sp>
+        <p:nvSpPr>
+          <p:cNvPr id="387" name="TextBox 386">
+            <a:extLst>
+              <a:ext uri="{FF2B5EF4-FFF2-40B4-BE49-F238E27FC236}">
+                <a16:creationId xmlns:a16="http://schemas.microsoft.com/office/drawing/2014/main" id="{56E1AD3F-5A0E-79DB-EB1D-82CD16538874}"/>
+              </a:ext>
+            </a:extLst>
+          </p:cNvPr>
+          <p:cNvSpPr txBox="1"/>
+          <p:nvPr/>
+        </p:nvSpPr>
+        <p:spPr>
+          <a:xfrm>
+            <a:off x="2872418" y="1532248"/>
+            <a:ext cx="1465119" cy="523220"/>
+          </a:xfrm>
+          <a:prstGeom prst="rect">
+            <a:avLst/>
+          </a:prstGeom>
+          <a:solidFill>
+            <a:schemeClr val="bg1">
+              <a:alpha val="71000"/>
+            </a:schemeClr>
+          </a:solidFill>
+        </p:spPr>
+        <p:txBody>
+          <a:bodyPr wrap="square" rtlCol="0">
+            <a:spAutoFit/>
+          </a:bodyPr>
+          <a:lstStyle/>
+          <a:p>
+            <a:r>
+              <a:rPr lang="en-US" sz="1400" dirty="0">
+                <a:solidFill>
+                  <a:schemeClr val="tx1">
+                    <a:lumMod val="65000"/>
+                    <a:lumOff val="35000"/>
+                  </a:schemeClr>
+                </a:solidFill>
+                <a:latin typeface="Times New Roman" panose="02020603050405020304" pitchFamily="18" charset="0"/>
+                <a:cs typeface="Times New Roman" panose="02020603050405020304" pitchFamily="18" charset="0"/>
+              </a:rPr>
+              <a:t>Receive </a:t>
+            </a:r>
+            <a:r>
+              <a:rPr lang="en-US" sz="1400" dirty="0">
+                <a:solidFill>
+                  <a:schemeClr val="accent2">
+                    <a:lumMod val="75000"/>
+                  </a:schemeClr>
+                </a:solidFill>
+                <a:latin typeface="Times New Roman" panose="02020603050405020304" pitchFamily="18" charset="0"/>
+                <a:cs typeface="Times New Roman" panose="02020603050405020304" pitchFamily="18" charset="0"/>
+              </a:rPr>
+              <a:t>Request</a:t>
+            </a:r>
+            <a:endParaRPr lang="en-US" sz="1400" dirty="0">
+              <a:solidFill>
+                <a:schemeClr val="tx1">
+                  <a:lumMod val="65000"/>
+                  <a:lumOff val="35000"/>
+                </a:schemeClr>
+              </a:solidFill>
+              <a:latin typeface="Times New Roman" panose="02020603050405020304" pitchFamily="18" charset="0"/>
+              <a:cs typeface="Times New Roman" panose="02020603050405020304" pitchFamily="18" charset="0"/>
+            </a:endParaRPr>
+          </a:p>
+          <a:p>
+            <a:r>
+              <a:rPr lang="en-US" sz="1400" dirty="0">
+                <a:solidFill>
+                  <a:schemeClr val="tx1">
+                    <a:lumMod val="65000"/>
+                    <a:lumOff val="35000"/>
+                  </a:schemeClr>
+                </a:solidFill>
+                <a:latin typeface="Times New Roman" panose="02020603050405020304" pitchFamily="18" charset="0"/>
+                <a:cs typeface="Times New Roman" panose="02020603050405020304" pitchFamily="18" charset="0"/>
+              </a:rPr>
+              <a:t>Send </a:t>
+            </a:r>
+            <a:r>
+              <a:rPr lang="en-US" sz="1400" dirty="0">
+                <a:solidFill>
+                  <a:schemeClr val="accent6">
+                    <a:lumMod val="75000"/>
+                  </a:schemeClr>
+                </a:solidFill>
+                <a:latin typeface="Times New Roman" panose="02020603050405020304" pitchFamily="18" charset="0"/>
+                <a:cs typeface="Times New Roman" panose="02020603050405020304" pitchFamily="18" charset="0"/>
+              </a:rPr>
+              <a:t>Result</a:t>
+            </a:r>
+            <a:endParaRPr lang="en-US" sz="1400" dirty="0">
+              <a:solidFill>
+                <a:schemeClr val="tx1">
+                  <a:lumMod val="65000"/>
+                  <a:lumOff val="35000"/>
+                </a:schemeClr>
+              </a:solidFill>
+              <a:latin typeface="Times New Roman" panose="02020603050405020304" pitchFamily="18" charset="0"/>
+              <a:cs typeface="Times New Roman" panose="02020603050405020304" pitchFamily="18" charset="0"/>
+            </a:endParaRPr>
+          </a:p>
+        </p:txBody>
+      </p:sp>
+      <p:grpSp>
+        <p:nvGrpSpPr>
+          <p:cNvPr id="392" name="Group 391">
+            <a:extLst>
+              <a:ext uri="{FF2B5EF4-FFF2-40B4-BE49-F238E27FC236}">
+                <a16:creationId xmlns:a16="http://schemas.microsoft.com/office/drawing/2014/main" id="{D42DE348-270F-B8D3-4168-F296356C7FF9}"/>
+              </a:ext>
+            </a:extLst>
+          </p:cNvPr>
+          <p:cNvGrpSpPr/>
+          <p:nvPr/>
+        </p:nvGrpSpPr>
+        <p:grpSpPr>
+          <a:xfrm>
+            <a:off x="7491046" y="542387"/>
+            <a:ext cx="3610708" cy="2933505"/>
+            <a:chOff x="8083062" y="208279"/>
+            <a:chExt cx="3610708" cy="2933505"/>
+          </a:xfrm>
+        </p:grpSpPr>
+        <p:sp>
+          <p:nvSpPr>
+            <p:cNvPr id="80" name="Rectangle 79">
+              <a:extLst>
+                <a:ext uri="{FF2B5EF4-FFF2-40B4-BE49-F238E27FC236}">
+                  <a16:creationId xmlns:a16="http://schemas.microsoft.com/office/drawing/2014/main" id="{45F3CFA6-4160-779F-7A12-80248F46B26A}"/>
+                </a:ext>
+              </a:extLst>
+            </p:cNvPr>
+            <p:cNvSpPr/>
+            <p:nvPr/>
+          </p:nvSpPr>
+          <p:spPr>
+            <a:xfrm>
+              <a:off x="10005001" y="287216"/>
+              <a:ext cx="1278461" cy="1389184"/>
+            </a:xfrm>
+            <a:prstGeom prst="rect">
+              <a:avLst/>
+            </a:prstGeom>
+            <a:noFill/>
+            <a:ln>
+              <a:solidFill>
+                <a:schemeClr val="bg1">
+                  <a:lumMod val="85000"/>
+                </a:schemeClr>
+              </a:solidFill>
+            </a:ln>
+          </p:spPr>
+          <p:style>
+            <a:lnRef idx="2">
+              <a:schemeClr val="accent1">
+                <a:shade val="15000"/>
+              </a:schemeClr>
+            </a:lnRef>
+            <a:fillRef idx="1">
+              <a:schemeClr val="accent1"/>
+            </a:fillRef>
+            <a:effectRef idx="0">
+              <a:schemeClr val="accent1"/>
+            </a:effectRef>
+            <a:fontRef idx="minor">
+              <a:schemeClr val="lt1"/>
+            </a:fontRef>
+          </p:style>
+          <p:txBody>
+            <a:bodyPr rtlCol="0" anchor="ctr"/>
+            <a:lstStyle/>
+            <a:p>
+              <a:pPr algn="ctr"/>
+              <a:endParaRPr lang="en-US"/>
+            </a:p>
+          </p:txBody>
+        </p:sp>
+        <p:grpSp>
+          <p:nvGrpSpPr>
+            <p:cNvPr id="109" name="Group 108">
+              <a:extLst>
+                <a:ext uri="{FF2B5EF4-FFF2-40B4-BE49-F238E27FC236}">
+                  <a16:creationId xmlns:a16="http://schemas.microsoft.com/office/drawing/2014/main" id="{3C59B76E-F547-8283-4BDB-4820E62F9545}"/>
+                </a:ext>
+              </a:extLst>
+            </p:cNvPr>
+            <p:cNvGrpSpPr/>
+            <p:nvPr/>
+          </p:nvGrpSpPr>
+          <p:grpSpPr>
+            <a:xfrm>
+              <a:off x="8182063" y="271555"/>
+              <a:ext cx="1753351" cy="1404845"/>
+              <a:chOff x="3046412" y="2264835"/>
+              <a:chExt cx="1753351" cy="1404845"/>
+            </a:xfrm>
+          </p:grpSpPr>
+          <p:sp>
+            <p:nvSpPr>
+              <p:cNvPr id="110" name="Rectangle 109">
+                <a:extLst>
+                  <a:ext uri="{FF2B5EF4-FFF2-40B4-BE49-F238E27FC236}">
+                    <a16:creationId xmlns:a16="http://schemas.microsoft.com/office/drawing/2014/main" id="{1F8B92C0-85C5-E001-114F-70F16A1F3E50}"/>
+                  </a:ext>
+                </a:extLst>
+              </p:cNvPr>
+              <p:cNvSpPr/>
+              <p:nvPr/>
+            </p:nvSpPr>
+            <p:spPr>
+              <a:xfrm>
+                <a:off x="3046412" y="2279390"/>
+                <a:ext cx="1753245" cy="1390290"/>
+              </a:xfrm>
+              <a:prstGeom prst="rect">
+                <a:avLst/>
+              </a:prstGeom>
+              <a:noFill/>
+              <a:ln>
+                <a:solidFill>
+                  <a:schemeClr val="bg1">
+                    <a:lumMod val="85000"/>
+                  </a:schemeClr>
+                </a:solidFill>
+              </a:ln>
+            </p:spPr>
+            <p:style>
+              <a:lnRef idx="2">
+                <a:schemeClr val="accent1">
+                  <a:shade val="15000"/>
+                </a:schemeClr>
+              </a:lnRef>
+              <a:fillRef idx="1">
+                <a:schemeClr val="accent1"/>
+              </a:fillRef>
+              <a:effectRef idx="0">
+                <a:schemeClr val="accent1"/>
+              </a:effectRef>
+              <a:fontRef idx="minor">
+                <a:schemeClr val="lt1"/>
+              </a:fontRef>
+            </p:style>
+            <p:txBody>
+              <a:bodyPr rtlCol="0" anchor="ctr"/>
+              <a:lstStyle/>
+              <a:p>
+                <a:pPr algn="ctr"/>
+                <a:endParaRPr lang="en-US"/>
+              </a:p>
+            </p:txBody>
+          </p:sp>
+          <p:sp>
+            <p:nvSpPr>
+              <p:cNvPr id="111" name="TextBox 110">
+                <a:extLst>
+                  <a:ext uri="{FF2B5EF4-FFF2-40B4-BE49-F238E27FC236}">
+                    <a16:creationId xmlns:a16="http://schemas.microsoft.com/office/drawing/2014/main" id="{BBA7F943-0407-E6DB-FD94-4FD6C254EB35}"/>
+                  </a:ext>
+                </a:extLst>
+              </p:cNvPr>
+              <p:cNvSpPr txBox="1"/>
+              <p:nvPr/>
+            </p:nvSpPr>
+            <p:spPr>
+              <a:xfrm>
+                <a:off x="3052233" y="2264835"/>
+                <a:ext cx="1747530" cy="307777"/>
+              </a:xfrm>
+              <a:prstGeom prst="rect">
+                <a:avLst/>
+              </a:prstGeom>
+              <a:noFill/>
+            </p:spPr>
+            <p:txBody>
+              <a:bodyPr wrap="none" rtlCol="0">
+                <a:spAutoFit/>
+              </a:bodyPr>
+              <a:lstStyle/>
+              <a:p>
+                <a:r>
+                  <a:rPr lang="en-US" sz="1400" dirty="0">
+                    <a:solidFill>
+                      <a:schemeClr val="tx1">
+                        <a:lumMod val="65000"/>
+                        <a:lumOff val="35000"/>
+                      </a:schemeClr>
+                    </a:solidFill>
+                    <a:latin typeface="Times New Roman" panose="02020603050405020304" pitchFamily="18" charset="0"/>
+                    <a:cs typeface="Times New Roman" panose="02020603050405020304" pitchFamily="18" charset="0"/>
+                  </a:rPr>
+                  <a:t>Background Thread 2</a:t>
+                </a:r>
+              </a:p>
+            </p:txBody>
+          </p:sp>
+        </p:grpSp>
+        <p:sp>
+          <p:nvSpPr>
+            <p:cNvPr id="112" name="Rectangle 111">
+              <a:extLst>
+                <a:ext uri="{FF2B5EF4-FFF2-40B4-BE49-F238E27FC236}">
+                  <a16:creationId xmlns:a16="http://schemas.microsoft.com/office/drawing/2014/main" id="{365E3C11-1F68-172B-2CAE-2F041A77599F}"/>
+                </a:ext>
+              </a:extLst>
+            </p:cNvPr>
+            <p:cNvSpPr/>
+            <p:nvPr/>
+          </p:nvSpPr>
+          <p:spPr>
+            <a:xfrm>
+              <a:off x="8083062" y="208279"/>
+              <a:ext cx="3317631" cy="2933505"/>
+            </a:xfrm>
+            <a:prstGeom prst="rect">
+              <a:avLst/>
+            </a:prstGeom>
+            <a:noFill/>
+            <a:ln>
+              <a:solidFill>
+                <a:schemeClr val="accent2">
+                  <a:lumMod val="75000"/>
+                </a:schemeClr>
+              </a:solidFill>
+              <a:prstDash val="dash"/>
+            </a:ln>
+          </p:spPr>
+          <p:style>
+            <a:lnRef idx="2">
+              <a:schemeClr val="accent1">
+                <a:shade val="15000"/>
+              </a:schemeClr>
+            </a:lnRef>
+            <a:fillRef idx="1">
+              <a:schemeClr val="accent1"/>
+            </a:fillRef>
+            <a:effectRef idx="0">
+              <a:schemeClr val="accent1"/>
+            </a:effectRef>
+            <a:fontRef idx="minor">
+              <a:schemeClr val="lt1"/>
+            </a:fontRef>
+          </p:style>
+          <p:txBody>
+            <a:bodyPr rtlCol="0" anchor="ctr"/>
+            <a:lstStyle/>
+            <a:p>
+              <a:pPr algn="ctr"/>
+              <a:endParaRPr lang="en-US" dirty="0"/>
+            </a:p>
+          </p:txBody>
+        </p:sp>
+        <p:sp>
+          <p:nvSpPr>
+            <p:cNvPr id="113" name="TextBox 112">
+              <a:extLst>
+                <a:ext uri="{FF2B5EF4-FFF2-40B4-BE49-F238E27FC236}">
+                  <a16:creationId xmlns:a16="http://schemas.microsoft.com/office/drawing/2014/main" id="{420BAFEC-CEF7-4DDA-24AC-0B170A29F8E6}"/>
+                </a:ext>
+              </a:extLst>
+            </p:cNvPr>
+            <p:cNvSpPr txBox="1"/>
+            <p:nvPr/>
+          </p:nvSpPr>
+          <p:spPr>
+            <a:xfrm>
+              <a:off x="9377128" y="2787785"/>
+              <a:ext cx="2316642" cy="338554"/>
+            </a:xfrm>
+            <a:prstGeom prst="rect">
+              <a:avLst/>
+            </a:prstGeom>
+            <a:noFill/>
+          </p:spPr>
+          <p:txBody>
+            <a:bodyPr wrap="square" rtlCol="0">
+              <a:spAutoFit/>
+            </a:bodyPr>
+            <a:lstStyle/>
+            <a:p>
+              <a:r>
+                <a:rPr lang="en-US" sz="1600" dirty="0">
+                  <a:solidFill>
+                    <a:schemeClr val="accent2">
+                      <a:lumMod val="75000"/>
+                    </a:schemeClr>
+                  </a:solidFill>
+                  <a:latin typeface="Times New Roman" panose="02020603050405020304" pitchFamily="18" charset="0"/>
+                  <a:cs typeface="Times New Roman" panose="02020603050405020304" pitchFamily="18" charset="0"/>
+                </a:rPr>
+                <a:t>Computation Node #2</a:t>
+              </a:r>
+            </a:p>
+          </p:txBody>
+        </p:sp>
+        <p:sp>
+          <p:nvSpPr>
+            <p:cNvPr id="151" name="TextBox 150">
+              <a:extLst>
+                <a:ext uri="{FF2B5EF4-FFF2-40B4-BE49-F238E27FC236}">
+                  <a16:creationId xmlns:a16="http://schemas.microsoft.com/office/drawing/2014/main" id="{AA65A71C-8F15-BE5C-4D29-A6FA76E7B2A5}"/>
+                </a:ext>
+              </a:extLst>
+            </p:cNvPr>
+            <p:cNvSpPr txBox="1"/>
+            <p:nvPr/>
+          </p:nvSpPr>
+          <p:spPr>
+            <a:xfrm>
+              <a:off x="10004963" y="289141"/>
+              <a:ext cx="848309" cy="307777"/>
+            </a:xfrm>
+            <a:prstGeom prst="rect">
+              <a:avLst/>
+            </a:prstGeom>
+            <a:noFill/>
+          </p:spPr>
+          <p:txBody>
+            <a:bodyPr wrap="none" rtlCol="0">
+              <a:spAutoFit/>
+            </a:bodyPr>
+            <a:lstStyle/>
+            <a:p>
+              <a:r>
+                <a:rPr lang="en-US" sz="1400" dirty="0">
+                  <a:solidFill>
+                    <a:schemeClr val="tx1">
+                      <a:lumMod val="65000"/>
+                      <a:lumOff val="35000"/>
+                    </a:schemeClr>
+                  </a:solidFill>
+                  <a:latin typeface="Times New Roman" panose="02020603050405020304" pitchFamily="18" charset="0"/>
+                  <a:cs typeface="Times New Roman" panose="02020603050405020304" pitchFamily="18" charset="0"/>
+                </a:rPr>
+                <a:t>Client #2</a:t>
+              </a:r>
+            </a:p>
+          </p:txBody>
+        </p:sp>
+        <p:cxnSp>
+          <p:nvCxnSpPr>
+            <p:cNvPr id="187" name="Straight Arrow Connector 186">
+              <a:extLst>
+                <a:ext uri="{FF2B5EF4-FFF2-40B4-BE49-F238E27FC236}">
+                  <a16:creationId xmlns:a16="http://schemas.microsoft.com/office/drawing/2014/main" id="{AF886735-F3C1-2805-90CF-E55F55C62431}"/>
+                </a:ext>
+              </a:extLst>
+            </p:cNvPr>
+            <p:cNvCxnSpPr>
+              <a:cxnSpLocks/>
+              <a:stCxn id="388" idx="2"/>
+              <a:endCxn id="345" idx="0"/>
+            </p:cNvCxnSpPr>
+            <p:nvPr/>
+          </p:nvCxnSpPr>
+          <p:spPr>
+            <a:xfrm>
+              <a:off x="9062072" y="1513338"/>
+              <a:ext cx="688599" cy="485446"/>
+            </a:xfrm>
+            <a:prstGeom prst="straightConnector1">
+              <a:avLst/>
+            </a:prstGeom>
+            <a:ln w="19050">
+              <a:solidFill>
+                <a:schemeClr val="accent2">
+                  <a:lumMod val="75000"/>
+                </a:schemeClr>
+              </a:solidFill>
+              <a:prstDash val="solid"/>
+              <a:tailEnd type="triangle"/>
+            </a:ln>
+          </p:spPr>
+          <p:style>
+            <a:lnRef idx="1">
+              <a:schemeClr val="accent1"/>
+            </a:lnRef>
+            <a:fillRef idx="0">
+              <a:schemeClr val="accent1"/>
+            </a:fillRef>
+            <a:effectRef idx="0">
+              <a:schemeClr val="accent1"/>
+            </a:effectRef>
+            <a:fontRef idx="minor">
+              <a:schemeClr val="tx1"/>
+            </a:fontRef>
+          </p:style>
+        </p:cxnSp>
+        <p:cxnSp>
+          <p:nvCxnSpPr>
+            <p:cNvPr id="291" name="Straight Arrow Connector 290">
+              <a:extLst>
+                <a:ext uri="{FF2B5EF4-FFF2-40B4-BE49-F238E27FC236}">
+                  <a16:creationId xmlns:a16="http://schemas.microsoft.com/office/drawing/2014/main" id="{A4A8A0BF-BDE3-71A3-4FC0-D72DFDD49FF9}"/>
+                </a:ext>
+              </a:extLst>
+            </p:cNvPr>
+            <p:cNvCxnSpPr>
+              <a:cxnSpLocks/>
+              <a:stCxn id="80" idx="2"/>
+              <a:endCxn id="345" idx="0"/>
+            </p:cNvCxnSpPr>
+            <p:nvPr/>
+          </p:nvCxnSpPr>
+          <p:spPr>
+            <a:xfrm flipH="1">
+              <a:off x="9750671" y="1676400"/>
+              <a:ext cx="893561" cy="322384"/>
+            </a:xfrm>
+            <a:prstGeom prst="straightConnector1">
+              <a:avLst/>
+            </a:prstGeom>
+            <a:ln w="19050">
+              <a:solidFill>
+                <a:schemeClr val="tx1">
+                  <a:lumMod val="65000"/>
+                  <a:lumOff val="35000"/>
+                </a:schemeClr>
+              </a:solidFill>
+              <a:tailEnd type="triangle"/>
+            </a:ln>
+          </p:spPr>
+          <p:style>
+            <a:lnRef idx="1">
+              <a:schemeClr val="accent1"/>
+            </a:lnRef>
+            <a:fillRef idx="0">
+              <a:schemeClr val="accent1"/>
+            </a:fillRef>
+            <a:effectRef idx="0">
+              <a:schemeClr val="accent1"/>
+            </a:effectRef>
+            <a:fontRef idx="minor">
+              <a:schemeClr val="tx1"/>
+            </a:fontRef>
+          </p:style>
+        </p:cxnSp>
+        <p:grpSp>
+          <p:nvGrpSpPr>
+            <p:cNvPr id="348" name="Group 347">
+              <a:extLst>
+                <a:ext uri="{FF2B5EF4-FFF2-40B4-BE49-F238E27FC236}">
+                  <a16:creationId xmlns:a16="http://schemas.microsoft.com/office/drawing/2014/main" id="{30707652-E731-5713-4B9D-77AA1440B3C4}"/>
+                </a:ext>
+              </a:extLst>
+            </p:cNvPr>
+            <p:cNvGrpSpPr/>
+            <p:nvPr/>
+          </p:nvGrpSpPr>
+          <p:grpSpPr>
+            <a:xfrm>
+              <a:off x="8575433" y="1998784"/>
+              <a:ext cx="2350476" cy="744415"/>
+              <a:chOff x="8528540" y="1852246"/>
+              <a:chExt cx="2350476" cy="744415"/>
+            </a:xfrm>
+          </p:grpSpPr>
+          <p:grpSp>
+            <p:nvGrpSpPr>
+              <p:cNvPr id="114" name="Group 113">
+                <a:extLst>
+                  <a:ext uri="{FF2B5EF4-FFF2-40B4-BE49-F238E27FC236}">
+                    <a16:creationId xmlns:a16="http://schemas.microsoft.com/office/drawing/2014/main" id="{383CA39C-3583-031C-A08A-13A89463E952}"/>
+                  </a:ext>
+                </a:extLst>
+              </p:cNvPr>
+              <p:cNvGrpSpPr/>
+              <p:nvPr/>
+            </p:nvGrpSpPr>
+            <p:grpSpPr>
+              <a:xfrm>
+                <a:off x="8969792" y="1928967"/>
+                <a:ext cx="1709934" cy="603109"/>
+                <a:chOff x="7475097" y="3476414"/>
+                <a:chExt cx="4498041" cy="1586498"/>
+              </a:xfrm>
+            </p:grpSpPr>
+            <p:grpSp>
+              <p:nvGrpSpPr>
+                <p:cNvPr id="54" name="Group 53">
+                  <a:extLst>
+                    <a:ext uri="{FF2B5EF4-FFF2-40B4-BE49-F238E27FC236}">
+                      <a16:creationId xmlns:a16="http://schemas.microsoft.com/office/drawing/2014/main" id="{E6ED9D95-61F7-E5C1-D11C-88A3EC8D93BC}"/>
+                    </a:ext>
+                  </a:extLst>
+                </p:cNvPr>
+                <p:cNvGrpSpPr/>
+                <p:nvPr/>
+              </p:nvGrpSpPr>
+              <p:grpSpPr>
+                <a:xfrm>
+                  <a:off x="8695599" y="3476414"/>
+                  <a:ext cx="1270937" cy="479320"/>
+                  <a:chOff x="4346338" y="2696829"/>
+                  <a:chExt cx="1270937" cy="479320"/>
+                </a:xfrm>
+              </p:grpSpPr>
+              <p:sp>
+                <p:nvSpPr>
+                  <p:cNvPr id="56" name="Rectangle 55">
+                    <a:extLst>
+                      <a:ext uri="{FF2B5EF4-FFF2-40B4-BE49-F238E27FC236}">
+                        <a16:creationId xmlns:a16="http://schemas.microsoft.com/office/drawing/2014/main" id="{266BC88B-CDD5-1654-16A5-8ABE43101925}"/>
+                      </a:ext>
+                    </a:extLst>
+                  </p:cNvPr>
+                  <p:cNvSpPr/>
+                  <p:nvPr/>
+                </p:nvSpPr>
+                <p:spPr>
+                  <a:xfrm>
+                    <a:off x="4387784" y="2736068"/>
+                    <a:ext cx="398585" cy="398585"/>
+                  </a:xfrm>
+                  <a:prstGeom prst="rect">
+                    <a:avLst/>
+                  </a:prstGeom>
+                  <a:noFill/>
+                  <a:ln>
+                    <a:solidFill>
+                      <a:schemeClr val="tx1">
+                        <a:lumMod val="50000"/>
+                        <a:lumOff val="50000"/>
+                      </a:schemeClr>
+                    </a:solidFill>
+                  </a:ln>
+                </p:spPr>
+                <p:style>
+                  <a:lnRef idx="2">
+                    <a:schemeClr val="accent1">
+                      <a:shade val="15000"/>
+                    </a:schemeClr>
+                  </a:lnRef>
+                  <a:fillRef idx="1">
+                    <a:schemeClr val="accent1"/>
+                  </a:fillRef>
+                  <a:effectRef idx="0">
+                    <a:schemeClr val="accent1"/>
+                  </a:effectRef>
+                  <a:fontRef idx="minor">
+                    <a:schemeClr val="lt1"/>
+                  </a:fontRef>
+                </p:style>
+                <p:txBody>
+                  <a:bodyPr rtlCol="0" anchor="ctr"/>
+                  <a:lstStyle/>
+                  <a:p>
+                    <a:pPr algn="ctr"/>
+                    <a:endParaRPr lang="en-US" dirty="0">
+                      <a:solidFill>
+                        <a:schemeClr val="bg2">
+                          <a:lumMod val="25000"/>
+                        </a:schemeClr>
+                      </a:solidFill>
+                    </a:endParaRPr>
+                  </a:p>
+                </p:txBody>
+              </p:sp>
+              <p:sp>
+                <p:nvSpPr>
+                  <p:cNvPr id="57" name="Rectangle 56">
+                    <a:extLst>
+                      <a:ext uri="{FF2B5EF4-FFF2-40B4-BE49-F238E27FC236}">
+                        <a16:creationId xmlns:a16="http://schemas.microsoft.com/office/drawing/2014/main" id="{52D2F9BB-BFF8-69BD-C35D-88A0E05462D3}"/>
+                      </a:ext>
+                    </a:extLst>
+                  </p:cNvPr>
+                  <p:cNvSpPr/>
+                  <p:nvPr/>
+                </p:nvSpPr>
+                <p:spPr>
+                  <a:xfrm>
+                    <a:off x="4790113" y="2736068"/>
+                    <a:ext cx="398585" cy="398585"/>
+                  </a:xfrm>
+                  <a:prstGeom prst="rect">
+                    <a:avLst/>
+                  </a:prstGeom>
+                  <a:noFill/>
+                  <a:ln>
+                    <a:solidFill>
+                      <a:schemeClr val="tx1">
+                        <a:lumMod val="50000"/>
+                        <a:lumOff val="50000"/>
+                      </a:schemeClr>
+                    </a:solidFill>
+                  </a:ln>
+                </p:spPr>
+                <p:style>
+                  <a:lnRef idx="2">
+                    <a:schemeClr val="accent1">
+                      <a:shade val="15000"/>
+                    </a:schemeClr>
+                  </a:lnRef>
+                  <a:fillRef idx="1">
+                    <a:schemeClr val="accent1"/>
+                  </a:fillRef>
+                  <a:effectRef idx="0">
+                    <a:schemeClr val="accent1"/>
+                  </a:effectRef>
+                  <a:fontRef idx="minor">
+                    <a:schemeClr val="lt1"/>
+                  </a:fontRef>
+                </p:style>
+                <p:txBody>
+                  <a:bodyPr rtlCol="0" anchor="ctr"/>
+                  <a:lstStyle/>
+                  <a:p>
+                    <a:pPr algn="r"/>
+                    <a:endParaRPr lang="en-US" i="1" dirty="0">
+                      <a:solidFill>
+                        <a:schemeClr val="tx1">
+                          <a:lumMod val="75000"/>
+                          <a:lumOff val="25000"/>
+                        </a:schemeClr>
+                      </a:solidFill>
+                      <a:latin typeface="Cambria Math" panose="02040503050406030204" pitchFamily="18" charset="0"/>
+                    </a:endParaRPr>
+                  </a:p>
+                </p:txBody>
+              </p:sp>
+              <p:sp>
+                <p:nvSpPr>
+                  <p:cNvPr id="58" name="Rectangle 57">
+                    <a:extLst>
+                      <a:ext uri="{FF2B5EF4-FFF2-40B4-BE49-F238E27FC236}">
+                        <a16:creationId xmlns:a16="http://schemas.microsoft.com/office/drawing/2014/main" id="{3358EDFC-E43D-E897-3490-95436BE6E384}"/>
+                      </a:ext>
+                    </a:extLst>
+                  </p:cNvPr>
+                  <p:cNvSpPr/>
+                  <p:nvPr/>
+                </p:nvSpPr>
+                <p:spPr>
+                  <a:xfrm>
+                    <a:off x="5185768" y="2736068"/>
+                    <a:ext cx="398585" cy="398585"/>
+                  </a:xfrm>
+                  <a:prstGeom prst="rect">
+                    <a:avLst/>
+                  </a:prstGeom>
+                  <a:noFill/>
+                  <a:ln>
+                    <a:solidFill>
+                      <a:schemeClr val="tx1">
+                        <a:lumMod val="50000"/>
+                        <a:lumOff val="50000"/>
+                      </a:schemeClr>
+                    </a:solidFill>
+                  </a:ln>
+                </p:spPr>
+                <p:style>
+                  <a:lnRef idx="2">
+                    <a:schemeClr val="accent1">
+                      <a:shade val="15000"/>
+                    </a:schemeClr>
+                  </a:lnRef>
+                  <a:fillRef idx="1">
+                    <a:schemeClr val="accent1"/>
+                  </a:fillRef>
+                  <a:effectRef idx="0">
+                    <a:schemeClr val="accent1"/>
+                  </a:effectRef>
+                  <a:fontRef idx="minor">
+                    <a:schemeClr val="lt1"/>
+                  </a:fontRef>
+                </p:style>
+                <p:txBody>
+                  <a:bodyPr rtlCol="0" anchor="ctr"/>
+                  <a:lstStyle/>
+                  <a:p>
+                    <a:pPr algn="r"/>
+                    <a:endParaRPr lang="en-US" dirty="0">
+                      <a:solidFill>
+                        <a:schemeClr val="bg2">
+                          <a:lumMod val="25000"/>
+                        </a:schemeClr>
+                      </a:solidFill>
+                    </a:endParaRPr>
+                  </a:p>
+                </p:txBody>
+              </p:sp>
+              <p:sp>
+                <p:nvSpPr>
+                  <p:cNvPr id="59" name="Rectangle 58">
+                    <a:extLst>
+                      <a:ext uri="{FF2B5EF4-FFF2-40B4-BE49-F238E27FC236}">
+                        <a16:creationId xmlns:a16="http://schemas.microsoft.com/office/drawing/2014/main" id="{BB146006-AB22-16B5-2E63-BCABEA93A92A}"/>
+                      </a:ext>
+                    </a:extLst>
+                  </p:cNvPr>
+                  <p:cNvSpPr/>
+                  <p:nvPr/>
+                </p:nvSpPr>
+                <p:spPr>
+                  <a:xfrm>
+                    <a:off x="4346338" y="2696829"/>
+                    <a:ext cx="1270937" cy="479320"/>
+                  </a:xfrm>
+                  <a:prstGeom prst="rect">
+                    <a:avLst/>
+                  </a:prstGeom>
+                  <a:noFill/>
+                  <a:ln>
+                    <a:solidFill>
+                      <a:schemeClr val="bg1">
+                        <a:lumMod val="85000"/>
+                      </a:schemeClr>
+                    </a:solidFill>
+                  </a:ln>
+                </p:spPr>
+                <p:style>
+                  <a:lnRef idx="2">
+                    <a:schemeClr val="accent1">
+                      <a:shade val="15000"/>
+                    </a:schemeClr>
+                  </a:lnRef>
+                  <a:fillRef idx="1">
+                    <a:schemeClr val="accent1"/>
+                  </a:fillRef>
+                  <a:effectRef idx="0">
+                    <a:schemeClr val="accent1"/>
+                  </a:effectRef>
+                  <a:fontRef idx="minor">
+                    <a:schemeClr val="lt1"/>
+                  </a:fontRef>
+                </p:style>
+                <p:txBody>
+                  <a:bodyPr rtlCol="0" anchor="ctr"/>
+                  <a:lstStyle/>
+                  <a:p>
+                    <a:pPr algn="ctr"/>
+                    <a:endParaRPr lang="en-US"/>
+                  </a:p>
+                </p:txBody>
+              </p:sp>
+            </p:grpSp>
+            <p:grpSp>
+              <p:nvGrpSpPr>
+                <p:cNvPr id="61" name="Group 60">
+                  <a:extLst>
+                    <a:ext uri="{FF2B5EF4-FFF2-40B4-BE49-F238E27FC236}">
+                      <a16:creationId xmlns:a16="http://schemas.microsoft.com/office/drawing/2014/main" id="{4312C82E-252A-7AB9-41C3-23507130D652}"/>
+                    </a:ext>
+                  </a:extLst>
+                </p:cNvPr>
+                <p:cNvGrpSpPr/>
+                <p:nvPr/>
+              </p:nvGrpSpPr>
+              <p:grpSpPr>
+                <a:xfrm>
+                  <a:off x="7475097" y="4583592"/>
+                  <a:ext cx="1297639" cy="479320"/>
+                  <a:chOff x="4316412" y="2065444"/>
+                  <a:chExt cx="1297639" cy="479320"/>
+                </a:xfrm>
+              </p:grpSpPr>
+              <p:sp>
+                <p:nvSpPr>
+                  <p:cNvPr id="68" name="Rectangle 67">
+                    <a:extLst>
+                      <a:ext uri="{FF2B5EF4-FFF2-40B4-BE49-F238E27FC236}">
+                        <a16:creationId xmlns:a16="http://schemas.microsoft.com/office/drawing/2014/main" id="{2CF91383-D0F5-B641-D6F9-E0DB2D2436ED}"/>
+                      </a:ext>
+                    </a:extLst>
+                  </p:cNvPr>
+                  <p:cNvSpPr/>
+                  <p:nvPr/>
+                </p:nvSpPr>
+                <p:spPr>
+                  <a:xfrm>
+                    <a:off x="4357858" y="2104683"/>
+                    <a:ext cx="398585" cy="398585"/>
+                  </a:xfrm>
+                  <a:prstGeom prst="rect">
+                    <a:avLst/>
+                  </a:prstGeom>
+                  <a:noFill/>
+                  <a:ln>
+                    <a:solidFill>
+                      <a:schemeClr val="tx1">
+                        <a:lumMod val="50000"/>
+                        <a:lumOff val="50000"/>
+                      </a:schemeClr>
+                    </a:solidFill>
+                  </a:ln>
+                </p:spPr>
+                <p:style>
+                  <a:lnRef idx="2">
+                    <a:schemeClr val="accent1">
+                      <a:shade val="15000"/>
+                    </a:schemeClr>
+                  </a:lnRef>
+                  <a:fillRef idx="1">
+                    <a:schemeClr val="accent1"/>
+                  </a:fillRef>
+                  <a:effectRef idx="0">
+                    <a:schemeClr val="accent1"/>
+                  </a:effectRef>
+                  <a:fontRef idx="minor">
+                    <a:schemeClr val="lt1"/>
+                  </a:fontRef>
+                </p:style>
+                <p:txBody>
+                  <a:bodyPr rtlCol="0" anchor="ctr"/>
+                  <a:lstStyle/>
+                  <a:p>
+                    <a:pPr algn="r"/>
+                    <a:endParaRPr lang="en-US" dirty="0">
+                      <a:solidFill>
+                        <a:schemeClr val="tx1">
+                          <a:lumMod val="75000"/>
+                          <a:lumOff val="25000"/>
+                        </a:schemeClr>
+                      </a:solidFill>
+                    </a:endParaRPr>
+                  </a:p>
+                </p:txBody>
+              </p:sp>
+              <p:sp>
+                <p:nvSpPr>
+                  <p:cNvPr id="70" name="Rectangle 69">
+                    <a:extLst>
+                      <a:ext uri="{FF2B5EF4-FFF2-40B4-BE49-F238E27FC236}">
+                        <a16:creationId xmlns:a16="http://schemas.microsoft.com/office/drawing/2014/main" id="{3CB42BF0-0460-B437-400E-F36746E28FC8}"/>
+                      </a:ext>
+                    </a:extLst>
+                  </p:cNvPr>
+                  <p:cNvSpPr/>
+                  <p:nvPr/>
+                </p:nvSpPr>
+                <p:spPr>
+                  <a:xfrm>
+                    <a:off x="4760187" y="2104683"/>
+                    <a:ext cx="398585" cy="398585"/>
+                  </a:xfrm>
+                  <a:prstGeom prst="rect">
+                    <a:avLst/>
+                  </a:prstGeom>
+                  <a:noFill/>
+                  <a:ln>
+                    <a:solidFill>
+                      <a:schemeClr val="tx1">
+                        <a:lumMod val="50000"/>
+                        <a:lumOff val="50000"/>
+                      </a:schemeClr>
+                    </a:solidFill>
+                  </a:ln>
+                </p:spPr>
+                <p:style>
+                  <a:lnRef idx="2">
+                    <a:schemeClr val="accent1">
+                      <a:shade val="15000"/>
+                    </a:schemeClr>
+                  </a:lnRef>
+                  <a:fillRef idx="1">
+                    <a:schemeClr val="accent1"/>
+                  </a:fillRef>
+                  <a:effectRef idx="0">
+                    <a:schemeClr val="accent1"/>
+                  </a:effectRef>
+                  <a:fontRef idx="minor">
+                    <a:schemeClr val="lt1"/>
+                  </a:fontRef>
+                </p:style>
+                <p:txBody>
+                  <a:bodyPr rtlCol="0" anchor="ctr"/>
+                  <a:lstStyle/>
+                  <a:p>
+                    <a:pPr algn="ctr"/>
+                    <a:endParaRPr lang="en-US" dirty="0">
+                      <a:solidFill>
+                        <a:schemeClr val="tx1">
+                          <a:lumMod val="75000"/>
+                          <a:lumOff val="25000"/>
+                        </a:schemeClr>
+                      </a:solidFill>
+                    </a:endParaRPr>
+                  </a:p>
+                </p:txBody>
+              </p:sp>
+              <p:sp>
+                <p:nvSpPr>
+                  <p:cNvPr id="71" name="Rectangle 70">
+                    <a:extLst>
+                      <a:ext uri="{FF2B5EF4-FFF2-40B4-BE49-F238E27FC236}">
+                        <a16:creationId xmlns:a16="http://schemas.microsoft.com/office/drawing/2014/main" id="{F98333DC-CC73-2AFB-2C2C-DC4DEAC4F52F}"/>
+                      </a:ext>
+                    </a:extLst>
+                  </p:cNvPr>
+                  <p:cNvSpPr/>
+                  <p:nvPr/>
+                </p:nvSpPr>
+                <p:spPr>
+                  <a:xfrm>
+                    <a:off x="5155842" y="2104683"/>
+                    <a:ext cx="398585" cy="398585"/>
+                  </a:xfrm>
+                  <a:prstGeom prst="rect">
+                    <a:avLst/>
+                  </a:prstGeom>
+                  <a:noFill/>
+                  <a:ln>
+                    <a:solidFill>
+                      <a:schemeClr val="tx1">
+                        <a:lumMod val="50000"/>
+                        <a:lumOff val="50000"/>
+                      </a:schemeClr>
+                    </a:solidFill>
+                  </a:ln>
+                </p:spPr>
+                <p:style>
+                  <a:lnRef idx="2">
+                    <a:schemeClr val="accent1">
+                      <a:shade val="15000"/>
+                    </a:schemeClr>
+                  </a:lnRef>
+                  <a:fillRef idx="1">
+                    <a:schemeClr val="accent1"/>
+                  </a:fillRef>
+                  <a:effectRef idx="0">
+                    <a:schemeClr val="accent1"/>
+                  </a:effectRef>
+                  <a:fontRef idx="minor">
+                    <a:schemeClr val="lt1"/>
+                  </a:fontRef>
+                </p:style>
+                <p:txBody>
+                  <a:bodyPr rtlCol="0" anchor="ctr"/>
+                  <a:lstStyle/>
+                  <a:p>
+                    <a:pPr algn="r"/>
+                    <a:endParaRPr lang="en-US" dirty="0">
+                      <a:solidFill>
+                        <a:schemeClr val="tx1">
+                          <a:lumMod val="75000"/>
+                          <a:lumOff val="25000"/>
+                        </a:schemeClr>
+                      </a:solidFill>
+                    </a:endParaRPr>
+                  </a:p>
+                </p:txBody>
+              </p:sp>
+              <p:sp>
+                <p:nvSpPr>
+                  <p:cNvPr id="72" name="Rectangle 71">
+                    <a:extLst>
+                      <a:ext uri="{FF2B5EF4-FFF2-40B4-BE49-F238E27FC236}">
+                        <a16:creationId xmlns:a16="http://schemas.microsoft.com/office/drawing/2014/main" id="{409AD0D8-2EB0-A4BE-381A-0AE0213B1AB2}"/>
+                      </a:ext>
+                    </a:extLst>
+                  </p:cNvPr>
+                  <p:cNvSpPr/>
+                  <p:nvPr/>
+                </p:nvSpPr>
+                <p:spPr>
+                  <a:xfrm>
+                    <a:off x="4316412" y="2065444"/>
+                    <a:ext cx="1297639" cy="479320"/>
+                  </a:xfrm>
+                  <a:prstGeom prst="rect">
+                    <a:avLst/>
+                  </a:prstGeom>
+                  <a:noFill/>
+                  <a:ln>
+                    <a:solidFill>
+                      <a:schemeClr val="bg1">
+                        <a:lumMod val="85000"/>
+                      </a:schemeClr>
+                    </a:solidFill>
+                  </a:ln>
+                </p:spPr>
+                <p:style>
+                  <a:lnRef idx="2">
+                    <a:schemeClr val="accent1">
+                      <a:shade val="15000"/>
+                    </a:schemeClr>
+                  </a:lnRef>
+                  <a:fillRef idx="1">
+                    <a:schemeClr val="accent1"/>
+                  </a:fillRef>
+                  <a:effectRef idx="0">
+                    <a:schemeClr val="accent1"/>
+                  </a:effectRef>
+                  <a:fontRef idx="minor">
+                    <a:schemeClr val="lt1"/>
+                  </a:fontRef>
+                </p:style>
+                <p:txBody>
+                  <a:bodyPr rtlCol="0" anchor="ctr"/>
+                  <a:lstStyle/>
+                  <a:p>
+                    <a:pPr algn="ctr"/>
+                    <a:endParaRPr lang="en-US">
+                      <a:solidFill>
+                        <a:schemeClr val="tx1">
+                          <a:lumMod val="75000"/>
+                          <a:lumOff val="25000"/>
+                        </a:schemeClr>
+                      </a:solidFill>
+                    </a:endParaRPr>
+                  </a:p>
+                </p:txBody>
+              </p:sp>
+            </p:grpSp>
+            <p:grpSp>
+              <p:nvGrpSpPr>
+                <p:cNvPr id="73" name="Group 72">
+                  <a:extLst>
+                    <a:ext uri="{FF2B5EF4-FFF2-40B4-BE49-F238E27FC236}">
+                      <a16:creationId xmlns:a16="http://schemas.microsoft.com/office/drawing/2014/main" id="{973D2B72-36F3-5DC9-D298-50FA898B1B57}"/>
+                    </a:ext>
+                  </a:extLst>
+                </p:cNvPr>
+                <p:cNvGrpSpPr/>
+                <p:nvPr/>
+              </p:nvGrpSpPr>
+              <p:grpSpPr>
+                <a:xfrm>
+                  <a:off x="9091579" y="4583592"/>
+                  <a:ext cx="1289825" cy="479320"/>
+                  <a:chOff x="4316412" y="2065444"/>
+                  <a:chExt cx="1289825" cy="479320"/>
+                </a:xfrm>
+              </p:grpSpPr>
+              <p:sp>
+                <p:nvSpPr>
+                  <p:cNvPr id="74" name="Rectangle 73">
+                    <a:extLst>
+                      <a:ext uri="{FF2B5EF4-FFF2-40B4-BE49-F238E27FC236}">
+                        <a16:creationId xmlns:a16="http://schemas.microsoft.com/office/drawing/2014/main" id="{092518D7-6B6B-5BE4-E604-5E13D1923057}"/>
+                      </a:ext>
+                    </a:extLst>
+                  </p:cNvPr>
+                  <p:cNvSpPr/>
+                  <p:nvPr/>
+                </p:nvSpPr>
+                <p:spPr>
+                  <a:xfrm>
+                    <a:off x="4357858" y="2104683"/>
+                    <a:ext cx="398585" cy="398585"/>
+                  </a:xfrm>
+                  <a:prstGeom prst="rect">
+                    <a:avLst/>
+                  </a:prstGeom>
+                  <a:noFill/>
+                  <a:ln>
+                    <a:solidFill>
+                      <a:schemeClr val="tx1">
+                        <a:lumMod val="50000"/>
+                        <a:lumOff val="50000"/>
+                      </a:schemeClr>
+                    </a:solidFill>
+                  </a:ln>
+                </p:spPr>
+                <p:style>
+                  <a:lnRef idx="2">
+                    <a:schemeClr val="accent1">
+                      <a:shade val="15000"/>
+                    </a:schemeClr>
+                  </a:lnRef>
+                  <a:fillRef idx="1">
+                    <a:schemeClr val="accent1"/>
+                  </a:fillRef>
+                  <a:effectRef idx="0">
+                    <a:schemeClr val="accent1"/>
+                  </a:effectRef>
+                  <a:fontRef idx="minor">
+                    <a:schemeClr val="lt1"/>
+                  </a:fontRef>
+                </p:style>
+                <p:txBody>
+                  <a:bodyPr rtlCol="0" anchor="ctr"/>
+                  <a:lstStyle/>
+                  <a:p>
+                    <a:pPr algn="r"/>
+                    <a:endParaRPr lang="en-US" dirty="0">
+                      <a:solidFill>
+                        <a:schemeClr val="tx1">
+                          <a:lumMod val="75000"/>
+                          <a:lumOff val="25000"/>
+                        </a:schemeClr>
+                      </a:solidFill>
+                    </a:endParaRPr>
+                  </a:p>
+                </p:txBody>
+              </p:sp>
+              <p:sp>
+                <p:nvSpPr>
+                  <p:cNvPr id="75" name="Rectangle 74">
+                    <a:extLst>
+                      <a:ext uri="{FF2B5EF4-FFF2-40B4-BE49-F238E27FC236}">
+                        <a16:creationId xmlns:a16="http://schemas.microsoft.com/office/drawing/2014/main" id="{BBE6F6C5-BE5E-8543-E2D9-7BEA3B5FB877}"/>
+                      </a:ext>
+                    </a:extLst>
+                  </p:cNvPr>
+                  <p:cNvSpPr/>
+                  <p:nvPr/>
+                </p:nvSpPr>
+                <p:spPr>
+                  <a:xfrm>
+                    <a:off x="4760187" y="2104683"/>
+                    <a:ext cx="398585" cy="398585"/>
+                  </a:xfrm>
+                  <a:prstGeom prst="rect">
+                    <a:avLst/>
+                  </a:prstGeom>
+                  <a:noFill/>
+                  <a:ln>
+                    <a:solidFill>
+                      <a:schemeClr val="tx1">
+                        <a:lumMod val="50000"/>
+                        <a:lumOff val="50000"/>
+                      </a:schemeClr>
+                    </a:solidFill>
+                  </a:ln>
+                </p:spPr>
+                <p:style>
+                  <a:lnRef idx="2">
+                    <a:schemeClr val="accent1">
+                      <a:shade val="15000"/>
+                    </a:schemeClr>
+                  </a:lnRef>
+                  <a:fillRef idx="1">
+                    <a:schemeClr val="accent1"/>
+                  </a:fillRef>
+                  <a:effectRef idx="0">
+                    <a:schemeClr val="accent1"/>
+                  </a:effectRef>
+                  <a:fontRef idx="minor">
+                    <a:schemeClr val="lt1"/>
+                  </a:fontRef>
+                </p:style>
+                <p:txBody>
+                  <a:bodyPr rtlCol="0" anchor="ctr"/>
+                  <a:lstStyle/>
+                  <a:p>
+                    <a:pPr algn="r"/>
+                    <a:endParaRPr lang="en-US" i="1" dirty="0">
+                      <a:solidFill>
+                        <a:schemeClr val="tx1">
+                          <a:lumMod val="75000"/>
+                          <a:lumOff val="25000"/>
+                        </a:schemeClr>
+                      </a:solidFill>
+                      <a:latin typeface="Cambria Math" panose="02040503050406030204" pitchFamily="18" charset="0"/>
+                    </a:endParaRPr>
+                  </a:p>
+                </p:txBody>
+              </p:sp>
+              <p:sp>
+                <p:nvSpPr>
+                  <p:cNvPr id="76" name="Rectangle 75">
+                    <a:extLst>
+                      <a:ext uri="{FF2B5EF4-FFF2-40B4-BE49-F238E27FC236}">
+                        <a16:creationId xmlns:a16="http://schemas.microsoft.com/office/drawing/2014/main" id="{5397AA22-9FB3-7540-EA42-34FD3117679E}"/>
+                      </a:ext>
+                    </a:extLst>
+                  </p:cNvPr>
+                  <p:cNvSpPr/>
+                  <p:nvPr/>
+                </p:nvSpPr>
+                <p:spPr>
+                  <a:xfrm>
+                    <a:off x="5155842" y="2104683"/>
+                    <a:ext cx="398585" cy="398585"/>
+                  </a:xfrm>
+                  <a:prstGeom prst="rect">
+                    <a:avLst/>
+                  </a:prstGeom>
+                  <a:noFill/>
+                  <a:ln>
+                    <a:solidFill>
+                      <a:schemeClr val="tx1">
+                        <a:lumMod val="50000"/>
+                        <a:lumOff val="50000"/>
+                      </a:schemeClr>
+                    </a:solidFill>
+                  </a:ln>
+                </p:spPr>
+                <p:style>
+                  <a:lnRef idx="2">
+                    <a:schemeClr val="accent1">
+                      <a:shade val="15000"/>
+                    </a:schemeClr>
+                  </a:lnRef>
+                  <a:fillRef idx="1">
+                    <a:schemeClr val="accent1"/>
+                  </a:fillRef>
+                  <a:effectRef idx="0">
+                    <a:schemeClr val="accent1"/>
+                  </a:effectRef>
+                  <a:fontRef idx="minor">
+                    <a:schemeClr val="lt1"/>
+                  </a:fontRef>
+                </p:style>
+                <p:txBody>
+                  <a:bodyPr rtlCol="0" anchor="ctr"/>
+                  <a:lstStyle/>
+                  <a:p>
+                    <a:pPr algn="ctr"/>
+                    <a:endParaRPr lang="en-US">
+                      <a:solidFill>
+                        <a:schemeClr val="tx1">
+                          <a:lumMod val="75000"/>
+                          <a:lumOff val="25000"/>
+                        </a:schemeClr>
+                      </a:solidFill>
+                    </a:endParaRPr>
+                  </a:p>
+                </p:txBody>
+              </p:sp>
+              <p:sp>
+                <p:nvSpPr>
+                  <p:cNvPr id="77" name="Rectangle 76">
+                    <a:extLst>
+                      <a:ext uri="{FF2B5EF4-FFF2-40B4-BE49-F238E27FC236}">
+                        <a16:creationId xmlns:a16="http://schemas.microsoft.com/office/drawing/2014/main" id="{7FF2FC60-D1EC-D3F8-56B8-9CC52DC4FDEA}"/>
+                      </a:ext>
+                    </a:extLst>
+                  </p:cNvPr>
+                  <p:cNvSpPr/>
+                  <p:nvPr/>
+                </p:nvSpPr>
+                <p:spPr>
+                  <a:xfrm>
+                    <a:off x="4316412" y="2065444"/>
+                    <a:ext cx="1289825" cy="479320"/>
+                  </a:xfrm>
+                  <a:prstGeom prst="rect">
+                    <a:avLst/>
+                  </a:prstGeom>
+                  <a:noFill/>
+                  <a:ln>
+                    <a:solidFill>
+                      <a:schemeClr val="bg1">
+                        <a:lumMod val="85000"/>
+                      </a:schemeClr>
+                    </a:solidFill>
+                  </a:ln>
+                </p:spPr>
+                <p:style>
+                  <a:lnRef idx="2">
+                    <a:schemeClr val="accent1">
+                      <a:shade val="15000"/>
+                    </a:schemeClr>
+                  </a:lnRef>
+                  <a:fillRef idx="1">
+                    <a:schemeClr val="accent1"/>
+                  </a:fillRef>
+                  <a:effectRef idx="0">
+                    <a:schemeClr val="accent1"/>
+                  </a:effectRef>
+                  <a:fontRef idx="minor">
+                    <a:schemeClr val="lt1"/>
+                  </a:fontRef>
+                </p:style>
+                <p:txBody>
+                  <a:bodyPr rtlCol="0" anchor="ctr"/>
+                  <a:lstStyle/>
+                  <a:p>
+                    <a:pPr algn="ctr"/>
+                    <a:endParaRPr lang="en-US">
+                      <a:solidFill>
+                        <a:schemeClr val="tx1">
+                          <a:lumMod val="75000"/>
+                          <a:lumOff val="25000"/>
+                        </a:schemeClr>
+                      </a:solidFill>
+                    </a:endParaRPr>
+                  </a:p>
+                </p:txBody>
+              </p:sp>
+            </p:grpSp>
+            <p:cxnSp>
+              <p:nvCxnSpPr>
+                <p:cNvPr id="78" name="Straight Arrow Connector 77">
+                  <a:extLst>
+                    <a:ext uri="{FF2B5EF4-FFF2-40B4-BE49-F238E27FC236}">
+                      <a16:creationId xmlns:a16="http://schemas.microsoft.com/office/drawing/2014/main" id="{454C3EC1-3751-2D98-DDD2-B0D40F004C36}"/>
+                    </a:ext>
+                  </a:extLst>
+                </p:cNvPr>
+                <p:cNvCxnSpPr>
+                  <a:cxnSpLocks/>
+                  <a:endCxn id="72" idx="0"/>
+                </p:cNvCxnSpPr>
+                <p:nvPr/>
+              </p:nvCxnSpPr>
+              <p:spPr>
+                <a:xfrm flipH="1">
+                  <a:off x="8123917" y="3914824"/>
+                  <a:ext cx="615603" cy="668768"/>
+                </a:xfrm>
+                <a:prstGeom prst="straightConnector1">
+                  <a:avLst/>
+                </a:prstGeom>
+                <a:ln w="19050">
+                  <a:solidFill>
+                    <a:schemeClr val="tx1">
+                      <a:lumMod val="65000"/>
+                      <a:lumOff val="35000"/>
+                    </a:schemeClr>
+                  </a:solidFill>
+                  <a:tailEnd type="triangle"/>
+                </a:ln>
+              </p:spPr>
+              <p:style>
+                <a:lnRef idx="1">
+                  <a:schemeClr val="accent1"/>
+                </a:lnRef>
+                <a:fillRef idx="0">
+                  <a:schemeClr val="accent1"/>
+                </a:fillRef>
+                <a:effectRef idx="0">
+                  <a:schemeClr val="accent1"/>
+                </a:effectRef>
+                <a:fontRef idx="minor">
+                  <a:schemeClr val="tx1"/>
+                </a:fontRef>
+              </p:style>
+            </p:cxnSp>
+            <p:cxnSp>
+              <p:nvCxnSpPr>
+                <p:cNvPr id="82" name="Straight Arrow Connector 81">
+                  <a:extLst>
+                    <a:ext uri="{FF2B5EF4-FFF2-40B4-BE49-F238E27FC236}">
+                      <a16:creationId xmlns:a16="http://schemas.microsoft.com/office/drawing/2014/main" id="{F615F03E-DE32-1C2D-39F2-09CDBA782907}"/>
+                    </a:ext>
+                  </a:extLst>
+                </p:cNvPr>
+                <p:cNvCxnSpPr>
+                  <a:cxnSpLocks/>
+                </p:cNvCxnSpPr>
+                <p:nvPr/>
+              </p:nvCxnSpPr>
+              <p:spPr>
+                <a:xfrm>
+                  <a:off x="8796304" y="4721412"/>
+                  <a:ext cx="296562" cy="0"/>
+                </a:xfrm>
+                <a:prstGeom prst="straightConnector1">
+                  <a:avLst/>
+                </a:prstGeom>
+                <a:ln w="19050">
+                  <a:solidFill>
+                    <a:schemeClr val="tx1">
+                      <a:lumMod val="50000"/>
+                      <a:lumOff val="50000"/>
+                    </a:schemeClr>
+                  </a:solidFill>
+                  <a:tailEnd type="triangle"/>
+                </a:ln>
+              </p:spPr>
+              <p:style>
+                <a:lnRef idx="1">
+                  <a:schemeClr val="accent1"/>
+                </a:lnRef>
+                <a:fillRef idx="0">
+                  <a:schemeClr val="accent1"/>
+                </a:fillRef>
+                <a:effectRef idx="0">
+                  <a:schemeClr val="accent1"/>
+                </a:effectRef>
+                <a:fontRef idx="minor">
+                  <a:schemeClr val="tx1"/>
+                </a:fontRef>
+              </p:style>
+            </p:cxnSp>
+            <p:cxnSp>
+              <p:nvCxnSpPr>
+                <p:cNvPr id="85" name="Straight Arrow Connector 84">
+                  <a:extLst>
+                    <a:ext uri="{FF2B5EF4-FFF2-40B4-BE49-F238E27FC236}">
+                      <a16:creationId xmlns:a16="http://schemas.microsoft.com/office/drawing/2014/main" id="{ABD3FD50-0D9F-0514-29DD-CA5EB9357A46}"/>
+                    </a:ext>
+                  </a:extLst>
+                </p:cNvPr>
+                <p:cNvCxnSpPr>
+                  <a:cxnSpLocks/>
+                </p:cNvCxnSpPr>
+                <p:nvPr/>
+              </p:nvCxnSpPr>
+              <p:spPr>
+                <a:xfrm flipH="1">
+                  <a:off x="8799834" y="4942847"/>
+                  <a:ext cx="275380" cy="0"/>
+                </a:xfrm>
+                <a:prstGeom prst="straightConnector1">
+                  <a:avLst/>
+                </a:prstGeom>
+                <a:ln w="19050">
+                  <a:solidFill>
+                    <a:schemeClr val="tx1">
+                      <a:lumMod val="50000"/>
+                      <a:lumOff val="50000"/>
+                    </a:schemeClr>
+                  </a:solidFill>
+                  <a:tailEnd type="triangle"/>
+                </a:ln>
+              </p:spPr>
+              <p:style>
+                <a:lnRef idx="1">
+                  <a:schemeClr val="accent1"/>
+                </a:lnRef>
+                <a:fillRef idx="0">
+                  <a:schemeClr val="accent1"/>
+                </a:fillRef>
+                <a:effectRef idx="0">
+                  <a:schemeClr val="accent1"/>
+                </a:effectRef>
+                <a:fontRef idx="minor">
+                  <a:schemeClr val="tx1"/>
+                </a:fontRef>
+              </p:style>
+            </p:cxnSp>
+            <p:cxnSp>
+              <p:nvCxnSpPr>
+                <p:cNvPr id="95" name="Straight Arrow Connector 94">
+                  <a:extLst>
+                    <a:ext uri="{FF2B5EF4-FFF2-40B4-BE49-F238E27FC236}">
+                      <a16:creationId xmlns:a16="http://schemas.microsoft.com/office/drawing/2014/main" id="{04E15A47-C659-0B49-2639-15D10D0DE6BE}"/>
+                    </a:ext>
+                  </a:extLst>
+                </p:cNvPr>
+                <p:cNvCxnSpPr>
+                  <a:cxnSpLocks/>
+                  <a:endCxn id="77" idx="0"/>
+                </p:cNvCxnSpPr>
+                <p:nvPr/>
+              </p:nvCxnSpPr>
+              <p:spPr>
+                <a:xfrm>
+                  <a:off x="9136802" y="3914499"/>
+                  <a:ext cx="599690" cy="669093"/>
+                </a:xfrm>
+                <a:prstGeom prst="straightConnector1">
+                  <a:avLst/>
+                </a:prstGeom>
+                <a:ln w="19050">
+                  <a:solidFill>
+                    <a:schemeClr val="tx1">
+                      <a:lumMod val="65000"/>
+                      <a:lumOff val="35000"/>
+                    </a:schemeClr>
+                  </a:solidFill>
+                  <a:tailEnd type="triangle"/>
+                </a:ln>
+              </p:spPr>
+              <p:style>
+                <a:lnRef idx="1">
+                  <a:schemeClr val="accent1"/>
+                </a:lnRef>
+                <a:fillRef idx="0">
+                  <a:schemeClr val="accent1"/>
+                </a:fillRef>
+                <a:effectRef idx="0">
+                  <a:schemeClr val="accent1"/>
+                </a:effectRef>
+                <a:fontRef idx="minor">
+                  <a:schemeClr val="tx1"/>
+                </a:fontRef>
+              </p:style>
+            </p:cxnSp>
+            <p:grpSp>
+              <p:nvGrpSpPr>
+                <p:cNvPr id="101" name="Group 100">
+                  <a:extLst>
+                    <a:ext uri="{FF2B5EF4-FFF2-40B4-BE49-F238E27FC236}">
+                      <a16:creationId xmlns:a16="http://schemas.microsoft.com/office/drawing/2014/main" id="{4C702773-1250-B072-BD32-3E4BB713CC20}"/>
+                    </a:ext>
+                  </a:extLst>
+                </p:cNvPr>
+                <p:cNvGrpSpPr/>
+                <p:nvPr/>
+              </p:nvGrpSpPr>
+              <p:grpSpPr>
+                <a:xfrm>
+                  <a:off x="10683313" y="4583592"/>
+                  <a:ext cx="1289825" cy="479320"/>
+                  <a:chOff x="4316412" y="2065444"/>
+                  <a:chExt cx="1289825" cy="479320"/>
+                </a:xfrm>
+              </p:grpSpPr>
+              <p:sp>
+                <p:nvSpPr>
+                  <p:cNvPr id="102" name="Rectangle 101">
+                    <a:extLst>
+                      <a:ext uri="{FF2B5EF4-FFF2-40B4-BE49-F238E27FC236}">
+                        <a16:creationId xmlns:a16="http://schemas.microsoft.com/office/drawing/2014/main" id="{9DDF5353-0858-AE45-9E56-12118995B93B}"/>
+                      </a:ext>
+                    </a:extLst>
+                  </p:cNvPr>
+                  <p:cNvSpPr/>
+                  <p:nvPr/>
+                </p:nvSpPr>
+                <p:spPr>
+                  <a:xfrm>
+                    <a:off x="4357858" y="2104683"/>
+                    <a:ext cx="398585" cy="398585"/>
+                  </a:xfrm>
+                  <a:prstGeom prst="rect">
+                    <a:avLst/>
+                  </a:prstGeom>
+                  <a:noFill/>
+                  <a:ln>
+                    <a:solidFill>
+                      <a:schemeClr val="tx1">
+                        <a:lumMod val="50000"/>
+                        <a:lumOff val="50000"/>
+                      </a:schemeClr>
+                    </a:solidFill>
+                  </a:ln>
+                </p:spPr>
+                <p:style>
+                  <a:lnRef idx="2">
+                    <a:schemeClr val="accent1">
+                      <a:shade val="15000"/>
+                    </a:schemeClr>
+                  </a:lnRef>
+                  <a:fillRef idx="1">
+                    <a:schemeClr val="accent1"/>
+                  </a:fillRef>
+                  <a:effectRef idx="0">
+                    <a:schemeClr val="accent1"/>
+                  </a:effectRef>
+                  <a:fontRef idx="minor">
+                    <a:schemeClr val="lt1"/>
+                  </a:fontRef>
+                </p:style>
+                <p:txBody>
+                  <a:bodyPr rtlCol="0" anchor="ctr"/>
+                  <a:lstStyle/>
+                  <a:p>
+                    <a:pPr algn="r"/>
+                    <a:endParaRPr lang="en-US" i="1" dirty="0">
+                      <a:solidFill>
+                        <a:schemeClr val="tx1">
+                          <a:lumMod val="75000"/>
+                          <a:lumOff val="25000"/>
+                        </a:schemeClr>
+                      </a:solidFill>
+                      <a:latin typeface="Cambria Math" panose="02040503050406030204" pitchFamily="18" charset="0"/>
+                    </a:endParaRPr>
+                  </a:p>
+                </p:txBody>
+              </p:sp>
+              <p:sp>
+                <p:nvSpPr>
+                  <p:cNvPr id="103" name="Rectangle 102">
+                    <a:extLst>
+                      <a:ext uri="{FF2B5EF4-FFF2-40B4-BE49-F238E27FC236}">
+                        <a16:creationId xmlns:a16="http://schemas.microsoft.com/office/drawing/2014/main" id="{F6A93B4B-B7A9-398E-9869-38382083D889}"/>
+                      </a:ext>
+                    </a:extLst>
+                  </p:cNvPr>
+                  <p:cNvSpPr/>
+                  <p:nvPr/>
+                </p:nvSpPr>
+                <p:spPr>
+                  <a:xfrm>
+                    <a:off x="4760187" y="2104683"/>
+                    <a:ext cx="398585" cy="398585"/>
+                  </a:xfrm>
+                  <a:prstGeom prst="rect">
+                    <a:avLst/>
+                  </a:prstGeom>
+                  <a:noFill/>
+                  <a:ln>
+                    <a:solidFill>
+                      <a:schemeClr val="tx1">
+                        <a:lumMod val="50000"/>
+                        <a:lumOff val="50000"/>
+                      </a:schemeClr>
+                    </a:solidFill>
+                  </a:ln>
+                </p:spPr>
+                <p:style>
+                  <a:lnRef idx="2">
+                    <a:schemeClr val="accent1">
+                      <a:shade val="15000"/>
+                    </a:schemeClr>
+                  </a:lnRef>
+                  <a:fillRef idx="1">
+                    <a:schemeClr val="accent1"/>
+                  </a:fillRef>
+                  <a:effectRef idx="0">
+                    <a:schemeClr val="accent1"/>
+                  </a:effectRef>
+                  <a:fontRef idx="minor">
+                    <a:schemeClr val="lt1"/>
+                  </a:fontRef>
+                </p:style>
+                <p:txBody>
+                  <a:bodyPr rtlCol="0" anchor="ctr"/>
+                  <a:lstStyle/>
+                  <a:p>
+                    <a:pPr algn="r"/>
+                    <a:endParaRPr lang="en-US" dirty="0">
+                      <a:solidFill>
+                        <a:schemeClr val="tx1">
+                          <a:lumMod val="75000"/>
+                          <a:lumOff val="25000"/>
+                        </a:schemeClr>
+                      </a:solidFill>
+                    </a:endParaRPr>
+                  </a:p>
+                </p:txBody>
+              </p:sp>
+              <p:sp>
+                <p:nvSpPr>
+                  <p:cNvPr id="104" name="Rectangle 103">
+                    <a:extLst>
+                      <a:ext uri="{FF2B5EF4-FFF2-40B4-BE49-F238E27FC236}">
+                        <a16:creationId xmlns:a16="http://schemas.microsoft.com/office/drawing/2014/main" id="{805F78F1-C092-6F0D-F318-26ADD977578C}"/>
+                      </a:ext>
+                    </a:extLst>
+                  </p:cNvPr>
+                  <p:cNvSpPr/>
+                  <p:nvPr/>
+                </p:nvSpPr>
+                <p:spPr>
+                  <a:xfrm>
+                    <a:off x="5155842" y="2104683"/>
+                    <a:ext cx="398585" cy="398585"/>
+                  </a:xfrm>
+                  <a:prstGeom prst="rect">
+                    <a:avLst/>
+                  </a:prstGeom>
+                  <a:noFill/>
+                  <a:ln>
+                    <a:solidFill>
+                      <a:schemeClr val="tx1">
+                        <a:lumMod val="50000"/>
+                        <a:lumOff val="50000"/>
+                      </a:schemeClr>
+                    </a:solidFill>
+                  </a:ln>
+                </p:spPr>
+                <p:style>
+                  <a:lnRef idx="2">
+                    <a:schemeClr val="accent1">
+                      <a:shade val="15000"/>
+                    </a:schemeClr>
+                  </a:lnRef>
+                  <a:fillRef idx="1">
+                    <a:schemeClr val="accent1"/>
+                  </a:fillRef>
+                  <a:effectRef idx="0">
+                    <a:schemeClr val="accent1"/>
+                  </a:effectRef>
+                  <a:fontRef idx="minor">
+                    <a:schemeClr val="lt1"/>
+                  </a:fontRef>
+                </p:style>
+                <p:txBody>
+                  <a:bodyPr rtlCol="0" anchor="ctr"/>
+                  <a:lstStyle/>
+                  <a:p>
+                    <a:pPr algn="ctr"/>
+                    <a:endParaRPr lang="en-US">
+                      <a:solidFill>
+                        <a:schemeClr val="tx1">
+                          <a:lumMod val="75000"/>
+                          <a:lumOff val="25000"/>
+                        </a:schemeClr>
+                      </a:solidFill>
+                    </a:endParaRPr>
+                  </a:p>
+                </p:txBody>
+              </p:sp>
+              <p:sp>
+                <p:nvSpPr>
+                  <p:cNvPr id="105" name="Rectangle 104">
+                    <a:extLst>
+                      <a:ext uri="{FF2B5EF4-FFF2-40B4-BE49-F238E27FC236}">
+                        <a16:creationId xmlns:a16="http://schemas.microsoft.com/office/drawing/2014/main" id="{8729717B-A7A3-2D1B-3A69-4B6EDD067A36}"/>
+                      </a:ext>
+                    </a:extLst>
+                  </p:cNvPr>
+                  <p:cNvSpPr/>
+                  <p:nvPr/>
+                </p:nvSpPr>
+                <p:spPr>
+                  <a:xfrm>
+                    <a:off x="4316412" y="2065444"/>
+                    <a:ext cx="1289825" cy="479320"/>
+                  </a:xfrm>
+                  <a:prstGeom prst="rect">
+                    <a:avLst/>
+                  </a:prstGeom>
+                  <a:noFill/>
+                  <a:ln>
+                    <a:solidFill>
+                      <a:schemeClr val="bg1">
+                        <a:lumMod val="85000"/>
+                      </a:schemeClr>
+                    </a:solidFill>
+                  </a:ln>
+                </p:spPr>
+                <p:style>
+                  <a:lnRef idx="2">
+                    <a:schemeClr val="accent1">
+                      <a:shade val="15000"/>
+                    </a:schemeClr>
+                  </a:lnRef>
+                  <a:fillRef idx="1">
+                    <a:schemeClr val="accent1"/>
+                  </a:fillRef>
+                  <a:effectRef idx="0">
+                    <a:schemeClr val="accent1"/>
+                  </a:effectRef>
+                  <a:fontRef idx="minor">
+                    <a:schemeClr val="lt1"/>
+                  </a:fontRef>
+                </p:style>
+                <p:txBody>
+                  <a:bodyPr rtlCol="0" anchor="ctr"/>
+                  <a:lstStyle/>
+                  <a:p>
+                    <a:pPr algn="ctr"/>
+                    <a:endParaRPr lang="en-US">
+                      <a:solidFill>
+                        <a:schemeClr val="tx1">
+                          <a:lumMod val="75000"/>
+                          <a:lumOff val="25000"/>
+                        </a:schemeClr>
+                      </a:solidFill>
+                    </a:endParaRPr>
+                  </a:p>
+                </p:txBody>
+              </p:sp>
+            </p:grpSp>
+            <p:cxnSp>
+              <p:nvCxnSpPr>
+                <p:cNvPr id="106" name="Straight Arrow Connector 105">
+                  <a:extLst>
+                    <a:ext uri="{FF2B5EF4-FFF2-40B4-BE49-F238E27FC236}">
+                      <a16:creationId xmlns:a16="http://schemas.microsoft.com/office/drawing/2014/main" id="{831E36DA-D1E3-798D-142D-5DF8AE6ABAA7}"/>
+                    </a:ext>
+                  </a:extLst>
+                </p:cNvPr>
+                <p:cNvCxnSpPr>
+                  <a:cxnSpLocks/>
+                </p:cNvCxnSpPr>
+                <p:nvPr/>
+              </p:nvCxnSpPr>
+              <p:spPr>
+                <a:xfrm>
+                  <a:off x="10388038" y="4712945"/>
+                  <a:ext cx="296562" cy="0"/>
+                </a:xfrm>
+                <a:prstGeom prst="straightConnector1">
+                  <a:avLst/>
+                </a:prstGeom>
+                <a:ln w="19050">
+                  <a:solidFill>
+                    <a:schemeClr val="tx1">
+                      <a:lumMod val="50000"/>
+                      <a:lumOff val="50000"/>
+                    </a:schemeClr>
+                  </a:solidFill>
+                  <a:tailEnd type="triangle"/>
+                </a:ln>
+              </p:spPr>
+              <p:style>
+                <a:lnRef idx="1">
+                  <a:schemeClr val="accent1"/>
+                </a:lnRef>
+                <a:fillRef idx="0">
+                  <a:schemeClr val="accent1"/>
+                </a:fillRef>
+                <a:effectRef idx="0">
+                  <a:schemeClr val="accent1"/>
+                </a:effectRef>
+                <a:fontRef idx="minor">
+                  <a:schemeClr val="tx1"/>
+                </a:fontRef>
+              </p:style>
+            </p:cxnSp>
+            <p:cxnSp>
+              <p:nvCxnSpPr>
+                <p:cNvPr id="107" name="Straight Arrow Connector 106">
+                  <a:extLst>
+                    <a:ext uri="{FF2B5EF4-FFF2-40B4-BE49-F238E27FC236}">
+                      <a16:creationId xmlns:a16="http://schemas.microsoft.com/office/drawing/2014/main" id="{59986EF6-5A51-FFBB-E5C3-5577CE0EFAB8}"/>
+                    </a:ext>
+                  </a:extLst>
+                </p:cNvPr>
+                <p:cNvCxnSpPr>
+                  <a:cxnSpLocks/>
+                </p:cNvCxnSpPr>
+                <p:nvPr/>
+              </p:nvCxnSpPr>
+              <p:spPr>
+                <a:xfrm flipH="1">
+                  <a:off x="10391568" y="4934380"/>
+                  <a:ext cx="275380" cy="0"/>
+                </a:xfrm>
+                <a:prstGeom prst="straightConnector1">
+                  <a:avLst/>
+                </a:prstGeom>
+                <a:ln w="19050">
+                  <a:solidFill>
+                    <a:schemeClr val="tx1">
+                      <a:lumMod val="50000"/>
+                      <a:lumOff val="50000"/>
+                    </a:schemeClr>
+                  </a:solidFill>
+                  <a:tailEnd type="triangle"/>
+                </a:ln>
+              </p:spPr>
+              <p:style>
+                <a:lnRef idx="1">
+                  <a:schemeClr val="accent1"/>
+                </a:lnRef>
+                <a:fillRef idx="0">
+                  <a:schemeClr val="accent1"/>
+                </a:fillRef>
+                <a:effectRef idx="0">
+                  <a:schemeClr val="accent1"/>
+                </a:effectRef>
+                <a:fontRef idx="minor">
+                  <a:schemeClr val="tx1"/>
+                </a:fontRef>
+              </p:style>
+            </p:cxnSp>
+            <p:cxnSp>
+              <p:nvCxnSpPr>
+                <p:cNvPr id="108" name="Straight Arrow Connector 107">
+                  <a:extLst>
+                    <a:ext uri="{FF2B5EF4-FFF2-40B4-BE49-F238E27FC236}">
+                      <a16:creationId xmlns:a16="http://schemas.microsoft.com/office/drawing/2014/main" id="{C1D62054-E1F2-8D6F-1D35-8A6CDC0CC8B9}"/>
+                    </a:ext>
+                  </a:extLst>
+                </p:cNvPr>
+                <p:cNvCxnSpPr>
+                  <a:cxnSpLocks/>
+                  <a:endCxn id="105" idx="0"/>
+                </p:cNvCxnSpPr>
+                <p:nvPr/>
+              </p:nvCxnSpPr>
+              <p:spPr>
+                <a:xfrm>
+                  <a:off x="9530502" y="3906033"/>
+                  <a:ext cx="1797724" cy="677559"/>
+                </a:xfrm>
+                <a:prstGeom prst="straightConnector1">
+                  <a:avLst/>
+                </a:prstGeom>
+                <a:ln w="19050">
+                  <a:solidFill>
+                    <a:schemeClr val="tx1">
+                      <a:lumMod val="65000"/>
+                      <a:lumOff val="35000"/>
+                    </a:schemeClr>
+                  </a:solidFill>
+                  <a:tailEnd type="triangle"/>
+                </a:ln>
+              </p:spPr>
+              <p:style>
+                <a:lnRef idx="1">
+                  <a:schemeClr val="accent1"/>
+                </a:lnRef>
+                <a:fillRef idx="0">
+                  <a:schemeClr val="accent1"/>
+                </a:fillRef>
+                <a:effectRef idx="0">
+                  <a:schemeClr val="accent1"/>
+                </a:effectRef>
+                <a:fontRef idx="minor">
+                  <a:schemeClr val="tx1"/>
+                </a:fontRef>
+              </p:style>
+            </p:cxnSp>
+          </p:grpSp>
+          <p:sp>
+            <p:nvSpPr>
+              <p:cNvPr id="345" name="Rectangle 344">
+                <a:extLst>
+                  <a:ext uri="{FF2B5EF4-FFF2-40B4-BE49-F238E27FC236}">
+                    <a16:creationId xmlns:a16="http://schemas.microsoft.com/office/drawing/2014/main" id="{1F5A34B6-0DE8-9B35-5B17-10CBB8192E8D}"/>
+                  </a:ext>
+                </a:extLst>
+              </p:cNvPr>
+              <p:cNvSpPr/>
+              <p:nvPr/>
+            </p:nvSpPr>
+            <p:spPr>
+              <a:xfrm>
+                <a:off x="8528540" y="1852246"/>
+                <a:ext cx="2350476" cy="744415"/>
+              </a:xfrm>
+              <a:prstGeom prst="rect">
+                <a:avLst/>
+              </a:prstGeom>
+              <a:noFill/>
+              <a:ln>
+                <a:solidFill>
+                  <a:schemeClr val="bg1">
+                    <a:lumMod val="50000"/>
+                  </a:schemeClr>
+                </a:solidFill>
+                <a:prstDash val="dash"/>
+              </a:ln>
+            </p:spPr>
+            <p:style>
+              <a:lnRef idx="2">
+                <a:schemeClr val="accent1">
+                  <a:shade val="15000"/>
+                </a:schemeClr>
+              </a:lnRef>
+              <a:fillRef idx="1">
+                <a:schemeClr val="accent1"/>
+              </a:fillRef>
+              <a:effectRef idx="0">
+                <a:schemeClr val="accent1"/>
+              </a:effectRef>
+              <a:fontRef idx="minor">
+                <a:schemeClr val="lt1"/>
+              </a:fontRef>
+            </p:style>
+            <p:txBody>
+              <a:bodyPr rtlCol="0" anchor="ctr"/>
+              <a:lstStyle/>
+              <a:p>
+                <a:pPr algn="ctr"/>
+                <a:endParaRPr lang="en-US"/>
+              </a:p>
+            </p:txBody>
+          </p:sp>
+        </p:grpSp>
+        <p:sp>
+          <p:nvSpPr>
+            <p:cNvPr id="388" name="TextBox 387">
+              <a:extLst>
+                <a:ext uri="{FF2B5EF4-FFF2-40B4-BE49-F238E27FC236}">
+                  <a16:creationId xmlns:a16="http://schemas.microsoft.com/office/drawing/2014/main" id="{18EED495-3874-47F4-CE34-AC87161E327C}"/>
+                </a:ext>
+              </a:extLst>
+            </p:cNvPr>
+            <p:cNvSpPr txBox="1"/>
+            <p:nvPr/>
+          </p:nvSpPr>
+          <p:spPr>
+            <a:xfrm>
+              <a:off x="8259173" y="559231"/>
+              <a:ext cx="1605798" cy="954107"/>
+            </a:xfrm>
+            <a:prstGeom prst="rect">
+              <a:avLst/>
+            </a:prstGeom>
+            <a:solidFill>
+              <a:schemeClr val="bg1">
+                <a:alpha val="71000"/>
+              </a:schemeClr>
+            </a:solidFill>
+          </p:spPr>
+          <p:txBody>
+            <a:bodyPr wrap="square" rtlCol="0">
+              <a:spAutoFit/>
+            </a:bodyPr>
+            <a:lstStyle/>
+            <a:p>
+              <a:r>
+                <a:rPr lang="en-US" sz="1400" dirty="0">
+                  <a:solidFill>
+                    <a:schemeClr val="tx1">
+                      <a:lumMod val="65000"/>
+                      <a:lumOff val="35000"/>
+                    </a:schemeClr>
+                  </a:solidFill>
+                  <a:latin typeface="Times New Roman" panose="02020603050405020304" pitchFamily="18" charset="0"/>
+                  <a:cs typeface="Times New Roman" panose="02020603050405020304" pitchFamily="18" charset="0"/>
+                </a:rPr>
+                <a:t>Access local tree, perform action and send back the results</a:t>
+              </a:r>
+            </a:p>
+          </p:txBody>
+        </p:sp>
+      </p:grpSp>
+    </p:spTree>
+    <p:extLst>
+      <p:ext uri="{BB962C8B-B14F-4D97-AF65-F5344CB8AC3E}">
+        <p14:creationId xmlns:p14="http://schemas.microsoft.com/office/powerpoint/2010/main" val="96806246"/>
       </p:ext>
     </p:extLst>
   </p:cSld>
